--- a/documentos/Entrega 2/Banner/Banner_PIDatalivery.pptx
+++ b/documentos/Entrega 2/Banner/Banner_PIDatalivery.pptx
@@ -5,7 +5,7 @@
     <p:sldMasterId id="2147483648" r:id="rId1"/>
   </p:sldMasterIdLst>
   <p:sldIdLst>
-    <p:sldId id="256" r:id="rId6"/>
+    <p:sldId id="256" r:id="rId2"/>
   </p:sldIdLst>
   <p:sldSz cx="13398500" cy="20104100"/>
   <p:notesSz cx="13398500" cy="20104100"/>
@@ -14,11 +14,27 @@
       <a:defRPr kern="0"/>
     </a:defPPr>
   </p:defaultTextStyle>
+  <p:extLst>
+    <p:ext uri="{EFAFB233-063F-42B5-8137-9DF3F51BA10A}">
+      <p15:sldGuideLst xmlns:p15="http://schemas.microsoft.com/office/powerpoint/2012/main">
+        <p15:guide id="1" orient="horz" pos="2880">
+          <p15:clr>
+            <a:srgbClr val="A4A3A4"/>
+          </p15:clr>
+        </p15:guide>
+        <p15:guide id="2" pos="2160">
+          <p15:clr>
+            <a:srgbClr val="A4A3A4"/>
+          </p15:clr>
+        </p15:guide>
+      </p15:sldGuideLst>
+    </p:ext>
+  </p:extLst>
 </p:presentation>
 </file>
 
 <file path=ppt/slideLayouts/slideLayout1.xml><?xml version="1.0" encoding="utf-8"?>
-<p:sldLayout xmlns:a="http://schemas.openxmlformats.org/drawingml/2006/main" xmlns:r="http://schemas.openxmlformats.org/officeDocument/2006/relationships" xmlns:p="http://schemas.openxmlformats.org/presentationml/2006/main" preserve="1" type="obj">
+<p:sldLayout xmlns:a="http://schemas.openxmlformats.org/drawingml/2006/main" xmlns:r="http://schemas.openxmlformats.org/officeDocument/2006/relationships" xmlns:p="http://schemas.openxmlformats.org/presentationml/2006/main" type="obj" preserve="1">
   <p:cSld name="Title Slide">
     <p:spTree>
       <p:nvGrpSpPr>
@@ -62,7 +78,9 @@
               <a:defRPr/>
             </a:lvl1pPr>
           </a:lstStyle>
-          <a:p/>
+          <a:p>
+            <a:endParaRPr/>
+          </a:p>
         </p:txBody>
       </p:sp>
       <p:sp>
@@ -93,7 +111,9 @@
               <a:defRPr/>
             </a:lvl1pPr>
           </a:lstStyle>
-          <a:p/>
+          <a:p>
+            <a:endParaRPr/>
+          </a:p>
         </p:txBody>
       </p:sp>
       <p:sp>
@@ -103,7 +123,7 @@
             <a:spLocks noGrp="1"/>
           </p:cNvSpPr>
           <p:nvPr>
-            <p:ph type="ftr" idx="5" sz="quarter"/>
+            <p:ph type="ftr" sz="quarter" idx="5"/>
           </p:nvPr>
         </p:nvSpPr>
         <p:spPr/>
@@ -120,7 +140,9 @@
               </a:defRPr>
             </a:lvl1pPr>
           </a:lstStyle>
-          <a:p/>
+          <a:p>
+            <a:endParaRPr/>
+          </a:p>
         </p:txBody>
       </p:sp>
       <p:sp>
@@ -130,7 +152,7 @@
             <a:spLocks noGrp="1"/>
           </p:cNvSpPr>
           <p:nvPr>
-            <p:ph type="dt" idx="6" sz="half"/>
+            <p:ph type="dt" sz="half" idx="6"/>
           </p:nvPr>
         </p:nvSpPr>
         <p:spPr/>
@@ -150,7 +172,9 @@
           <a:p>
             <a:fld id="{1D8BD707-D9CF-40AE-B4C6-C98DA3205C09}" type="datetimeFigureOut">
               <a:rPr lang="en-US"/>
+              <a:t>11/6/2025</a:t>
             </a:fld>
+            <a:endParaRPr lang="en-US"/>
           </a:p>
         </p:txBody>
       </p:sp>
@@ -161,7 +185,7 @@
             <a:spLocks noGrp="1"/>
           </p:cNvSpPr>
           <p:nvPr>
-            <p:ph type="sldNum" idx="7" sz="quarter"/>
+            <p:ph type="sldNum" sz="quarter" idx="7"/>
           </p:nvPr>
         </p:nvSpPr>
         <p:spPr/>
@@ -180,8 +204,9 @@
           </a:lstStyle>
           <a:p>
             <a:fld id="{B6F15528-21DE-4FAA-801E-634DDDAF4B2B}" type="slidenum">
-              <a:t>#</a:t>
+              <a:t>‹nº›</a:t>
             </a:fld>
+            <a:endParaRPr/>
           </a:p>
         </p:txBody>
       </p:sp>
@@ -194,7 +219,7 @@
 </file>
 
 <file path=ppt/slideLayouts/slideLayout2.xml><?xml version="1.0" encoding="utf-8"?>
-<p:sldLayout xmlns:a="http://schemas.openxmlformats.org/drawingml/2006/main" xmlns:r="http://schemas.openxmlformats.org/officeDocument/2006/relationships" xmlns:p="http://schemas.openxmlformats.org/presentationml/2006/main" preserve="1" type="obj">
+<p:sldLayout xmlns:a="http://schemas.openxmlformats.org/drawingml/2006/main" xmlns:r="http://schemas.openxmlformats.org/officeDocument/2006/relationships" xmlns:p="http://schemas.openxmlformats.org/presentationml/2006/main" type="obj" preserve="1">
   <p:cSld name="Title and Content">
     <p:spTree>
       <p:nvGrpSpPr>
@@ -228,7 +253,9 @@
               <a:defRPr/>
             </a:lvl1pPr>
           </a:lstStyle>
-          <a:p/>
+          <a:p>
+            <a:endParaRPr/>
+          </a:p>
         </p:txBody>
       </p:sp>
       <p:sp>
@@ -249,7 +276,9 @@
               <a:defRPr/>
             </a:lvl1pPr>
           </a:lstStyle>
-          <a:p/>
+          <a:p>
+            <a:endParaRPr/>
+          </a:p>
         </p:txBody>
       </p:sp>
       <p:sp>
@@ -259,7 +288,7 @@
             <a:spLocks noGrp="1"/>
           </p:cNvSpPr>
           <p:nvPr>
-            <p:ph type="ftr" idx="5" sz="quarter"/>
+            <p:ph type="ftr" sz="quarter" idx="5"/>
           </p:nvPr>
         </p:nvSpPr>
         <p:spPr/>
@@ -276,7 +305,9 @@
               </a:defRPr>
             </a:lvl1pPr>
           </a:lstStyle>
-          <a:p/>
+          <a:p>
+            <a:endParaRPr/>
+          </a:p>
         </p:txBody>
       </p:sp>
       <p:sp>
@@ -286,7 +317,7 @@
             <a:spLocks noGrp="1"/>
           </p:cNvSpPr>
           <p:nvPr>
-            <p:ph type="dt" idx="6" sz="half"/>
+            <p:ph type="dt" sz="half" idx="6"/>
           </p:nvPr>
         </p:nvSpPr>
         <p:spPr/>
@@ -306,7 +337,9 @@
           <a:p>
             <a:fld id="{1D8BD707-D9CF-40AE-B4C6-C98DA3205C09}" type="datetimeFigureOut">
               <a:rPr lang="en-US"/>
+              <a:t>11/6/2025</a:t>
             </a:fld>
+            <a:endParaRPr lang="en-US"/>
           </a:p>
         </p:txBody>
       </p:sp>
@@ -317,7 +350,7 @@
             <a:spLocks noGrp="1"/>
           </p:cNvSpPr>
           <p:nvPr>
-            <p:ph type="sldNum" idx="7" sz="quarter"/>
+            <p:ph type="sldNum" sz="quarter" idx="7"/>
           </p:nvPr>
         </p:nvSpPr>
         <p:spPr/>
@@ -336,8 +369,9 @@
           </a:lstStyle>
           <a:p>
             <a:fld id="{B6F15528-21DE-4FAA-801E-634DDDAF4B2B}" type="slidenum">
-              <a:t>#</a:t>
+              <a:t>‹nº›</a:t>
             </a:fld>
+            <a:endParaRPr/>
           </a:p>
         </p:txBody>
       </p:sp>
@@ -350,7 +384,7 @@
 </file>
 
 <file path=ppt/slideLayouts/slideLayout3.xml><?xml version="1.0" encoding="utf-8"?>
-<p:sldLayout xmlns:a="http://schemas.openxmlformats.org/drawingml/2006/main" xmlns:r="http://schemas.openxmlformats.org/officeDocument/2006/relationships" xmlns:p="http://schemas.openxmlformats.org/presentationml/2006/main" preserve="1" type="obj">
+<p:sldLayout xmlns:a="http://schemas.openxmlformats.org/drawingml/2006/main" xmlns:r="http://schemas.openxmlformats.org/officeDocument/2006/relationships" xmlns:p="http://schemas.openxmlformats.org/presentationml/2006/main" type="obj" preserve="1">
   <p:cSld name="Two Content">
     <p:spTree>
       <p:nvGrpSpPr>
@@ -384,7 +418,9 @@
               <a:defRPr/>
             </a:lvl1pPr>
           </a:lstStyle>
-          <a:p/>
+          <a:p>
+            <a:endParaRPr/>
+          </a:p>
         </p:txBody>
       </p:sp>
       <p:sp>
@@ -394,7 +430,7 @@
             <a:spLocks noGrp="1"/>
           </p:cNvSpPr>
           <p:nvPr>
-            <p:ph idx="2" sz="half"/>
+            <p:ph sz="half" idx="2"/>
           </p:nvPr>
         </p:nvSpPr>
         <p:spPr>
@@ -415,7 +451,9 @@
               <a:defRPr/>
             </a:lvl1pPr>
           </a:lstStyle>
-          <a:p/>
+          <a:p>
+            <a:endParaRPr/>
+          </a:p>
         </p:txBody>
       </p:sp>
       <p:sp>
@@ -425,7 +463,7 @@
             <a:spLocks noGrp="1"/>
           </p:cNvSpPr>
           <p:nvPr>
-            <p:ph idx="3" sz="half"/>
+            <p:ph sz="half" idx="3"/>
           </p:nvPr>
         </p:nvSpPr>
         <p:spPr>
@@ -446,7 +484,9 @@
               <a:defRPr/>
             </a:lvl1pPr>
           </a:lstStyle>
-          <a:p/>
+          <a:p>
+            <a:endParaRPr/>
+          </a:p>
         </p:txBody>
       </p:sp>
       <p:sp>
@@ -456,7 +496,7 @@
             <a:spLocks noGrp="1"/>
           </p:cNvSpPr>
           <p:nvPr>
-            <p:ph type="ftr" idx="5" sz="quarter"/>
+            <p:ph type="ftr" sz="quarter" idx="5"/>
           </p:nvPr>
         </p:nvSpPr>
         <p:spPr/>
@@ -473,7 +513,9 @@
               </a:defRPr>
             </a:lvl1pPr>
           </a:lstStyle>
-          <a:p/>
+          <a:p>
+            <a:endParaRPr/>
+          </a:p>
         </p:txBody>
       </p:sp>
       <p:sp>
@@ -483,7 +525,7 @@
             <a:spLocks noGrp="1"/>
           </p:cNvSpPr>
           <p:nvPr>
-            <p:ph type="dt" idx="6" sz="half"/>
+            <p:ph type="dt" sz="half" idx="6"/>
           </p:nvPr>
         </p:nvSpPr>
         <p:spPr/>
@@ -503,7 +545,9 @@
           <a:p>
             <a:fld id="{1D8BD707-D9CF-40AE-B4C6-C98DA3205C09}" type="datetimeFigureOut">
               <a:rPr lang="en-US"/>
+              <a:t>11/6/2025</a:t>
             </a:fld>
+            <a:endParaRPr lang="en-US"/>
           </a:p>
         </p:txBody>
       </p:sp>
@@ -514,7 +558,7 @@
             <a:spLocks noGrp="1"/>
           </p:cNvSpPr>
           <p:nvPr>
-            <p:ph type="sldNum" idx="7" sz="quarter"/>
+            <p:ph type="sldNum" sz="quarter" idx="7"/>
           </p:nvPr>
         </p:nvSpPr>
         <p:spPr/>
@@ -533,8 +577,9 @@
           </a:lstStyle>
           <a:p>
             <a:fld id="{B6F15528-21DE-4FAA-801E-634DDDAF4B2B}" type="slidenum">
-              <a:t>#</a:t>
+              <a:t>‹nº›</a:t>
             </a:fld>
+            <a:endParaRPr/>
           </a:p>
         </p:txBody>
       </p:sp>
@@ -547,7 +592,7 @@
 </file>
 
 <file path=ppt/slideLayouts/slideLayout4.xml><?xml version="1.0" encoding="utf-8"?>
-<p:sldLayout xmlns:a="http://schemas.openxmlformats.org/drawingml/2006/main" xmlns:r="http://schemas.openxmlformats.org/officeDocument/2006/relationships" xmlns:p="http://schemas.openxmlformats.org/presentationml/2006/main" preserve="1" type="obj">
+<p:sldLayout xmlns:a="http://schemas.openxmlformats.org/drawingml/2006/main" xmlns:r="http://schemas.openxmlformats.org/officeDocument/2006/relationships" xmlns:p="http://schemas.openxmlformats.org/presentationml/2006/main" type="obj" preserve="1">
   <p:cSld name="Title Only">
     <p:spTree>
       <p:nvGrpSpPr>
@@ -581,7 +626,9 @@
               <a:defRPr/>
             </a:lvl1pPr>
           </a:lstStyle>
-          <a:p/>
+          <a:p>
+            <a:endParaRPr/>
+          </a:p>
         </p:txBody>
       </p:sp>
       <p:sp>
@@ -591,7 +638,7 @@
             <a:spLocks noGrp="1"/>
           </p:cNvSpPr>
           <p:nvPr>
-            <p:ph type="ftr" idx="5" sz="quarter"/>
+            <p:ph type="ftr" sz="quarter" idx="5"/>
           </p:nvPr>
         </p:nvSpPr>
         <p:spPr/>
@@ -608,7 +655,9 @@
               </a:defRPr>
             </a:lvl1pPr>
           </a:lstStyle>
-          <a:p/>
+          <a:p>
+            <a:endParaRPr/>
+          </a:p>
         </p:txBody>
       </p:sp>
       <p:sp>
@@ -618,7 +667,7 @@
             <a:spLocks noGrp="1"/>
           </p:cNvSpPr>
           <p:nvPr>
-            <p:ph type="dt" idx="6" sz="half"/>
+            <p:ph type="dt" sz="half" idx="6"/>
           </p:nvPr>
         </p:nvSpPr>
         <p:spPr/>
@@ -638,7 +687,9 @@
           <a:p>
             <a:fld id="{1D8BD707-D9CF-40AE-B4C6-C98DA3205C09}" type="datetimeFigureOut">
               <a:rPr lang="en-US"/>
+              <a:t>11/6/2025</a:t>
             </a:fld>
+            <a:endParaRPr lang="en-US"/>
           </a:p>
         </p:txBody>
       </p:sp>
@@ -649,7 +700,7 @@
             <a:spLocks noGrp="1"/>
           </p:cNvSpPr>
           <p:nvPr>
-            <p:ph type="sldNum" idx="7" sz="quarter"/>
+            <p:ph type="sldNum" sz="quarter" idx="7"/>
           </p:nvPr>
         </p:nvSpPr>
         <p:spPr/>
@@ -668,8 +719,9 @@
           </a:lstStyle>
           <a:p>
             <a:fld id="{B6F15528-21DE-4FAA-801E-634DDDAF4B2B}" type="slidenum">
-              <a:t>#</a:t>
+              <a:t>‹nº›</a:t>
             </a:fld>
+            <a:endParaRPr/>
           </a:p>
         </p:txBody>
       </p:sp>
@@ -682,7 +734,7 @@
 </file>
 
 <file path=ppt/slideLayouts/slideLayout5.xml><?xml version="1.0" encoding="utf-8"?>
-<p:sldLayout xmlns:a="http://schemas.openxmlformats.org/drawingml/2006/main" xmlns:r="http://schemas.openxmlformats.org/officeDocument/2006/relationships" xmlns:p="http://schemas.openxmlformats.org/presentationml/2006/main" preserve="1" type="obj">
+<p:sldLayout xmlns:a="http://schemas.openxmlformats.org/drawingml/2006/main" xmlns:r="http://schemas.openxmlformats.org/officeDocument/2006/relationships" xmlns:p="http://schemas.openxmlformats.org/presentationml/2006/main" type="obj" preserve="1">
   <p:cSld name="Blank">
     <p:spTree>
       <p:nvGrpSpPr>
@@ -705,7 +757,7 @@
             <a:spLocks noGrp="1"/>
           </p:cNvSpPr>
           <p:nvPr>
-            <p:ph type="ftr" idx="5" sz="quarter"/>
+            <p:ph type="ftr" sz="quarter" idx="5"/>
           </p:nvPr>
         </p:nvSpPr>
         <p:spPr/>
@@ -722,7 +774,9 @@
               </a:defRPr>
             </a:lvl1pPr>
           </a:lstStyle>
-          <a:p/>
+          <a:p>
+            <a:endParaRPr/>
+          </a:p>
         </p:txBody>
       </p:sp>
       <p:sp>
@@ -732,7 +786,7 @@
             <a:spLocks noGrp="1"/>
           </p:cNvSpPr>
           <p:nvPr>
-            <p:ph type="dt" idx="6" sz="half"/>
+            <p:ph type="dt" sz="half" idx="6"/>
           </p:nvPr>
         </p:nvSpPr>
         <p:spPr/>
@@ -752,7 +806,9 @@
           <a:p>
             <a:fld id="{1D8BD707-D9CF-40AE-B4C6-C98DA3205C09}" type="datetimeFigureOut">
               <a:rPr lang="en-US"/>
+              <a:t>11/6/2025</a:t>
             </a:fld>
+            <a:endParaRPr lang="en-US"/>
           </a:p>
         </p:txBody>
       </p:sp>
@@ -763,7 +819,7 @@
             <a:spLocks noGrp="1"/>
           </p:cNvSpPr>
           <p:nvPr>
-            <p:ph type="sldNum" idx="7" sz="quarter"/>
+            <p:ph type="sldNum" sz="quarter" idx="7"/>
           </p:nvPr>
         </p:nvSpPr>
         <p:spPr/>
@@ -782,8 +838,9 @@
           </a:lstStyle>
           <a:p>
             <a:fld id="{B6F15528-21DE-4FAA-801E-634DDDAF4B2B}" type="slidenum">
-              <a:t>#</a:t>
+              <a:t>‹nº›</a:t>
             </a:fld>
+            <a:endParaRPr/>
           </a:p>
         </p:txBody>
       </p:sp>
@@ -870,7 +927,9 @@
               <a:defRPr/>
             </a:lvl1pPr>
           </a:lstStyle>
-          <a:p/>
+          <a:p>
+            <a:endParaRPr/>
+          </a:p>
         </p:txBody>
       </p:sp>
       <p:sp>
@@ -901,7 +960,9 @@
               <a:defRPr/>
             </a:lvl1pPr>
           </a:lstStyle>
-          <a:p/>
+          <a:p>
+            <a:endParaRPr/>
+          </a:p>
         </p:txBody>
       </p:sp>
       <p:sp>
@@ -911,7 +972,7 @@
             <a:spLocks noGrp="1"/>
           </p:cNvSpPr>
           <p:nvPr>
-            <p:ph type="ftr" idx="5" sz="quarter"/>
+            <p:ph type="ftr" sz="quarter" idx="5"/>
           </p:nvPr>
         </p:nvSpPr>
         <p:spPr>
@@ -938,7 +999,9 @@
               </a:defRPr>
             </a:lvl1pPr>
           </a:lstStyle>
-          <a:p/>
+          <a:p>
+            <a:endParaRPr/>
+          </a:p>
         </p:txBody>
       </p:sp>
       <p:sp>
@@ -948,7 +1011,7 @@
             <a:spLocks noGrp="1"/>
           </p:cNvSpPr>
           <p:nvPr>
-            <p:ph type="dt" idx="6" sz="half"/>
+            <p:ph type="dt" sz="half" idx="6"/>
           </p:nvPr>
         </p:nvSpPr>
         <p:spPr>
@@ -978,7 +1041,9 @@
           <a:p>
             <a:fld id="{1D8BD707-D9CF-40AE-B4C6-C98DA3205C09}" type="datetimeFigureOut">
               <a:rPr lang="en-US"/>
+              <a:t>11/6/2025</a:t>
             </a:fld>
+            <a:endParaRPr lang="en-US"/>
           </a:p>
         </p:txBody>
       </p:sp>
@@ -989,7 +1054,7 @@
             <a:spLocks noGrp="1"/>
           </p:cNvSpPr>
           <p:nvPr>
-            <p:ph type="sldNum" idx="7" sz="quarter"/>
+            <p:ph type="sldNum" sz="quarter" idx="7"/>
           </p:nvPr>
         </p:nvSpPr>
         <p:spPr>
@@ -1018,14 +1083,15 @@
           </a:lstStyle>
           <a:p>
             <a:fld id="{B6F15528-21DE-4FAA-801E-634DDDAF4B2B}" type="slidenum">
-              <a:t>#</a:t>
+              <a:t>‹nº›</a:t>
             </a:fld>
+            <a:endParaRPr/>
           </a:p>
         </p:txBody>
       </p:sp>
     </p:spTree>
   </p:cSld>
-  <p:clrMap folHlink="folHlink" hlink="hlink" accent1="accent1" accent2="accent2" accent3="accent3" accent4="accent4" accent5="accent5" accent6="accent6" tx2="dk2" bg2="lt2" tx1="dk1" bg1="lt1"/>
+  <p:clrMap bg1="lt1" tx1="dk1" bg2="lt2" tx2="dk2" accent1="accent1" accent2="accent2" accent3="accent3" accent4="accent4" accent5="accent5" accent6="accent6" hlink="hlink" folHlink="folHlink"/>
   <p:sldLayoutIdLst>
     <p:sldLayoutId id="2147483661" r:id="rId1"/>
     <p:sldLayoutId id="2147483662" r:id="rId2"/>
@@ -1196,7 +1262,7 @@
       </p:grpSpPr>
       <p:sp>
         <p:nvSpPr>
-          <p:cNvPr id="2" name="object 2" descr=""/>
+          <p:cNvPr id="2" name="object 2"/>
           <p:cNvSpPr txBox="1"/>
           <p:nvPr/>
         </p:nvSpPr>
@@ -1210,7 +1276,7 @@
           </a:prstGeom>
         </p:spPr>
         <p:txBody>
-          <a:bodyPr wrap="square" lIns="0" tIns="12700" rIns="0" bIns="0" rtlCol="0" vert="horz">
+          <a:bodyPr vert="horz" wrap="square" lIns="0" tIns="12700" rIns="0" bIns="0" rtlCol="0">
             <a:spAutoFit/>
           </a:bodyPr>
           <a:lstStyle/>
@@ -1224,34 +1290,34 @@
               </a:spcBef>
             </a:pPr>
             <a:r>
-              <a:rPr dirty="0" sz="1850" b="1">
+              <a:rPr sz="1850" b="1" dirty="0">
                 <a:latin typeface="Arial"/>
                 <a:cs typeface="Arial"/>
               </a:rPr>
               <a:t>Sobre</a:t>
             </a:r>
             <a:r>
-              <a:rPr dirty="0" sz="1850" spc="15" b="1">
-                <a:latin typeface="Arial"/>
-                <a:cs typeface="Arial"/>
-              </a:rPr>
-              <a:t> </a:t>
-            </a:r>
-            <a:r>
-              <a:rPr dirty="0" sz="1850" b="1">
+              <a:rPr sz="1850" b="1" spc="15" dirty="0">
+                <a:latin typeface="Arial"/>
+                <a:cs typeface="Arial"/>
+              </a:rPr>
+              <a:t> </a:t>
+            </a:r>
+            <a:r>
+              <a:rPr sz="1850" b="1" dirty="0">
                 <a:latin typeface="Arial"/>
                 <a:cs typeface="Arial"/>
               </a:rPr>
               <a:t>a </a:t>
             </a:r>
             <a:r>
-              <a:rPr dirty="0" sz="1850" spc="-10" b="1">
+              <a:rPr sz="1850" b="1" spc="-10" dirty="0">
                 <a:latin typeface="Arial"/>
                 <a:cs typeface="Arial"/>
               </a:rPr>
               <a:t>equipe</a:t>
             </a:r>
-            <a:endParaRPr sz="1850">
+            <a:endParaRPr sz="1850" dirty="0">
               <a:latin typeface="Arial"/>
               <a:cs typeface="Arial"/>
             </a:endParaRPr>
@@ -1260,26 +1326,26 @@
       </p:sp>
       <p:sp>
         <p:nvSpPr>
-          <p:cNvPr id="3" name="object 3" descr=""/>
+          <p:cNvPr id="3" name="object 3"/>
           <p:cNvSpPr txBox="1"/>
           <p:nvPr/>
         </p:nvSpPr>
         <p:spPr>
           <a:xfrm>
             <a:off x="351324" y="3131003"/>
-            <a:ext cx="6127115" cy="2607945"/>
+            <a:ext cx="6127115" cy="2901435"/>
           </a:xfrm>
           <a:prstGeom prst="rect">
             <a:avLst/>
           </a:prstGeom>
         </p:spPr>
         <p:txBody>
-          <a:bodyPr wrap="square" lIns="0" tIns="10795" rIns="0" bIns="0" rtlCol="0" vert="horz">
+          <a:bodyPr vert="horz" wrap="square" lIns="0" tIns="10795" rIns="0" bIns="0" rtlCol="0">
             <a:spAutoFit/>
           </a:bodyPr>
           <a:lstStyle/>
           <a:p>
-            <a:pPr algn="just" marL="12700" marR="5080" indent="820419">
+            <a:pPr marL="12700" marR="5080" indent="820419" algn="just">
               <a:lnSpc>
                 <a:spcPct val="100299"/>
               </a:lnSpc>
@@ -1288,1770 +1354,1116 @@
               </a:spcBef>
             </a:pPr>
             <a:r>
-              <a:rPr dirty="0" sz="1300" b="1">
+              <a:rPr sz="1300" dirty="0">
                 <a:latin typeface="Arial"/>
                 <a:cs typeface="Arial"/>
               </a:rPr>
               <a:t>A</a:t>
             </a:r>
             <a:r>
-              <a:rPr dirty="0" sz="1300" spc="30" b="1">
-                <a:latin typeface="Arial"/>
-                <a:cs typeface="Arial"/>
-              </a:rPr>
-              <a:t> </a:t>
-            </a:r>
-            <a:r>
-              <a:rPr dirty="0" sz="1300" b="1">
+              <a:rPr sz="1300" spc="30" dirty="0">
+                <a:latin typeface="Arial"/>
+                <a:cs typeface="Arial"/>
+              </a:rPr>
+              <a:t> </a:t>
+            </a:r>
+            <a:r>
+              <a:rPr sz="1300" dirty="0">
                 <a:latin typeface="Arial"/>
                 <a:cs typeface="Arial"/>
               </a:rPr>
               <a:t>equipe</a:t>
             </a:r>
             <a:r>
-              <a:rPr dirty="0" sz="1300" spc="70" b="1">
-                <a:latin typeface="Arial"/>
-                <a:cs typeface="Arial"/>
-              </a:rPr>
-              <a:t> </a:t>
-            </a:r>
-            <a:r>
-              <a:rPr dirty="0" sz="1300" b="1">
+              <a:rPr sz="1300" spc="70" dirty="0">
+                <a:latin typeface="Arial"/>
+                <a:cs typeface="Arial"/>
+              </a:rPr>
+              <a:t> </a:t>
+            </a:r>
+            <a:r>
+              <a:rPr sz="1300" dirty="0">
                 <a:latin typeface="Arial"/>
                 <a:cs typeface="Arial"/>
               </a:rPr>
               <a:t>da</a:t>
             </a:r>
             <a:r>
-              <a:rPr dirty="0" sz="1300" spc="75" b="1">
-                <a:latin typeface="Arial"/>
-                <a:cs typeface="Arial"/>
-              </a:rPr>
-              <a:t> </a:t>
-            </a:r>
-            <a:r>
-              <a:rPr dirty="0" sz="1300" b="1">
+              <a:rPr sz="1300" spc="75" dirty="0">
+                <a:latin typeface="Arial"/>
+                <a:cs typeface="Arial"/>
+              </a:rPr>
+              <a:t> </a:t>
+            </a:r>
+            <a:r>
+              <a:rPr sz="1300" b="1" dirty="0">
                 <a:latin typeface="Arial"/>
                 <a:cs typeface="Arial"/>
               </a:rPr>
               <a:t>Datalivery</a:t>
             </a:r>
             <a:r>
-              <a:rPr dirty="0" sz="1300" spc="85" b="1">
-                <a:latin typeface="Arial"/>
-                <a:cs typeface="Arial"/>
-              </a:rPr>
-              <a:t> </a:t>
-            </a:r>
-            <a:r>
-              <a:rPr dirty="0" sz="1300" b="1">
+              <a:rPr sz="1300" spc="85" dirty="0">
+                <a:latin typeface="Arial"/>
+                <a:cs typeface="Arial"/>
+              </a:rPr>
+              <a:t> </a:t>
+            </a:r>
+            <a:r>
+              <a:rPr sz="1300" dirty="0">
                 <a:latin typeface="Arial"/>
                 <a:cs typeface="Arial"/>
               </a:rPr>
               <a:t>é</a:t>
             </a:r>
             <a:r>
-              <a:rPr dirty="0" sz="1300" spc="80" b="1">
-                <a:latin typeface="Arial"/>
-                <a:cs typeface="Arial"/>
-              </a:rPr>
-              <a:t> </a:t>
-            </a:r>
-            <a:r>
-              <a:rPr dirty="0" sz="1300" b="1">
+              <a:rPr sz="1300" spc="80" dirty="0">
+                <a:latin typeface="Arial"/>
+                <a:cs typeface="Arial"/>
+              </a:rPr>
+              <a:t> </a:t>
+            </a:r>
+            <a:r>
+              <a:rPr sz="1300" dirty="0">
                 <a:latin typeface="Arial"/>
                 <a:cs typeface="Arial"/>
               </a:rPr>
               <a:t>formada</a:t>
             </a:r>
             <a:r>
-              <a:rPr dirty="0" sz="1300" spc="65" b="1">
-                <a:latin typeface="Arial"/>
-                <a:cs typeface="Arial"/>
-              </a:rPr>
-              <a:t> </a:t>
-            </a:r>
-            <a:r>
-              <a:rPr dirty="0" sz="1300" b="1">
+              <a:rPr sz="1300" spc="65" dirty="0">
+                <a:latin typeface="Arial"/>
+                <a:cs typeface="Arial"/>
+              </a:rPr>
+              <a:t> </a:t>
+            </a:r>
+            <a:r>
+              <a:rPr sz="1300" dirty="0">
                 <a:latin typeface="Arial"/>
                 <a:cs typeface="Arial"/>
               </a:rPr>
               <a:t>por</a:t>
             </a:r>
             <a:r>
-              <a:rPr dirty="0" sz="1300" spc="60" b="1">
-                <a:latin typeface="Arial"/>
-                <a:cs typeface="Arial"/>
-              </a:rPr>
-              <a:t> </a:t>
-            </a:r>
-            <a:r>
-              <a:rPr dirty="0" sz="1300" b="1">
+              <a:rPr sz="1300" spc="60" dirty="0">
+                <a:latin typeface="Arial"/>
+                <a:cs typeface="Arial"/>
+              </a:rPr>
+              <a:t> </a:t>
+            </a:r>
+            <a:r>
+              <a:rPr sz="1300" dirty="0">
                 <a:latin typeface="Arial"/>
                 <a:cs typeface="Arial"/>
               </a:rPr>
               <a:t>um</a:t>
             </a:r>
             <a:r>
-              <a:rPr dirty="0" sz="1300" spc="70" b="1">
-                <a:latin typeface="Arial"/>
-                <a:cs typeface="Arial"/>
-              </a:rPr>
-              <a:t> </a:t>
-            </a:r>
-            <a:r>
-              <a:rPr dirty="0" sz="1300" b="1">
+              <a:rPr sz="1300" spc="70" dirty="0">
+                <a:latin typeface="Arial"/>
+                <a:cs typeface="Arial"/>
+              </a:rPr>
+              <a:t> </a:t>
+            </a:r>
+            <a:r>
+              <a:rPr sz="1300" dirty="0">
                 <a:latin typeface="Arial"/>
                 <a:cs typeface="Arial"/>
               </a:rPr>
               <a:t>grupo</a:t>
             </a:r>
             <a:r>
-              <a:rPr dirty="0" sz="1300" spc="80" b="1">
-                <a:latin typeface="Arial"/>
-                <a:cs typeface="Arial"/>
-              </a:rPr>
-              <a:t> </a:t>
-            </a:r>
-            <a:r>
-              <a:rPr dirty="0" sz="1300" b="1">
+              <a:rPr sz="1300" spc="80" dirty="0">
+                <a:latin typeface="Arial"/>
+                <a:cs typeface="Arial"/>
+              </a:rPr>
+              <a:t> </a:t>
+            </a:r>
+            <a:r>
+              <a:rPr sz="1300" dirty="0">
                 <a:latin typeface="Arial"/>
                 <a:cs typeface="Arial"/>
               </a:rPr>
               <a:t>de</a:t>
             </a:r>
             <a:r>
-              <a:rPr dirty="0" sz="1300" spc="70" b="1">
-                <a:latin typeface="Arial"/>
-                <a:cs typeface="Arial"/>
-              </a:rPr>
-              <a:t> </a:t>
-            </a:r>
-            <a:r>
-              <a:rPr dirty="0" sz="1300" b="1">
+              <a:rPr sz="1300" spc="70" dirty="0">
+                <a:latin typeface="Arial"/>
+                <a:cs typeface="Arial"/>
+              </a:rPr>
+              <a:t> </a:t>
+            </a:r>
+            <a:r>
+              <a:rPr sz="1300" dirty="0">
                 <a:latin typeface="Arial"/>
                 <a:cs typeface="Arial"/>
               </a:rPr>
               <a:t>estudantes</a:t>
             </a:r>
             <a:r>
-              <a:rPr dirty="0" sz="1300" spc="85" b="1">
-                <a:latin typeface="Arial"/>
-                <a:cs typeface="Arial"/>
-              </a:rPr>
-              <a:t> </a:t>
-            </a:r>
-            <a:r>
-              <a:rPr dirty="0" sz="1300" spc="-25" b="1">
+              <a:rPr sz="1300" spc="85" dirty="0">
+                <a:latin typeface="Arial"/>
+                <a:cs typeface="Arial"/>
+              </a:rPr>
+              <a:t> </a:t>
+            </a:r>
+            <a:r>
+              <a:rPr sz="1300" spc="-25" dirty="0">
                 <a:latin typeface="Arial"/>
                 <a:cs typeface="Arial"/>
               </a:rPr>
               <a:t>do </a:t>
             </a:r>
             <a:r>
-              <a:rPr dirty="0" sz="1300" b="1">
+              <a:rPr sz="1300" dirty="0">
                 <a:latin typeface="Arial"/>
                 <a:cs typeface="Arial"/>
               </a:rPr>
               <a:t>quinto</a:t>
             </a:r>
             <a:r>
-              <a:rPr dirty="0" sz="1300" spc="125" b="1">
-                <a:latin typeface="Arial"/>
-                <a:cs typeface="Arial"/>
-              </a:rPr>
-              <a:t> </a:t>
-            </a:r>
-            <a:r>
-              <a:rPr dirty="0" sz="1300" b="1">
+              <a:rPr sz="1300" spc="125" dirty="0">
+                <a:latin typeface="Arial"/>
+                <a:cs typeface="Arial"/>
+              </a:rPr>
+              <a:t> </a:t>
+            </a:r>
+            <a:r>
+              <a:rPr sz="1300" dirty="0">
                 <a:latin typeface="Arial"/>
                 <a:cs typeface="Arial"/>
               </a:rPr>
               <a:t>semestre</a:t>
             </a:r>
             <a:r>
-              <a:rPr dirty="0" sz="1300" spc="105" b="1">
-                <a:latin typeface="Arial"/>
-                <a:cs typeface="Arial"/>
-              </a:rPr>
-              <a:t> </a:t>
-            </a:r>
-            <a:r>
-              <a:rPr dirty="0" sz="1300" b="1">
+              <a:rPr sz="1300" spc="105" dirty="0">
+                <a:latin typeface="Arial"/>
+                <a:cs typeface="Arial"/>
+              </a:rPr>
+              <a:t> </a:t>
+            </a:r>
+            <a:r>
+              <a:rPr sz="1300" dirty="0">
                 <a:latin typeface="Arial"/>
                 <a:cs typeface="Arial"/>
               </a:rPr>
               <a:t>de</a:t>
             </a:r>
             <a:r>
-              <a:rPr dirty="0" sz="1300" spc="105" b="1">
-                <a:latin typeface="Arial"/>
-                <a:cs typeface="Arial"/>
-              </a:rPr>
-              <a:t> </a:t>
-            </a:r>
-            <a:r>
-              <a:rPr dirty="0" sz="1300" b="1">
+              <a:rPr sz="1300" spc="105" dirty="0">
+                <a:latin typeface="Arial"/>
+                <a:cs typeface="Arial"/>
+              </a:rPr>
+              <a:t> </a:t>
+            </a:r>
+            <a:r>
+              <a:rPr sz="1300" dirty="0">
                 <a:latin typeface="Arial"/>
                 <a:cs typeface="Arial"/>
               </a:rPr>
               <a:t>Ciências</a:t>
             </a:r>
             <a:r>
-              <a:rPr dirty="0" sz="1300" spc="120" b="1">
-                <a:latin typeface="Arial"/>
-                <a:cs typeface="Arial"/>
-              </a:rPr>
-              <a:t> </a:t>
-            </a:r>
-            <a:r>
-              <a:rPr dirty="0" sz="1300" b="1">
+              <a:rPr sz="1300" spc="120" dirty="0">
+                <a:latin typeface="Arial"/>
+                <a:cs typeface="Arial"/>
+              </a:rPr>
+              <a:t> </a:t>
+            </a:r>
+            <a:r>
+              <a:rPr sz="1300" dirty="0">
                 <a:latin typeface="Arial"/>
                 <a:cs typeface="Arial"/>
               </a:rPr>
               <a:t>da</a:t>
             </a:r>
             <a:r>
-              <a:rPr dirty="0" sz="1300" spc="105" b="1">
-                <a:latin typeface="Arial"/>
-                <a:cs typeface="Arial"/>
-              </a:rPr>
-              <a:t> </a:t>
-            </a:r>
-            <a:r>
-              <a:rPr dirty="0" sz="1300" b="1">
+              <a:rPr sz="1300" spc="105" dirty="0">
+                <a:latin typeface="Arial"/>
+                <a:cs typeface="Arial"/>
+              </a:rPr>
+              <a:t> </a:t>
+            </a:r>
+            <a:r>
+              <a:rPr sz="1300" dirty="0">
                 <a:latin typeface="Arial"/>
                 <a:cs typeface="Arial"/>
               </a:rPr>
               <a:t>Computação,</a:t>
             </a:r>
             <a:r>
-              <a:rPr dirty="0" sz="1300" spc="100" b="1">
-                <a:latin typeface="Arial"/>
-                <a:cs typeface="Arial"/>
-              </a:rPr>
-              <a:t> </a:t>
-            </a:r>
-            <a:r>
-              <a:rPr dirty="0" sz="1300" b="1">
+              <a:rPr sz="1300" spc="100" dirty="0">
+                <a:latin typeface="Arial"/>
+                <a:cs typeface="Arial"/>
+              </a:rPr>
+              <a:t> </a:t>
+            </a:r>
+            <a:r>
+              <a:rPr sz="1300" dirty="0">
                 <a:latin typeface="Arial"/>
                 <a:cs typeface="Arial"/>
               </a:rPr>
               <a:t>apaixonados</a:t>
             </a:r>
             <a:r>
-              <a:rPr dirty="0" sz="1300" spc="114" b="1">
-                <a:latin typeface="Arial"/>
-                <a:cs typeface="Arial"/>
-              </a:rPr>
-              <a:t> </a:t>
-            </a:r>
-            <a:r>
-              <a:rPr dirty="0" sz="1300" b="1">
+              <a:rPr sz="1300" spc="114" dirty="0">
+                <a:latin typeface="Arial"/>
+                <a:cs typeface="Arial"/>
+              </a:rPr>
+              <a:t> </a:t>
+            </a:r>
+            <a:r>
+              <a:rPr sz="1300" dirty="0">
                 <a:latin typeface="Arial"/>
                 <a:cs typeface="Arial"/>
               </a:rPr>
               <a:t>pela</a:t>
             </a:r>
             <a:r>
-              <a:rPr dirty="0" sz="1300" spc="120" b="1">
-                <a:latin typeface="Arial"/>
-                <a:cs typeface="Arial"/>
-              </a:rPr>
-              <a:t> </a:t>
-            </a:r>
-            <a:r>
-              <a:rPr dirty="0" sz="1300" b="1">
+              <a:rPr sz="1300" spc="120" dirty="0">
+                <a:latin typeface="Arial"/>
+                <a:cs typeface="Arial"/>
+              </a:rPr>
+              <a:t> </a:t>
+            </a:r>
+            <a:r>
+              <a:rPr sz="1300" dirty="0">
                 <a:latin typeface="Arial"/>
                 <a:cs typeface="Arial"/>
               </a:rPr>
               <a:t>inovação</a:t>
             </a:r>
             <a:r>
-              <a:rPr dirty="0" sz="1300" spc="125" b="1">
-                <a:latin typeface="Arial"/>
-                <a:cs typeface="Arial"/>
-              </a:rPr>
-              <a:t> </a:t>
-            </a:r>
-            <a:r>
-              <a:rPr dirty="0" sz="1300" spc="-50" b="1">
+              <a:rPr sz="1300" spc="125" dirty="0">
+                <a:latin typeface="Arial"/>
+                <a:cs typeface="Arial"/>
+              </a:rPr>
+              <a:t> </a:t>
+            </a:r>
+            <a:r>
+              <a:rPr sz="1300" spc="-50" dirty="0">
                 <a:latin typeface="Arial"/>
                 <a:cs typeface="Arial"/>
               </a:rPr>
               <a:t>e </a:t>
             </a:r>
             <a:r>
-              <a:rPr dirty="0" sz="1300" b="1">
+              <a:rPr sz="1300" dirty="0">
                 <a:latin typeface="Arial"/>
                 <a:cs typeface="Arial"/>
               </a:rPr>
               <a:t>dados.</a:t>
             </a:r>
-            <a:r>
-              <a:rPr dirty="0" sz="1300" spc="150" b="1">
-                <a:latin typeface="Arial"/>
-                <a:cs typeface="Arial"/>
-              </a:rPr>
-              <a:t> </a:t>
-            </a:r>
-            <a:r>
-              <a:rPr dirty="0" sz="1300" b="1">
-                <a:latin typeface="Arial"/>
-                <a:cs typeface="Arial"/>
-              </a:rPr>
-              <a:t>Cada</a:t>
-            </a:r>
-            <a:r>
-              <a:rPr dirty="0" sz="1300" spc="155" b="1">
-                <a:latin typeface="Arial"/>
-                <a:cs typeface="Arial"/>
-              </a:rPr>
-              <a:t> </a:t>
-            </a:r>
-            <a:r>
-              <a:rPr dirty="0" sz="1300" b="1">
+            <a:endParaRPr lang="pt-BR" sz="1300" dirty="0">
+              <a:latin typeface="Arial"/>
+              <a:cs typeface="Arial"/>
+            </a:endParaRPr>
+          </a:p>
+          <a:p>
+            <a:pPr marL="12700" marR="5080" indent="820419" algn="just">
+              <a:lnSpc>
+                <a:spcPct val="100299"/>
+              </a:lnSpc>
+              <a:spcBef>
+                <a:spcPts val="85"/>
+              </a:spcBef>
+            </a:pPr>
+            <a:r>
+              <a:rPr sz="1300" spc="-25" dirty="0">
+                <a:latin typeface="Arial"/>
+                <a:cs typeface="Arial"/>
+              </a:rPr>
+              <a:t> </a:t>
+            </a:r>
+            <a:r>
+              <a:rPr sz="1300" spc="-10" dirty="0">
+                <a:latin typeface="Arial"/>
+                <a:cs typeface="Arial"/>
+              </a:rPr>
+              <a:t>Nossa </a:t>
+            </a:r>
+            <a:r>
+              <a:rPr sz="1300" dirty="0">
+                <a:latin typeface="Arial"/>
+                <a:cs typeface="Arial"/>
+              </a:rPr>
+              <a:t>força</a:t>
+            </a:r>
+            <a:r>
+              <a:rPr sz="1300" spc="35" dirty="0">
+                <a:latin typeface="Arial"/>
+                <a:cs typeface="Arial"/>
+              </a:rPr>
+              <a:t> </a:t>
+            </a:r>
+            <a:r>
+              <a:rPr sz="1300" dirty="0">
+                <a:latin typeface="Arial"/>
+                <a:cs typeface="Arial"/>
+              </a:rPr>
+              <a:t>está</a:t>
+            </a:r>
+            <a:r>
+              <a:rPr sz="1300" spc="55" dirty="0">
+                <a:latin typeface="Arial"/>
+                <a:cs typeface="Arial"/>
+              </a:rPr>
+              <a:t> </a:t>
+            </a:r>
+            <a:r>
+              <a:rPr sz="1300" dirty="0">
+                <a:latin typeface="Arial"/>
+                <a:cs typeface="Arial"/>
+              </a:rPr>
+              <a:t>na</a:t>
+            </a:r>
+            <a:r>
+              <a:rPr sz="1300" spc="40" dirty="0">
+                <a:latin typeface="Arial"/>
+                <a:cs typeface="Arial"/>
+              </a:rPr>
+              <a:t> </a:t>
+            </a:r>
+            <a:r>
+              <a:rPr sz="1300" spc="-10" dirty="0">
+                <a:latin typeface="Arial"/>
+                <a:cs typeface="Arial"/>
+              </a:rPr>
+              <a:t>multidisciplinaridade:</a:t>
+            </a:r>
+            <a:r>
+              <a:rPr sz="1300" spc="40" dirty="0">
+                <a:latin typeface="Arial"/>
+                <a:cs typeface="Arial"/>
+              </a:rPr>
+              <a:t> </a:t>
+            </a:r>
+            <a:r>
+              <a:rPr sz="1300" dirty="0">
+                <a:latin typeface="Arial"/>
+                <a:cs typeface="Arial"/>
+              </a:rPr>
+              <a:t>cada</a:t>
+            </a:r>
+            <a:r>
+              <a:rPr sz="1300" spc="35" dirty="0">
+                <a:latin typeface="Arial"/>
+                <a:cs typeface="Arial"/>
+              </a:rPr>
+              <a:t> </a:t>
+            </a:r>
+            <a:r>
+              <a:rPr sz="1300" dirty="0">
+                <a:latin typeface="Arial"/>
+                <a:cs typeface="Arial"/>
+              </a:rPr>
+              <a:t>membro</a:t>
+            </a:r>
+            <a:r>
+              <a:rPr sz="1300" spc="35" dirty="0">
+                <a:latin typeface="Arial"/>
+                <a:cs typeface="Arial"/>
+              </a:rPr>
+              <a:t> </a:t>
+            </a:r>
+            <a:r>
+              <a:rPr sz="1300" dirty="0">
+                <a:latin typeface="Arial"/>
+                <a:cs typeface="Arial"/>
+              </a:rPr>
+              <a:t>trouxe</a:t>
+            </a:r>
+            <a:r>
+              <a:rPr sz="1300" spc="35" dirty="0">
+                <a:latin typeface="Arial"/>
+                <a:cs typeface="Arial"/>
+              </a:rPr>
+              <a:t> </a:t>
+            </a:r>
+            <a:r>
+              <a:rPr sz="1300" dirty="0">
+                <a:latin typeface="Arial"/>
+                <a:cs typeface="Arial"/>
+              </a:rPr>
+              <a:t>sua</a:t>
+            </a:r>
+            <a:r>
+              <a:rPr sz="1300" spc="35" dirty="0">
+                <a:latin typeface="Arial"/>
+                <a:cs typeface="Arial"/>
+              </a:rPr>
+              <a:t> </a:t>
+            </a:r>
+            <a:r>
+              <a:rPr sz="1300" dirty="0">
+                <a:latin typeface="Arial"/>
+                <a:cs typeface="Arial"/>
+              </a:rPr>
+              <a:t>visão,</a:t>
+            </a:r>
+            <a:r>
+              <a:rPr sz="1300" spc="35" dirty="0">
+                <a:latin typeface="Arial"/>
+                <a:cs typeface="Arial"/>
+              </a:rPr>
+              <a:t> </a:t>
+            </a:r>
+            <a:r>
+              <a:rPr sz="1300" dirty="0">
+                <a:latin typeface="Arial"/>
+                <a:cs typeface="Arial"/>
+              </a:rPr>
+              <a:t>talento</a:t>
+            </a:r>
+            <a:r>
+              <a:rPr sz="1300" spc="50" dirty="0">
+                <a:latin typeface="Arial"/>
+                <a:cs typeface="Arial"/>
+              </a:rPr>
+              <a:t> </a:t>
+            </a:r>
+            <a:r>
+              <a:rPr sz="1300" spc="-50" dirty="0">
+                <a:latin typeface="Arial"/>
+                <a:cs typeface="Arial"/>
+              </a:rPr>
+              <a:t>e </a:t>
+            </a:r>
+            <a:r>
+              <a:rPr sz="1300" dirty="0">
+                <a:latin typeface="Arial"/>
+                <a:cs typeface="Arial"/>
+              </a:rPr>
+              <a:t>dedicação</a:t>
+            </a:r>
+            <a:r>
+              <a:rPr sz="1300" spc="110" dirty="0">
+                <a:latin typeface="Arial"/>
+                <a:cs typeface="Arial"/>
+              </a:rPr>
+              <a:t> </a:t>
+            </a:r>
+            <a:r>
+              <a:rPr sz="1300" dirty="0">
+                <a:latin typeface="Arial"/>
+                <a:cs typeface="Arial"/>
+              </a:rPr>
+              <a:t>para</a:t>
+            </a:r>
+            <a:r>
+              <a:rPr sz="1300" spc="110" dirty="0">
+                <a:latin typeface="Arial"/>
+                <a:cs typeface="Arial"/>
+              </a:rPr>
+              <a:t> </a:t>
+            </a:r>
+            <a:r>
+              <a:rPr sz="1300" dirty="0">
+                <a:latin typeface="Arial"/>
+                <a:cs typeface="Arial"/>
+              </a:rPr>
+              <a:t>transformar</a:t>
+            </a:r>
+            <a:r>
+              <a:rPr sz="1300" spc="114" dirty="0">
+                <a:latin typeface="Arial"/>
+                <a:cs typeface="Arial"/>
+              </a:rPr>
+              <a:t> </a:t>
+            </a:r>
+            <a:r>
+              <a:rPr sz="1300" dirty="0">
+                <a:latin typeface="Arial"/>
+                <a:cs typeface="Arial"/>
+              </a:rPr>
+              <a:t>dados</a:t>
+            </a:r>
+            <a:r>
+              <a:rPr sz="1300" spc="120" dirty="0">
+                <a:latin typeface="Arial"/>
+                <a:cs typeface="Arial"/>
+              </a:rPr>
+              <a:t> </a:t>
+            </a:r>
+            <a:r>
+              <a:rPr sz="1300" dirty="0">
+                <a:latin typeface="Arial"/>
+                <a:cs typeface="Arial"/>
+              </a:rPr>
+              <a:t>em</a:t>
+            </a:r>
+            <a:r>
+              <a:rPr sz="1300" spc="105" dirty="0">
+                <a:latin typeface="Arial"/>
+                <a:cs typeface="Arial"/>
+              </a:rPr>
+              <a:t> </a:t>
+            </a:r>
+            <a:r>
+              <a:rPr sz="1300" dirty="0">
+                <a:latin typeface="Arial"/>
+                <a:cs typeface="Arial"/>
+              </a:rPr>
+              <a:t>decisões</a:t>
+            </a:r>
+            <a:r>
+              <a:rPr sz="1300" spc="114" dirty="0">
+                <a:latin typeface="Arial"/>
+                <a:cs typeface="Arial"/>
+              </a:rPr>
+              <a:t> </a:t>
+            </a:r>
+            <a:r>
+              <a:rPr sz="1300" dirty="0">
+                <a:latin typeface="Arial"/>
+                <a:cs typeface="Arial"/>
+              </a:rPr>
+              <a:t>e</a:t>
+            </a:r>
+            <a:r>
+              <a:rPr sz="1300" spc="105" dirty="0">
+                <a:latin typeface="Arial"/>
+                <a:cs typeface="Arial"/>
+              </a:rPr>
+              <a:t> </a:t>
+            </a:r>
+            <a:r>
+              <a:rPr sz="1300" dirty="0">
+                <a:latin typeface="Arial"/>
+                <a:cs typeface="Arial"/>
+              </a:rPr>
+              <a:t>trazer</a:t>
+            </a:r>
+            <a:r>
+              <a:rPr sz="1300" spc="114" dirty="0">
+                <a:latin typeface="Arial"/>
+                <a:cs typeface="Arial"/>
+              </a:rPr>
+              <a:t> </a:t>
+            </a:r>
+            <a:r>
+              <a:rPr sz="1300" dirty="0">
+                <a:latin typeface="Arial"/>
+                <a:cs typeface="Arial"/>
+              </a:rPr>
+              <a:t>melhores</a:t>
+            </a:r>
+            <a:r>
+              <a:rPr sz="1300" spc="120" dirty="0">
+                <a:latin typeface="Arial"/>
+                <a:cs typeface="Arial"/>
+              </a:rPr>
+              <a:t> </a:t>
+            </a:r>
+            <a:r>
+              <a:rPr sz="1300" spc="-10" dirty="0">
+                <a:latin typeface="Arial"/>
+                <a:cs typeface="Arial"/>
+              </a:rPr>
+              <a:t>soluções </a:t>
+            </a:r>
+            <a:r>
+              <a:rPr sz="1300" dirty="0">
+                <a:latin typeface="Arial"/>
+                <a:cs typeface="Arial"/>
+              </a:rPr>
+              <a:t>para</a:t>
+            </a:r>
+            <a:r>
+              <a:rPr sz="1300" spc="200" dirty="0">
+                <a:latin typeface="Arial"/>
+                <a:cs typeface="Arial"/>
+              </a:rPr>
+              <a:t> </a:t>
+            </a:r>
+            <a:r>
+              <a:rPr sz="1300" dirty="0">
+                <a:latin typeface="Arial"/>
+                <a:cs typeface="Arial"/>
+              </a:rPr>
+              <a:t>a</a:t>
+            </a:r>
+            <a:r>
+              <a:rPr sz="1300" spc="195" dirty="0">
+                <a:latin typeface="Arial"/>
+                <a:cs typeface="Arial"/>
+              </a:rPr>
+              <a:t> </a:t>
+            </a:r>
+            <a:r>
+              <a:rPr sz="1300" dirty="0" err="1">
+                <a:latin typeface="Arial"/>
+                <a:cs typeface="Arial"/>
+              </a:rPr>
+              <a:t>empresa</a:t>
+            </a:r>
+            <a:r>
+              <a:rPr sz="1300" dirty="0">
+                <a:latin typeface="Arial"/>
+                <a:cs typeface="Arial"/>
+              </a:rPr>
+              <a:t>.</a:t>
+            </a:r>
+            <a:r>
+              <a:rPr sz="1300" spc="370" dirty="0">
+                <a:latin typeface="Arial"/>
+                <a:cs typeface="Arial"/>
+              </a:rPr>
+              <a:t> </a:t>
+            </a:r>
+            <a:r>
+              <a:rPr sz="1300" dirty="0">
+                <a:latin typeface="Arial"/>
+                <a:cs typeface="Arial"/>
+              </a:rPr>
+              <a:t>A</a:t>
+            </a:r>
+            <a:r>
+              <a:rPr sz="1300" spc="335" dirty="0">
+                <a:latin typeface="Arial"/>
+                <a:cs typeface="Arial"/>
+              </a:rPr>
+              <a:t> </a:t>
+            </a:r>
+            <a:r>
+              <a:rPr sz="1300" b="1" dirty="0">
+                <a:latin typeface="Arial"/>
+                <a:cs typeface="Arial"/>
+              </a:rPr>
+              <a:t>Datalivery</a:t>
+            </a:r>
+            <a:r>
+              <a:rPr sz="1300" spc="395" dirty="0">
+                <a:latin typeface="Arial"/>
+                <a:cs typeface="Arial"/>
+              </a:rPr>
+              <a:t> </a:t>
+            </a:r>
+            <a:r>
+              <a:rPr sz="1300" dirty="0">
+                <a:latin typeface="Arial"/>
+                <a:cs typeface="Arial"/>
+              </a:rPr>
+              <a:t>é</a:t>
+            </a:r>
+            <a:r>
+              <a:rPr sz="1300" spc="380" dirty="0">
+                <a:latin typeface="Arial"/>
+                <a:cs typeface="Arial"/>
+              </a:rPr>
+              <a:t> </a:t>
+            </a:r>
+            <a:r>
+              <a:rPr sz="1300" dirty="0">
+                <a:latin typeface="Arial"/>
+                <a:cs typeface="Arial"/>
+              </a:rPr>
+              <a:t>o</a:t>
+            </a:r>
+            <a:r>
+              <a:rPr sz="1300" spc="380" dirty="0">
+                <a:latin typeface="Arial"/>
+                <a:cs typeface="Arial"/>
+              </a:rPr>
+              <a:t> </a:t>
+            </a:r>
+            <a:r>
+              <a:rPr sz="1300" dirty="0">
+                <a:latin typeface="Arial"/>
+                <a:cs typeface="Arial"/>
+              </a:rPr>
+              <a:t>resultado</a:t>
+            </a:r>
+            <a:r>
+              <a:rPr sz="1300" spc="370" dirty="0">
+                <a:latin typeface="Arial"/>
+                <a:cs typeface="Arial"/>
+              </a:rPr>
+              <a:t> </a:t>
+            </a:r>
+            <a:r>
+              <a:rPr sz="1300" dirty="0">
+                <a:latin typeface="Arial"/>
+                <a:cs typeface="Arial"/>
+              </a:rPr>
+              <a:t>da</a:t>
+            </a:r>
+            <a:r>
+              <a:rPr sz="1300" spc="375" dirty="0">
+                <a:latin typeface="Arial"/>
+                <a:cs typeface="Arial"/>
+              </a:rPr>
+              <a:t> </a:t>
+            </a:r>
+            <a:r>
+              <a:rPr sz="1300" dirty="0">
+                <a:latin typeface="Arial"/>
+                <a:cs typeface="Arial"/>
+              </a:rPr>
+              <a:t>soma</a:t>
+            </a:r>
+            <a:r>
+              <a:rPr sz="1300" spc="380" dirty="0">
+                <a:latin typeface="Arial"/>
+                <a:cs typeface="Arial"/>
+              </a:rPr>
+              <a:t> </a:t>
+            </a:r>
+            <a:r>
+              <a:rPr sz="1300" dirty="0">
+                <a:latin typeface="Arial"/>
+                <a:cs typeface="Arial"/>
+              </a:rPr>
+              <a:t>de</a:t>
+            </a:r>
+            <a:r>
+              <a:rPr sz="1300" spc="370" dirty="0">
+                <a:latin typeface="Arial"/>
+                <a:cs typeface="Arial"/>
+              </a:rPr>
+              <a:t> </a:t>
+            </a:r>
+            <a:r>
+              <a:rPr sz="1300" spc="-10" dirty="0">
+                <a:latin typeface="Arial"/>
+                <a:cs typeface="Arial"/>
+              </a:rPr>
+              <a:t>talentos </a:t>
+            </a:r>
+            <a:r>
+              <a:rPr sz="1300" dirty="0">
+                <a:latin typeface="Arial"/>
+                <a:cs typeface="Arial"/>
+              </a:rPr>
+              <a:t>diferentes,</a:t>
+            </a:r>
+            <a:r>
+              <a:rPr sz="1300" spc="260" dirty="0">
+                <a:latin typeface="Arial"/>
+                <a:cs typeface="Arial"/>
+              </a:rPr>
+              <a:t> </a:t>
+            </a:r>
+            <a:r>
+              <a:rPr sz="1300" dirty="0">
+                <a:latin typeface="Arial"/>
+                <a:cs typeface="Arial"/>
+              </a:rPr>
+              <a:t>mas</a:t>
+            </a:r>
+            <a:r>
+              <a:rPr sz="1300" spc="265" dirty="0">
+                <a:latin typeface="Arial"/>
+                <a:cs typeface="Arial"/>
+              </a:rPr>
+              <a:t> </a:t>
+            </a:r>
+            <a:r>
+              <a:rPr sz="1300" dirty="0">
+                <a:latin typeface="Arial"/>
+                <a:cs typeface="Arial"/>
+              </a:rPr>
+              <a:t>com</a:t>
+            </a:r>
+            <a:r>
+              <a:rPr sz="1300" spc="250" dirty="0">
+                <a:latin typeface="Arial"/>
+                <a:cs typeface="Arial"/>
+              </a:rPr>
+              <a:t> </a:t>
+            </a:r>
+            <a:r>
+              <a:rPr sz="1300" dirty="0">
                 <a:latin typeface="Arial"/>
                 <a:cs typeface="Arial"/>
               </a:rPr>
               <a:t>um</a:t>
             </a:r>
             <a:r>
-              <a:rPr dirty="0" sz="1300" spc="150" b="1">
-                <a:latin typeface="Arial"/>
-                <a:cs typeface="Arial"/>
-              </a:rPr>
-              <a:t> </a:t>
-            </a:r>
-            <a:r>
-              <a:rPr dirty="0" sz="1300" b="1">
-                <a:latin typeface="Arial"/>
-                <a:cs typeface="Arial"/>
-              </a:rPr>
-              <a:t>contribuiu</a:t>
-            </a:r>
-            <a:r>
-              <a:rPr dirty="0" sz="1300" spc="165" b="1">
-                <a:latin typeface="Arial"/>
-                <a:cs typeface="Arial"/>
-              </a:rPr>
-              <a:t> </a:t>
-            </a:r>
-            <a:r>
-              <a:rPr dirty="0" sz="1300" b="1">
+              <a:rPr sz="1300" spc="254" dirty="0">
+                <a:latin typeface="Arial"/>
+                <a:cs typeface="Arial"/>
+              </a:rPr>
+              <a:t> </a:t>
+            </a:r>
+            <a:r>
+              <a:rPr sz="1300" dirty="0">
+                <a:latin typeface="Arial"/>
+                <a:cs typeface="Arial"/>
+              </a:rPr>
+              <a:t>mesmo</a:t>
+            </a:r>
+            <a:r>
+              <a:rPr sz="1300" spc="270" dirty="0">
+                <a:latin typeface="Arial"/>
+                <a:cs typeface="Arial"/>
+              </a:rPr>
+              <a:t> </a:t>
+            </a:r>
+            <a:r>
+              <a:rPr sz="1300" dirty="0">
+                <a:latin typeface="Arial"/>
+                <a:cs typeface="Arial"/>
+              </a:rPr>
+              <a:t>objetivo:</a:t>
+            </a:r>
+            <a:r>
+              <a:rPr sz="1300" spc="260" dirty="0">
+                <a:latin typeface="Arial"/>
+                <a:cs typeface="Arial"/>
+              </a:rPr>
+              <a:t> </a:t>
+            </a:r>
+            <a:r>
+              <a:rPr sz="1300" dirty="0">
+                <a:latin typeface="Arial"/>
+                <a:cs typeface="Arial"/>
+              </a:rPr>
+              <a:t>inovar</a:t>
+            </a:r>
+            <a:r>
+              <a:rPr sz="1300" spc="250" dirty="0">
+                <a:latin typeface="Arial"/>
+                <a:cs typeface="Arial"/>
+              </a:rPr>
+              <a:t> </a:t>
+            </a:r>
+            <a:r>
+              <a:rPr sz="1300" dirty="0">
+                <a:latin typeface="Arial"/>
+                <a:cs typeface="Arial"/>
+              </a:rPr>
+              <a:t>o</a:t>
+            </a:r>
+            <a:r>
+              <a:rPr sz="1300" spc="260" dirty="0">
+                <a:latin typeface="Arial"/>
+                <a:cs typeface="Arial"/>
+              </a:rPr>
+              <a:t> </a:t>
+            </a:r>
+            <a:r>
+              <a:rPr sz="1300" dirty="0">
+                <a:latin typeface="Arial"/>
+                <a:cs typeface="Arial"/>
+              </a:rPr>
+              <a:t>setor</a:t>
+            </a:r>
+            <a:r>
+              <a:rPr sz="1300" spc="265" dirty="0">
+                <a:latin typeface="Arial"/>
+                <a:cs typeface="Arial"/>
+              </a:rPr>
+              <a:t> </a:t>
+            </a:r>
+            <a:r>
+              <a:rPr sz="1300" dirty="0">
                 <a:latin typeface="Arial"/>
                 <a:cs typeface="Arial"/>
               </a:rPr>
               <a:t>de</a:t>
             </a:r>
             <a:r>
-              <a:rPr dirty="0" sz="1300" spc="150" b="1">
-                <a:latin typeface="Arial"/>
-                <a:cs typeface="Arial"/>
-              </a:rPr>
-              <a:t> </a:t>
-            </a:r>
-            <a:r>
-              <a:rPr dirty="0" sz="1300" b="1">
-                <a:latin typeface="Arial"/>
-                <a:cs typeface="Arial"/>
-              </a:rPr>
-              <a:t>forma</a:t>
-            </a:r>
-            <a:r>
-              <a:rPr dirty="0" sz="1300" spc="170" b="1">
-                <a:latin typeface="Arial"/>
-                <a:cs typeface="Arial"/>
-              </a:rPr>
-              <a:t> </a:t>
-            </a:r>
-            <a:r>
-              <a:rPr dirty="0" sz="1300" b="1">
-                <a:latin typeface="Arial"/>
-                <a:cs typeface="Arial"/>
-              </a:rPr>
-              <a:t>essencial</a:t>
-            </a:r>
-            <a:r>
-              <a:rPr dirty="0" sz="1300" spc="160" b="1">
-                <a:latin typeface="Arial"/>
-                <a:cs typeface="Arial"/>
-              </a:rPr>
-              <a:t> </a:t>
-            </a:r>
-            <a:r>
-              <a:rPr dirty="0" sz="1300" b="1">
-                <a:latin typeface="Arial"/>
-                <a:cs typeface="Arial"/>
-              </a:rPr>
-              <a:t>para</a:t>
-            </a:r>
-            <a:r>
-              <a:rPr dirty="0" sz="1300" spc="170" b="1">
-                <a:latin typeface="Arial"/>
-                <a:cs typeface="Arial"/>
-              </a:rPr>
-              <a:t> </a:t>
-            </a:r>
-            <a:r>
-              <a:rPr dirty="0" sz="1300" b="1">
-                <a:latin typeface="Arial"/>
-                <a:cs typeface="Arial"/>
-              </a:rPr>
-              <a:t>transformar</a:t>
-            </a:r>
-            <a:r>
-              <a:rPr dirty="0" sz="1300" spc="170" b="1">
-                <a:latin typeface="Arial"/>
-                <a:cs typeface="Arial"/>
-              </a:rPr>
-              <a:t> </a:t>
-            </a:r>
-            <a:r>
-              <a:rPr dirty="0" sz="1300" b="1">
-                <a:latin typeface="Arial"/>
-                <a:cs typeface="Arial"/>
-              </a:rPr>
-              <a:t>uma</a:t>
-            </a:r>
-            <a:r>
-              <a:rPr dirty="0" sz="1300" spc="160" b="1">
-                <a:latin typeface="Arial"/>
-                <a:cs typeface="Arial"/>
-              </a:rPr>
-              <a:t> </a:t>
-            </a:r>
-            <a:r>
-              <a:rPr dirty="0" sz="1300" spc="-10" b="1">
-                <a:latin typeface="Arial"/>
-                <a:cs typeface="Arial"/>
-              </a:rPr>
-              <a:t>ideia </a:t>
-            </a:r>
-            <a:r>
-              <a:rPr dirty="0" sz="1300" b="1">
-                <a:latin typeface="Arial"/>
-                <a:cs typeface="Arial"/>
-              </a:rPr>
-              <a:t>em</a:t>
-            </a:r>
-            <a:r>
-              <a:rPr dirty="0" sz="1300" spc="-30" b="1">
-                <a:latin typeface="Arial"/>
-                <a:cs typeface="Arial"/>
-              </a:rPr>
-              <a:t> </a:t>
-            </a:r>
-            <a:r>
-              <a:rPr dirty="0" sz="1300" b="1">
-                <a:latin typeface="Arial"/>
-                <a:cs typeface="Arial"/>
-              </a:rPr>
-              <a:t>uma</a:t>
-            </a:r>
-            <a:r>
-              <a:rPr dirty="0" sz="1300" spc="-15" b="1">
-                <a:latin typeface="Arial"/>
-                <a:cs typeface="Arial"/>
-              </a:rPr>
-              <a:t> </a:t>
-            </a:r>
-            <a:r>
-              <a:rPr dirty="0" sz="1300" b="1">
-                <a:latin typeface="Arial"/>
-                <a:cs typeface="Arial"/>
-              </a:rPr>
-              <a:t>solução</a:t>
-            </a:r>
-            <a:r>
-              <a:rPr dirty="0" sz="1300" spc="-35" b="1">
-                <a:latin typeface="Arial"/>
-                <a:cs typeface="Arial"/>
-              </a:rPr>
-              <a:t> </a:t>
-            </a:r>
-            <a:r>
-              <a:rPr dirty="0" sz="1300" b="1">
-                <a:latin typeface="Arial"/>
-                <a:cs typeface="Arial"/>
-              </a:rPr>
-              <a:t>completa</a:t>
-            </a:r>
-            <a:r>
-              <a:rPr dirty="0" sz="1300" spc="-5" b="1">
-                <a:latin typeface="Arial"/>
-                <a:cs typeface="Arial"/>
-              </a:rPr>
-              <a:t> </a:t>
-            </a:r>
-            <a:r>
-              <a:rPr dirty="0" sz="1300" b="1">
-                <a:latin typeface="Arial"/>
-                <a:cs typeface="Arial"/>
-              </a:rPr>
-              <a:t>voltada</a:t>
-            </a:r>
-            <a:r>
-              <a:rPr dirty="0" sz="1300" spc="-15" b="1">
-                <a:latin typeface="Arial"/>
-                <a:cs typeface="Arial"/>
-              </a:rPr>
-              <a:t> </a:t>
-            </a:r>
-            <a:r>
-              <a:rPr dirty="0" sz="1300" b="1">
-                <a:latin typeface="Arial"/>
-                <a:cs typeface="Arial"/>
-              </a:rPr>
-              <a:t>ao</a:t>
-            </a:r>
-            <a:r>
-              <a:rPr dirty="0" sz="1300" spc="-30" b="1">
-                <a:latin typeface="Arial"/>
-                <a:cs typeface="Arial"/>
-              </a:rPr>
-              <a:t> </a:t>
-            </a:r>
-            <a:r>
-              <a:rPr dirty="0" sz="1300" b="1">
-                <a:latin typeface="Arial"/>
-                <a:cs typeface="Arial"/>
-              </a:rPr>
-              <a:t>mercado</a:t>
-            </a:r>
-            <a:r>
-              <a:rPr dirty="0" sz="1300" spc="-15" b="1">
-                <a:latin typeface="Arial"/>
-                <a:cs typeface="Arial"/>
-              </a:rPr>
-              <a:t> </a:t>
-            </a:r>
-            <a:r>
-              <a:rPr dirty="0" sz="1300" b="1">
+              <a:rPr sz="1300" spc="254" dirty="0">
+                <a:latin typeface="Arial"/>
+                <a:cs typeface="Arial"/>
+              </a:rPr>
+              <a:t> </a:t>
+            </a:r>
+            <a:r>
+              <a:rPr sz="1300" dirty="0">
+                <a:latin typeface="Arial"/>
+                <a:cs typeface="Arial"/>
+              </a:rPr>
+              <a:t>delivery</a:t>
+            </a:r>
+            <a:r>
+              <a:rPr sz="1300" spc="250" dirty="0">
+                <a:latin typeface="Arial"/>
+                <a:cs typeface="Arial"/>
+              </a:rPr>
+              <a:t> </a:t>
+            </a:r>
+            <a:r>
+              <a:rPr sz="1300" spc="-25" dirty="0">
+                <a:latin typeface="Arial"/>
+                <a:cs typeface="Arial"/>
+              </a:rPr>
+              <a:t>com </a:t>
+            </a:r>
+            <a:r>
+              <a:rPr sz="1300" dirty="0">
+                <a:latin typeface="Arial"/>
+                <a:cs typeface="Arial"/>
+              </a:rPr>
+              <a:t>inteligência</a:t>
+            </a:r>
+            <a:r>
+              <a:rPr sz="1300" spc="-50" dirty="0">
+                <a:latin typeface="Arial"/>
+                <a:cs typeface="Arial"/>
+              </a:rPr>
+              <a:t> </a:t>
+            </a:r>
+            <a:r>
+              <a:rPr sz="1300" dirty="0">
                 <a:latin typeface="Arial"/>
                 <a:cs typeface="Arial"/>
               </a:rPr>
               <a:t>de</a:t>
             </a:r>
             <a:r>
-              <a:rPr dirty="0" sz="1300" spc="-25" b="1">
-                <a:latin typeface="Arial"/>
-                <a:cs typeface="Arial"/>
-              </a:rPr>
-              <a:t> </a:t>
-            </a:r>
-            <a:r>
-              <a:rPr dirty="0" sz="1300" b="1">
-                <a:latin typeface="Arial"/>
-                <a:cs typeface="Arial"/>
-              </a:rPr>
-              <a:t>delivery</a:t>
-            </a:r>
-            <a:r>
-              <a:rPr dirty="0" sz="1300" spc="-35" b="1">
-                <a:latin typeface="Arial"/>
-                <a:cs typeface="Arial"/>
-              </a:rPr>
-              <a:t> </a:t>
-            </a:r>
-            <a:r>
-              <a:rPr dirty="0" sz="1300" b="1">
-                <a:latin typeface="Arial"/>
-                <a:cs typeface="Arial"/>
-              </a:rPr>
-              <a:t>alimentício.</a:t>
-            </a:r>
-            <a:r>
-              <a:rPr dirty="0" sz="1300" spc="-25" b="1">
-                <a:latin typeface="Arial"/>
-                <a:cs typeface="Arial"/>
-              </a:rPr>
-              <a:t> </a:t>
-            </a:r>
-            <a:r>
-              <a:rPr dirty="0" sz="1300" spc="-10" b="1">
-                <a:latin typeface="Arial"/>
-                <a:cs typeface="Arial"/>
-              </a:rPr>
-              <a:t>Nossa </a:t>
-            </a:r>
-            <a:r>
-              <a:rPr dirty="0" sz="1300" b="1">
-                <a:latin typeface="Arial"/>
-                <a:cs typeface="Arial"/>
-              </a:rPr>
-              <a:t>força</a:t>
-            </a:r>
-            <a:r>
-              <a:rPr dirty="0" sz="1300" spc="35" b="1">
-                <a:latin typeface="Arial"/>
-                <a:cs typeface="Arial"/>
-              </a:rPr>
-              <a:t> </a:t>
-            </a:r>
-            <a:r>
-              <a:rPr dirty="0" sz="1300" b="1">
-                <a:latin typeface="Arial"/>
-                <a:cs typeface="Arial"/>
-              </a:rPr>
-              <a:t>está</a:t>
-            </a:r>
-            <a:r>
-              <a:rPr dirty="0" sz="1300" spc="55" b="1">
-                <a:latin typeface="Arial"/>
-                <a:cs typeface="Arial"/>
-              </a:rPr>
-              <a:t> </a:t>
-            </a:r>
-            <a:r>
-              <a:rPr dirty="0" sz="1300" b="1">
-                <a:latin typeface="Arial"/>
-                <a:cs typeface="Arial"/>
-              </a:rPr>
-              <a:t>na</a:t>
-            </a:r>
-            <a:r>
-              <a:rPr dirty="0" sz="1300" spc="40" b="1">
-                <a:latin typeface="Arial"/>
-                <a:cs typeface="Arial"/>
-              </a:rPr>
-              <a:t> </a:t>
-            </a:r>
-            <a:r>
-              <a:rPr dirty="0" sz="1300" spc="-10" b="1">
-                <a:latin typeface="Arial"/>
-                <a:cs typeface="Arial"/>
-              </a:rPr>
-              <a:t>multidisciplinaridade:</a:t>
-            </a:r>
-            <a:r>
-              <a:rPr dirty="0" sz="1300" spc="40" b="1">
-                <a:latin typeface="Arial"/>
-                <a:cs typeface="Arial"/>
-              </a:rPr>
-              <a:t> </a:t>
-            </a:r>
-            <a:r>
-              <a:rPr dirty="0" sz="1300" b="1">
-                <a:latin typeface="Arial"/>
-                <a:cs typeface="Arial"/>
-              </a:rPr>
-              <a:t>cada</a:t>
-            </a:r>
-            <a:r>
-              <a:rPr dirty="0" sz="1300" spc="35" b="1">
-                <a:latin typeface="Arial"/>
-                <a:cs typeface="Arial"/>
-              </a:rPr>
-              <a:t> </a:t>
-            </a:r>
-            <a:r>
-              <a:rPr dirty="0" sz="1300" b="1">
-                <a:latin typeface="Arial"/>
-                <a:cs typeface="Arial"/>
-              </a:rPr>
-              <a:t>membro</a:t>
-            </a:r>
-            <a:r>
-              <a:rPr dirty="0" sz="1300" spc="35" b="1">
-                <a:latin typeface="Arial"/>
-                <a:cs typeface="Arial"/>
-              </a:rPr>
-              <a:t> </a:t>
-            </a:r>
-            <a:r>
-              <a:rPr dirty="0" sz="1300" b="1">
-                <a:latin typeface="Arial"/>
-                <a:cs typeface="Arial"/>
-              </a:rPr>
-              <a:t>trouxe</a:t>
-            </a:r>
-            <a:r>
-              <a:rPr dirty="0" sz="1300" spc="35" b="1">
-                <a:latin typeface="Arial"/>
-                <a:cs typeface="Arial"/>
-              </a:rPr>
-              <a:t> </a:t>
-            </a:r>
-            <a:r>
-              <a:rPr dirty="0" sz="1300" b="1">
-                <a:latin typeface="Arial"/>
-                <a:cs typeface="Arial"/>
-              </a:rPr>
-              <a:t>sua</a:t>
-            </a:r>
-            <a:r>
-              <a:rPr dirty="0" sz="1300" spc="35" b="1">
-                <a:latin typeface="Arial"/>
-                <a:cs typeface="Arial"/>
-              </a:rPr>
-              <a:t> </a:t>
-            </a:r>
-            <a:r>
-              <a:rPr dirty="0" sz="1300" b="1">
-                <a:latin typeface="Arial"/>
-                <a:cs typeface="Arial"/>
-              </a:rPr>
-              <a:t>visão,</a:t>
-            </a:r>
-            <a:r>
-              <a:rPr dirty="0" sz="1300" spc="35" b="1">
-                <a:latin typeface="Arial"/>
-                <a:cs typeface="Arial"/>
-              </a:rPr>
-              <a:t> </a:t>
-            </a:r>
-            <a:r>
-              <a:rPr dirty="0" sz="1300" b="1">
-                <a:latin typeface="Arial"/>
-                <a:cs typeface="Arial"/>
-              </a:rPr>
-              <a:t>talento</a:t>
-            </a:r>
-            <a:r>
-              <a:rPr dirty="0" sz="1300" spc="50" b="1">
-                <a:latin typeface="Arial"/>
-                <a:cs typeface="Arial"/>
-              </a:rPr>
-              <a:t> </a:t>
-            </a:r>
-            <a:r>
-              <a:rPr dirty="0" sz="1300" spc="-50" b="1">
-                <a:latin typeface="Arial"/>
-                <a:cs typeface="Arial"/>
-              </a:rPr>
-              <a:t>e </a:t>
-            </a:r>
-            <a:r>
-              <a:rPr dirty="0" sz="1300" b="1">
-                <a:latin typeface="Arial"/>
-                <a:cs typeface="Arial"/>
-              </a:rPr>
-              <a:t>dedicação</a:t>
-            </a:r>
-            <a:r>
-              <a:rPr dirty="0" sz="1300" spc="110" b="1">
-                <a:latin typeface="Arial"/>
-                <a:cs typeface="Arial"/>
-              </a:rPr>
-              <a:t> </a:t>
-            </a:r>
-            <a:r>
-              <a:rPr dirty="0" sz="1300" b="1">
-                <a:latin typeface="Arial"/>
-                <a:cs typeface="Arial"/>
-              </a:rPr>
-              <a:t>para</a:t>
-            </a:r>
-            <a:r>
-              <a:rPr dirty="0" sz="1300" spc="110" b="1">
-                <a:latin typeface="Arial"/>
-                <a:cs typeface="Arial"/>
-              </a:rPr>
-              <a:t> </a:t>
-            </a:r>
-            <a:r>
-              <a:rPr dirty="0" sz="1300" b="1">
-                <a:latin typeface="Arial"/>
-                <a:cs typeface="Arial"/>
-              </a:rPr>
-              <a:t>transformar</a:t>
-            </a:r>
-            <a:r>
-              <a:rPr dirty="0" sz="1300" spc="114" b="1">
-                <a:latin typeface="Arial"/>
-                <a:cs typeface="Arial"/>
-              </a:rPr>
-              <a:t> </a:t>
-            </a:r>
-            <a:r>
-              <a:rPr dirty="0" sz="1300" b="1">
-                <a:latin typeface="Arial"/>
-                <a:cs typeface="Arial"/>
-              </a:rPr>
-              <a:t>dados</a:t>
-            </a:r>
-            <a:r>
-              <a:rPr dirty="0" sz="1300" spc="120" b="1">
-                <a:latin typeface="Arial"/>
-                <a:cs typeface="Arial"/>
-              </a:rPr>
-              <a:t> </a:t>
-            </a:r>
-            <a:r>
-              <a:rPr dirty="0" sz="1300" b="1">
-                <a:latin typeface="Arial"/>
-                <a:cs typeface="Arial"/>
-              </a:rPr>
-              <a:t>em</a:t>
-            </a:r>
-            <a:r>
-              <a:rPr dirty="0" sz="1300" spc="105" b="1">
-                <a:latin typeface="Arial"/>
-                <a:cs typeface="Arial"/>
-              </a:rPr>
-              <a:t> </a:t>
-            </a:r>
-            <a:r>
-              <a:rPr dirty="0" sz="1300" b="1">
-                <a:latin typeface="Arial"/>
-                <a:cs typeface="Arial"/>
-              </a:rPr>
-              <a:t>decisões</a:t>
-            </a:r>
-            <a:r>
-              <a:rPr dirty="0" sz="1300" spc="114" b="1">
-                <a:latin typeface="Arial"/>
-                <a:cs typeface="Arial"/>
-              </a:rPr>
-              <a:t> </a:t>
-            </a:r>
-            <a:r>
-              <a:rPr dirty="0" sz="1300" b="1">
-                <a:latin typeface="Arial"/>
-                <a:cs typeface="Arial"/>
-              </a:rPr>
-              <a:t>e</a:t>
-            </a:r>
-            <a:r>
-              <a:rPr dirty="0" sz="1300" spc="105" b="1">
-                <a:latin typeface="Arial"/>
-                <a:cs typeface="Arial"/>
-              </a:rPr>
-              <a:t> </a:t>
-            </a:r>
-            <a:r>
-              <a:rPr dirty="0" sz="1300" b="1">
-                <a:latin typeface="Arial"/>
-                <a:cs typeface="Arial"/>
-              </a:rPr>
-              <a:t>trazer</a:t>
-            </a:r>
-            <a:r>
-              <a:rPr dirty="0" sz="1300" spc="114" b="1">
-                <a:latin typeface="Arial"/>
-                <a:cs typeface="Arial"/>
-              </a:rPr>
-              <a:t> </a:t>
-            </a:r>
-            <a:r>
-              <a:rPr dirty="0" sz="1300" b="1">
-                <a:latin typeface="Arial"/>
-                <a:cs typeface="Arial"/>
-              </a:rPr>
-              <a:t>melhores</a:t>
-            </a:r>
-            <a:r>
-              <a:rPr dirty="0" sz="1300" spc="120" b="1">
-                <a:latin typeface="Arial"/>
-                <a:cs typeface="Arial"/>
-              </a:rPr>
-              <a:t> </a:t>
-            </a:r>
-            <a:r>
-              <a:rPr dirty="0" sz="1300" spc="-10" b="1">
-                <a:latin typeface="Arial"/>
-                <a:cs typeface="Arial"/>
-              </a:rPr>
-              <a:t>soluções </a:t>
-            </a:r>
-            <a:r>
-              <a:rPr dirty="0" sz="1300" b="1">
-                <a:latin typeface="Arial"/>
-                <a:cs typeface="Arial"/>
-              </a:rPr>
-              <a:t>para</a:t>
-            </a:r>
-            <a:r>
-              <a:rPr dirty="0" sz="1300" spc="200" b="1">
-                <a:latin typeface="Arial"/>
-                <a:cs typeface="Arial"/>
-              </a:rPr>
-              <a:t> </a:t>
-            </a:r>
-            <a:r>
-              <a:rPr dirty="0" sz="1300" b="1">
-                <a:latin typeface="Arial"/>
-                <a:cs typeface="Arial"/>
-              </a:rPr>
-              <a:t>a</a:t>
-            </a:r>
-            <a:r>
-              <a:rPr dirty="0" sz="1300" spc="195" b="1">
-                <a:latin typeface="Arial"/>
-                <a:cs typeface="Arial"/>
-              </a:rPr>
-              <a:t> </a:t>
-            </a:r>
-            <a:r>
-              <a:rPr dirty="0" sz="1300" b="1">
-                <a:latin typeface="Arial"/>
-                <a:cs typeface="Arial"/>
-              </a:rPr>
-              <a:t>empresa.</a:t>
-            </a:r>
-            <a:r>
-              <a:rPr dirty="0" sz="1300" spc="185" b="1">
-                <a:latin typeface="Arial"/>
-                <a:cs typeface="Arial"/>
-              </a:rPr>
-              <a:t> </a:t>
-            </a:r>
-            <a:r>
-              <a:rPr dirty="0" sz="1300" b="1">
-                <a:latin typeface="Arial"/>
-                <a:cs typeface="Arial"/>
-              </a:rPr>
-              <a:t>Estivemos</a:t>
-            </a:r>
-            <a:r>
-              <a:rPr dirty="0" sz="1300" spc="204" b="1">
-                <a:latin typeface="Arial"/>
-                <a:cs typeface="Arial"/>
-              </a:rPr>
-              <a:t> </a:t>
-            </a:r>
-            <a:r>
-              <a:rPr dirty="0" sz="1300" b="1">
-                <a:latin typeface="Arial"/>
-                <a:cs typeface="Arial"/>
-              </a:rPr>
-              <a:t>trabalhando</a:t>
-            </a:r>
-            <a:r>
-              <a:rPr dirty="0" sz="1300" spc="210" b="1">
-                <a:latin typeface="Arial"/>
-                <a:cs typeface="Arial"/>
-              </a:rPr>
-              <a:t> </a:t>
-            </a:r>
-            <a:r>
-              <a:rPr dirty="0" sz="1300" b="1">
-                <a:latin typeface="Arial"/>
-                <a:cs typeface="Arial"/>
-              </a:rPr>
-              <a:t>em</a:t>
-            </a:r>
-            <a:r>
-              <a:rPr dirty="0" sz="1300" spc="190" b="1">
-                <a:latin typeface="Arial"/>
-                <a:cs typeface="Arial"/>
-              </a:rPr>
-              <a:t> </a:t>
-            </a:r>
-            <a:r>
-              <a:rPr dirty="0" sz="1300" b="1">
-                <a:latin typeface="Arial"/>
-                <a:cs typeface="Arial"/>
-              </a:rPr>
-              <a:t>várias</a:t>
-            </a:r>
-            <a:r>
-              <a:rPr dirty="0" sz="1300" spc="210" b="1">
-                <a:latin typeface="Arial"/>
-                <a:cs typeface="Arial"/>
-              </a:rPr>
-              <a:t> </a:t>
-            </a:r>
-            <a:r>
-              <a:rPr dirty="0" sz="1300" b="1">
-                <a:latin typeface="Arial"/>
-                <a:cs typeface="Arial"/>
-              </a:rPr>
-              <a:t>aréas</a:t>
-            </a:r>
-            <a:r>
-              <a:rPr dirty="0" sz="1300" spc="195" b="1">
-                <a:latin typeface="Arial"/>
-                <a:cs typeface="Arial"/>
-              </a:rPr>
-              <a:t> </a:t>
-            </a:r>
-            <a:r>
-              <a:rPr dirty="0" sz="1300" b="1">
-                <a:latin typeface="Arial"/>
-                <a:cs typeface="Arial"/>
-              </a:rPr>
-              <a:t>como</a:t>
-            </a:r>
-            <a:r>
-              <a:rPr dirty="0" sz="1300" spc="195" b="1">
-                <a:latin typeface="Arial"/>
-                <a:cs typeface="Arial"/>
-              </a:rPr>
-              <a:t> </a:t>
-            </a:r>
-            <a:r>
-              <a:rPr dirty="0" sz="1300" b="1">
-                <a:latin typeface="Arial"/>
-                <a:cs typeface="Arial"/>
-              </a:rPr>
-              <a:t>a</a:t>
-            </a:r>
-            <a:r>
-              <a:rPr dirty="0" sz="1300" spc="200" b="1">
-                <a:latin typeface="Arial"/>
-                <a:cs typeface="Arial"/>
-              </a:rPr>
-              <a:t> </a:t>
-            </a:r>
-            <a:r>
-              <a:rPr dirty="0" sz="1300" b="1">
-                <a:latin typeface="Arial"/>
-                <a:cs typeface="Arial"/>
-              </a:rPr>
-              <a:t>análise</a:t>
-            </a:r>
-            <a:r>
-              <a:rPr dirty="0" sz="1300" spc="200" b="1">
-                <a:latin typeface="Arial"/>
-                <a:cs typeface="Arial"/>
-              </a:rPr>
-              <a:t> </a:t>
-            </a:r>
-            <a:r>
-              <a:rPr dirty="0" sz="1300" spc="-50" b="1">
-                <a:latin typeface="Arial"/>
-                <a:cs typeface="Arial"/>
-              </a:rPr>
-              <a:t>e </a:t>
-            </a:r>
-            <a:r>
-              <a:rPr dirty="0" sz="1300" b="1">
-                <a:latin typeface="Arial"/>
-                <a:cs typeface="Arial"/>
-              </a:rPr>
-              <a:t>modelagem</a:t>
-            </a:r>
-            <a:r>
-              <a:rPr dirty="0" sz="1300" spc="475" b="1">
-                <a:latin typeface="Arial"/>
-                <a:cs typeface="Arial"/>
-              </a:rPr>
-              <a:t> </a:t>
-            </a:r>
-            <a:r>
-              <a:rPr dirty="0" sz="1300" b="1">
-                <a:latin typeface="Arial"/>
-                <a:cs typeface="Arial"/>
-              </a:rPr>
-              <a:t>de</a:t>
-            </a:r>
-            <a:r>
-              <a:rPr dirty="0" sz="1300" spc="484" b="1">
-                <a:latin typeface="Arial"/>
-                <a:cs typeface="Arial"/>
-              </a:rPr>
-              <a:t> </a:t>
-            </a:r>
-            <a:r>
-              <a:rPr dirty="0" sz="1300" b="1">
-                <a:latin typeface="Arial"/>
-                <a:cs typeface="Arial"/>
-              </a:rPr>
-              <a:t>dados,</a:t>
-            </a:r>
-            <a:r>
-              <a:rPr dirty="0" sz="1300" spc="490" b="1">
-                <a:latin typeface="Arial"/>
-                <a:cs typeface="Arial"/>
-              </a:rPr>
-              <a:t> </a:t>
-            </a:r>
-            <a:r>
-              <a:rPr dirty="0" sz="1300" b="1">
-                <a:latin typeface="Arial"/>
-                <a:cs typeface="Arial"/>
-              </a:rPr>
-              <a:t>passando</a:t>
-            </a:r>
-            <a:r>
-              <a:rPr dirty="0" sz="1300" spc="484" b="1">
-                <a:latin typeface="Arial"/>
-                <a:cs typeface="Arial"/>
-              </a:rPr>
-              <a:t> </a:t>
-            </a:r>
-            <a:r>
-              <a:rPr dirty="0" sz="1300" b="1">
-                <a:latin typeface="Arial"/>
-                <a:cs typeface="Arial"/>
-              </a:rPr>
-              <a:t>pela</a:t>
-            </a:r>
-            <a:r>
-              <a:rPr dirty="0" sz="1300" spc="484" b="1">
-                <a:latin typeface="Arial"/>
-                <a:cs typeface="Arial"/>
-              </a:rPr>
-              <a:t> </a:t>
-            </a:r>
-            <a:r>
-              <a:rPr dirty="0" sz="1300" b="1">
-                <a:latin typeface="Arial"/>
-                <a:cs typeface="Arial"/>
-              </a:rPr>
-              <a:t>implementação</a:t>
-            </a:r>
-            <a:r>
-              <a:rPr dirty="0" sz="1300" spc="75" b="1">
-                <a:latin typeface="Arial"/>
-                <a:cs typeface="Arial"/>
-              </a:rPr>
-              <a:t>  </a:t>
-            </a:r>
-            <a:r>
-              <a:rPr dirty="0" sz="1300" b="1">
-                <a:latin typeface="Arial"/>
-                <a:cs typeface="Arial"/>
-              </a:rPr>
-              <a:t>de</a:t>
-            </a:r>
-            <a:r>
-              <a:rPr dirty="0" sz="1300" spc="480" b="1">
-                <a:latin typeface="Arial"/>
-                <a:cs typeface="Arial"/>
-              </a:rPr>
-              <a:t> </a:t>
-            </a:r>
-            <a:r>
-              <a:rPr dirty="0" sz="1300" b="1">
-                <a:latin typeface="Arial"/>
-                <a:cs typeface="Arial"/>
-              </a:rPr>
-              <a:t>algoritmos</a:t>
-            </a:r>
-            <a:r>
-              <a:rPr dirty="0" sz="1300" spc="495" b="1">
-                <a:latin typeface="Arial"/>
-                <a:cs typeface="Arial"/>
-              </a:rPr>
-              <a:t> </a:t>
-            </a:r>
-            <a:r>
-              <a:rPr dirty="0" sz="1300" spc="-25" b="1">
-                <a:latin typeface="Arial"/>
-                <a:cs typeface="Arial"/>
-              </a:rPr>
-              <a:t>de </a:t>
-            </a:r>
-            <a:r>
-              <a:rPr dirty="0" sz="1300" b="1">
-                <a:latin typeface="Arial"/>
-                <a:cs typeface="Arial"/>
-              </a:rPr>
-              <a:t>clusterização</a:t>
-            </a:r>
-            <a:r>
-              <a:rPr dirty="0" sz="1300" spc="20" b="1">
-                <a:latin typeface="Arial"/>
-                <a:cs typeface="Arial"/>
-              </a:rPr>
-              <a:t> </a:t>
-            </a:r>
-            <a:r>
-              <a:rPr dirty="0" sz="1300" spc="-10" b="1">
-                <a:latin typeface="Arial"/>
-                <a:cs typeface="Arial"/>
-              </a:rPr>
-              <a:t>(K-</a:t>
-            </a:r>
-            <a:r>
-              <a:rPr dirty="0" sz="1300" b="1">
-                <a:latin typeface="Arial"/>
-                <a:cs typeface="Arial"/>
-              </a:rPr>
-              <a:t>Means),</a:t>
-            </a:r>
-            <a:r>
-              <a:rPr dirty="0" sz="1300" spc="335" b="1">
-                <a:latin typeface="Arial"/>
-                <a:cs typeface="Arial"/>
-              </a:rPr>
-              <a:t> </a:t>
-            </a:r>
-            <a:r>
-              <a:rPr dirty="0" sz="1300" b="1">
-                <a:latin typeface="Arial"/>
-                <a:cs typeface="Arial"/>
-              </a:rPr>
-              <a:t>integração</a:t>
-            </a:r>
-            <a:r>
-              <a:rPr dirty="0" sz="1300" spc="20" b="1">
-                <a:latin typeface="Arial"/>
-                <a:cs typeface="Arial"/>
-              </a:rPr>
-              <a:t> </a:t>
-            </a:r>
-            <a:r>
-              <a:rPr dirty="0" sz="1300" b="1">
-                <a:latin typeface="Arial"/>
-                <a:cs typeface="Arial"/>
-              </a:rPr>
-              <a:t>de dashboards</a:t>
-            </a:r>
-            <a:r>
-              <a:rPr dirty="0" sz="1300" spc="15" b="1">
-                <a:latin typeface="Arial"/>
-                <a:cs typeface="Arial"/>
-              </a:rPr>
-              <a:t> </a:t>
-            </a:r>
-            <a:r>
-              <a:rPr dirty="0" sz="1300" b="1">
-                <a:latin typeface="Arial"/>
-                <a:cs typeface="Arial"/>
-              </a:rPr>
-              <a:t>interativos</a:t>
-            </a:r>
-            <a:r>
-              <a:rPr dirty="0" sz="1300" spc="25" b="1">
-                <a:latin typeface="Arial"/>
-                <a:cs typeface="Arial"/>
-              </a:rPr>
-              <a:t> </a:t>
-            </a:r>
-            <a:r>
-              <a:rPr dirty="0" sz="1300" b="1">
-                <a:latin typeface="Arial"/>
-                <a:cs typeface="Arial"/>
-              </a:rPr>
-              <a:t>em</a:t>
-            </a:r>
-            <a:r>
-              <a:rPr dirty="0" sz="1300" spc="-5" b="1">
-                <a:latin typeface="Arial"/>
-                <a:cs typeface="Arial"/>
-              </a:rPr>
-              <a:t> </a:t>
-            </a:r>
-            <a:r>
-              <a:rPr dirty="0" sz="1300" b="1">
-                <a:latin typeface="Arial"/>
-                <a:cs typeface="Arial"/>
-              </a:rPr>
-              <a:t>Next.js,</a:t>
-            </a:r>
-            <a:r>
-              <a:rPr dirty="0" sz="1300" spc="5" b="1">
-                <a:latin typeface="Arial"/>
-                <a:cs typeface="Arial"/>
-              </a:rPr>
-              <a:t> </a:t>
-            </a:r>
-            <a:r>
-              <a:rPr dirty="0" sz="1300" spc="-50" b="1">
-                <a:latin typeface="Arial"/>
-                <a:cs typeface="Arial"/>
-              </a:rPr>
-              <a:t>o </a:t>
-            </a:r>
-            <a:r>
-              <a:rPr dirty="0" sz="1300" b="1">
-                <a:latin typeface="Arial"/>
-                <a:cs typeface="Arial"/>
-              </a:rPr>
-              <a:t>design</a:t>
-            </a:r>
-            <a:r>
-              <a:rPr dirty="0" sz="1300" spc="175" b="1">
-                <a:latin typeface="Arial"/>
-                <a:cs typeface="Arial"/>
-              </a:rPr>
-              <a:t>  </a:t>
-            </a:r>
-            <a:r>
-              <a:rPr dirty="0" sz="1300" b="1">
-                <a:latin typeface="Arial"/>
-                <a:cs typeface="Arial"/>
-              </a:rPr>
-              <a:t>da</a:t>
-            </a:r>
-            <a:r>
-              <a:rPr dirty="0" sz="1300" spc="175" b="1">
-                <a:latin typeface="Arial"/>
-                <a:cs typeface="Arial"/>
-              </a:rPr>
-              <a:t>  </a:t>
-            </a:r>
-            <a:r>
-              <a:rPr dirty="0" sz="1300" b="1">
-                <a:latin typeface="Arial"/>
-                <a:cs typeface="Arial"/>
-              </a:rPr>
-              <a:t>interface</a:t>
-            </a:r>
-            <a:r>
-              <a:rPr dirty="0" sz="1300" spc="190" b="1">
-                <a:latin typeface="Arial"/>
-                <a:cs typeface="Arial"/>
-              </a:rPr>
-              <a:t>  </a:t>
-            </a:r>
-            <a:r>
-              <a:rPr dirty="0" sz="1300" b="1">
-                <a:latin typeface="Arial"/>
-                <a:cs typeface="Arial"/>
-              </a:rPr>
-              <a:t>e</a:t>
-            </a:r>
-            <a:r>
-              <a:rPr dirty="0" sz="1300" spc="180" b="1">
-                <a:latin typeface="Arial"/>
-                <a:cs typeface="Arial"/>
-              </a:rPr>
-              <a:t>  </a:t>
-            </a:r>
-            <a:r>
-              <a:rPr dirty="0" sz="1300" b="1">
-                <a:latin typeface="Arial"/>
-                <a:cs typeface="Arial"/>
-              </a:rPr>
-              <a:t>a</a:t>
-            </a:r>
-            <a:r>
-              <a:rPr dirty="0" sz="1300" spc="175" b="1">
-                <a:latin typeface="Arial"/>
-                <a:cs typeface="Arial"/>
-              </a:rPr>
-              <a:t>  </a:t>
-            </a:r>
-            <a:r>
-              <a:rPr dirty="0" sz="1300" b="1">
-                <a:latin typeface="Arial"/>
-                <a:cs typeface="Arial"/>
-              </a:rPr>
-              <a:t>otimização</a:t>
-            </a:r>
-            <a:r>
-              <a:rPr dirty="0" sz="1300" spc="190" b="1">
-                <a:latin typeface="Arial"/>
-                <a:cs typeface="Arial"/>
-              </a:rPr>
-              <a:t>  </a:t>
-            </a:r>
-            <a:r>
-              <a:rPr dirty="0" sz="1300" b="1">
-                <a:latin typeface="Arial"/>
-                <a:cs typeface="Arial"/>
-              </a:rPr>
-              <a:t>do</a:t>
-            </a:r>
-            <a:r>
-              <a:rPr dirty="0" sz="1300" spc="180" b="1">
-                <a:latin typeface="Arial"/>
-                <a:cs typeface="Arial"/>
-              </a:rPr>
-              <a:t>  </a:t>
-            </a:r>
-            <a:r>
-              <a:rPr dirty="0" sz="1300" b="1">
-                <a:latin typeface="Arial"/>
-                <a:cs typeface="Arial"/>
-              </a:rPr>
-              <a:t>backend</a:t>
-            </a:r>
-            <a:r>
-              <a:rPr dirty="0" sz="1300" spc="180" b="1">
-                <a:latin typeface="Arial"/>
-                <a:cs typeface="Arial"/>
-              </a:rPr>
-              <a:t>  </a:t>
-            </a:r>
-            <a:r>
-              <a:rPr dirty="0" sz="1300" b="1">
-                <a:latin typeface="Arial"/>
-                <a:cs typeface="Arial"/>
-              </a:rPr>
-              <a:t>com</a:t>
-            </a:r>
-            <a:r>
-              <a:rPr dirty="0" sz="1300" spc="175" b="1">
-                <a:latin typeface="Arial"/>
-                <a:cs typeface="Arial"/>
-              </a:rPr>
-              <a:t>  </a:t>
-            </a:r>
-            <a:r>
-              <a:rPr dirty="0" sz="1300" b="1">
-                <a:latin typeface="Arial"/>
-                <a:cs typeface="Arial"/>
-              </a:rPr>
-              <a:t>consultas</a:t>
-            </a:r>
-            <a:r>
-              <a:rPr dirty="0" sz="1300" spc="180" b="1">
-                <a:latin typeface="Arial"/>
-                <a:cs typeface="Arial"/>
-              </a:rPr>
-              <a:t>  </a:t>
-            </a:r>
-            <a:r>
-              <a:rPr dirty="0" sz="1300" spc="-25" b="1">
-                <a:latin typeface="Arial"/>
-                <a:cs typeface="Arial"/>
-              </a:rPr>
-              <a:t>em </a:t>
-            </a:r>
-            <a:r>
-              <a:rPr dirty="0" sz="1300" b="1">
-                <a:latin typeface="Arial"/>
-                <a:cs typeface="Arial"/>
-              </a:rPr>
-              <a:t>PostgreSQL</a:t>
-            </a:r>
-            <a:r>
-              <a:rPr dirty="0" sz="1300" spc="365" b="1">
-                <a:latin typeface="Arial"/>
-                <a:cs typeface="Arial"/>
-              </a:rPr>
-              <a:t> </a:t>
-            </a:r>
-            <a:r>
-              <a:rPr dirty="0" sz="1300" b="1">
-                <a:latin typeface="Arial"/>
-                <a:cs typeface="Arial"/>
-              </a:rPr>
-              <a:t>na</a:t>
-            </a:r>
-            <a:r>
-              <a:rPr dirty="0" sz="1300" spc="375" b="1">
-                <a:latin typeface="Arial"/>
-                <a:cs typeface="Arial"/>
-              </a:rPr>
-              <a:t> </a:t>
-            </a:r>
-            <a:r>
-              <a:rPr dirty="0" sz="1300" b="1">
-                <a:latin typeface="Arial"/>
-                <a:cs typeface="Arial"/>
-              </a:rPr>
-              <a:t>nuvem.</a:t>
-            </a:r>
-            <a:r>
-              <a:rPr dirty="0" sz="1300" spc="370" b="1">
-                <a:latin typeface="Arial"/>
-                <a:cs typeface="Arial"/>
-              </a:rPr>
-              <a:t> </a:t>
-            </a:r>
-            <a:r>
-              <a:rPr dirty="0" sz="1300" b="1">
-                <a:latin typeface="Arial"/>
-                <a:cs typeface="Arial"/>
-              </a:rPr>
-              <a:t>A</a:t>
-            </a:r>
-            <a:r>
-              <a:rPr dirty="0" sz="1300" spc="335" b="1">
-                <a:latin typeface="Arial"/>
-                <a:cs typeface="Arial"/>
-              </a:rPr>
-              <a:t> </a:t>
-            </a:r>
-            <a:r>
-              <a:rPr dirty="0" sz="1300" b="1">
-                <a:latin typeface="Arial"/>
-                <a:cs typeface="Arial"/>
-              </a:rPr>
-              <a:t>Datalivery</a:t>
-            </a:r>
-            <a:r>
-              <a:rPr dirty="0" sz="1300" spc="395" b="1">
-                <a:latin typeface="Arial"/>
-                <a:cs typeface="Arial"/>
-              </a:rPr>
-              <a:t> </a:t>
-            </a:r>
-            <a:r>
-              <a:rPr dirty="0" sz="1300" b="1">
-                <a:latin typeface="Arial"/>
-                <a:cs typeface="Arial"/>
-              </a:rPr>
-              <a:t>é</a:t>
-            </a:r>
-            <a:r>
-              <a:rPr dirty="0" sz="1300" spc="380" b="1">
-                <a:latin typeface="Arial"/>
-                <a:cs typeface="Arial"/>
-              </a:rPr>
-              <a:t> </a:t>
-            </a:r>
-            <a:r>
-              <a:rPr dirty="0" sz="1300" b="1">
-                <a:latin typeface="Arial"/>
-                <a:cs typeface="Arial"/>
-              </a:rPr>
-              <a:t>o</a:t>
-            </a:r>
-            <a:r>
-              <a:rPr dirty="0" sz="1300" spc="380" b="1">
-                <a:latin typeface="Arial"/>
-                <a:cs typeface="Arial"/>
-              </a:rPr>
-              <a:t> </a:t>
-            </a:r>
-            <a:r>
-              <a:rPr dirty="0" sz="1300" b="1">
-                <a:latin typeface="Arial"/>
-                <a:cs typeface="Arial"/>
-              </a:rPr>
-              <a:t>resultado</a:t>
-            </a:r>
-            <a:r>
-              <a:rPr dirty="0" sz="1300" spc="370" b="1">
-                <a:latin typeface="Arial"/>
-                <a:cs typeface="Arial"/>
-              </a:rPr>
-              <a:t> </a:t>
-            </a:r>
-            <a:r>
-              <a:rPr dirty="0" sz="1300" b="1">
-                <a:latin typeface="Arial"/>
-                <a:cs typeface="Arial"/>
-              </a:rPr>
-              <a:t>da</a:t>
-            </a:r>
-            <a:r>
-              <a:rPr dirty="0" sz="1300" spc="375" b="1">
-                <a:latin typeface="Arial"/>
-                <a:cs typeface="Arial"/>
-              </a:rPr>
-              <a:t> </a:t>
-            </a:r>
-            <a:r>
-              <a:rPr dirty="0" sz="1300" b="1">
-                <a:latin typeface="Arial"/>
-                <a:cs typeface="Arial"/>
-              </a:rPr>
-              <a:t>soma</a:t>
-            </a:r>
-            <a:r>
-              <a:rPr dirty="0" sz="1300" spc="380" b="1">
-                <a:latin typeface="Arial"/>
-                <a:cs typeface="Arial"/>
-              </a:rPr>
-              <a:t> </a:t>
-            </a:r>
-            <a:r>
-              <a:rPr dirty="0" sz="1300" b="1">
-                <a:latin typeface="Arial"/>
-                <a:cs typeface="Arial"/>
-              </a:rPr>
-              <a:t>de</a:t>
-            </a:r>
-            <a:r>
-              <a:rPr dirty="0" sz="1300" spc="370" b="1">
-                <a:latin typeface="Arial"/>
-                <a:cs typeface="Arial"/>
-              </a:rPr>
-              <a:t> </a:t>
-            </a:r>
-            <a:r>
-              <a:rPr dirty="0" sz="1300" spc="-10" b="1">
-                <a:latin typeface="Arial"/>
-                <a:cs typeface="Arial"/>
-              </a:rPr>
-              <a:t>talentos </a:t>
-            </a:r>
-            <a:r>
-              <a:rPr dirty="0" sz="1300" b="1">
-                <a:latin typeface="Arial"/>
-                <a:cs typeface="Arial"/>
-              </a:rPr>
-              <a:t>diferentes,</a:t>
-            </a:r>
-            <a:r>
-              <a:rPr dirty="0" sz="1300" spc="260" b="1">
-                <a:latin typeface="Arial"/>
-                <a:cs typeface="Arial"/>
-              </a:rPr>
-              <a:t> </a:t>
-            </a:r>
-            <a:r>
-              <a:rPr dirty="0" sz="1300" b="1">
-                <a:latin typeface="Arial"/>
-                <a:cs typeface="Arial"/>
-              </a:rPr>
-              <a:t>mas</a:t>
-            </a:r>
-            <a:r>
-              <a:rPr dirty="0" sz="1300" spc="265" b="1">
-                <a:latin typeface="Arial"/>
-                <a:cs typeface="Arial"/>
-              </a:rPr>
-              <a:t> </a:t>
-            </a:r>
-            <a:r>
-              <a:rPr dirty="0" sz="1300" b="1">
-                <a:latin typeface="Arial"/>
-                <a:cs typeface="Arial"/>
-              </a:rPr>
-              <a:t>com</a:t>
-            </a:r>
-            <a:r>
-              <a:rPr dirty="0" sz="1300" spc="250" b="1">
-                <a:latin typeface="Arial"/>
-                <a:cs typeface="Arial"/>
-              </a:rPr>
-              <a:t> </a:t>
-            </a:r>
-            <a:r>
-              <a:rPr dirty="0" sz="1300" b="1">
-                <a:latin typeface="Arial"/>
-                <a:cs typeface="Arial"/>
-              </a:rPr>
-              <a:t>um</a:t>
-            </a:r>
-            <a:r>
-              <a:rPr dirty="0" sz="1300" spc="254" b="1">
-                <a:latin typeface="Arial"/>
-                <a:cs typeface="Arial"/>
-              </a:rPr>
-              <a:t> </a:t>
-            </a:r>
-            <a:r>
-              <a:rPr dirty="0" sz="1300" b="1">
-                <a:latin typeface="Arial"/>
-                <a:cs typeface="Arial"/>
-              </a:rPr>
-              <a:t>mesmo</a:t>
-            </a:r>
-            <a:r>
-              <a:rPr dirty="0" sz="1300" spc="270" b="1">
-                <a:latin typeface="Arial"/>
-                <a:cs typeface="Arial"/>
-              </a:rPr>
-              <a:t> </a:t>
-            </a:r>
-            <a:r>
-              <a:rPr dirty="0" sz="1300" b="1">
-                <a:latin typeface="Arial"/>
-                <a:cs typeface="Arial"/>
-              </a:rPr>
-              <a:t>objetivo:</a:t>
-            </a:r>
-            <a:r>
-              <a:rPr dirty="0" sz="1300" spc="260" b="1">
-                <a:latin typeface="Arial"/>
-                <a:cs typeface="Arial"/>
-              </a:rPr>
-              <a:t> </a:t>
-            </a:r>
-            <a:r>
-              <a:rPr dirty="0" sz="1300" b="1">
-                <a:latin typeface="Arial"/>
-                <a:cs typeface="Arial"/>
-              </a:rPr>
-              <a:t>inovar</a:t>
-            </a:r>
-            <a:r>
-              <a:rPr dirty="0" sz="1300" spc="250" b="1">
-                <a:latin typeface="Arial"/>
-                <a:cs typeface="Arial"/>
-              </a:rPr>
-              <a:t> </a:t>
-            </a:r>
-            <a:r>
-              <a:rPr dirty="0" sz="1300" b="1">
-                <a:latin typeface="Arial"/>
-                <a:cs typeface="Arial"/>
-              </a:rPr>
-              <a:t>o</a:t>
-            </a:r>
-            <a:r>
-              <a:rPr dirty="0" sz="1300" spc="260" b="1">
-                <a:latin typeface="Arial"/>
-                <a:cs typeface="Arial"/>
-              </a:rPr>
-              <a:t> </a:t>
-            </a:r>
-            <a:r>
-              <a:rPr dirty="0" sz="1300" b="1">
-                <a:latin typeface="Arial"/>
-                <a:cs typeface="Arial"/>
-              </a:rPr>
-              <a:t>setor</a:t>
-            </a:r>
-            <a:r>
-              <a:rPr dirty="0" sz="1300" spc="265" b="1">
-                <a:latin typeface="Arial"/>
-                <a:cs typeface="Arial"/>
-              </a:rPr>
-              <a:t> </a:t>
-            </a:r>
-            <a:r>
-              <a:rPr dirty="0" sz="1300" b="1">
-                <a:latin typeface="Arial"/>
-                <a:cs typeface="Arial"/>
-              </a:rPr>
-              <a:t>de</a:t>
-            </a:r>
-            <a:r>
-              <a:rPr dirty="0" sz="1300" spc="254" b="1">
-                <a:latin typeface="Arial"/>
-                <a:cs typeface="Arial"/>
-              </a:rPr>
-              <a:t> </a:t>
-            </a:r>
-            <a:r>
-              <a:rPr dirty="0" sz="1300" b="1">
-                <a:latin typeface="Arial"/>
-                <a:cs typeface="Arial"/>
-              </a:rPr>
-              <a:t>delivery</a:t>
-            </a:r>
-            <a:r>
-              <a:rPr dirty="0" sz="1300" spc="250" b="1">
-                <a:latin typeface="Arial"/>
-                <a:cs typeface="Arial"/>
-              </a:rPr>
-              <a:t> </a:t>
-            </a:r>
-            <a:r>
-              <a:rPr dirty="0" sz="1300" spc="-25" b="1">
-                <a:latin typeface="Arial"/>
-                <a:cs typeface="Arial"/>
-              </a:rPr>
-              <a:t>com </a:t>
-            </a:r>
-            <a:r>
-              <a:rPr dirty="0" sz="1300" b="1">
-                <a:latin typeface="Arial"/>
-                <a:cs typeface="Arial"/>
-              </a:rPr>
-              <a:t>inteligência</a:t>
-            </a:r>
-            <a:r>
-              <a:rPr dirty="0" sz="1300" spc="-50" b="1">
-                <a:latin typeface="Arial"/>
-                <a:cs typeface="Arial"/>
-              </a:rPr>
-              <a:t> </a:t>
-            </a:r>
-            <a:r>
-              <a:rPr dirty="0" sz="1300" b="1">
-                <a:latin typeface="Arial"/>
-                <a:cs typeface="Arial"/>
-              </a:rPr>
-              <a:t>de</a:t>
-            </a:r>
-            <a:r>
-              <a:rPr dirty="0" sz="1300" spc="-60" b="1">
-                <a:latin typeface="Arial"/>
-                <a:cs typeface="Arial"/>
-              </a:rPr>
-              <a:t> </a:t>
-            </a:r>
-            <a:r>
-              <a:rPr dirty="0" sz="1300" spc="-10" b="1">
+              <a:rPr sz="1300" spc="-60" dirty="0">
+                <a:latin typeface="Arial"/>
+                <a:cs typeface="Arial"/>
+              </a:rPr>
+              <a:t> </a:t>
+            </a:r>
+            <a:r>
+              <a:rPr sz="1300" spc="-10" dirty="0">
                 <a:latin typeface="Arial"/>
                 <a:cs typeface="Arial"/>
               </a:rPr>
               <a:t>dados.</a:t>
             </a:r>
-            <a:endParaRPr sz="1300">
+            <a:endParaRPr lang="pt-BR" sz="1300" spc="-10" dirty="0">
+              <a:latin typeface="Arial"/>
+              <a:cs typeface="Arial"/>
+            </a:endParaRPr>
+          </a:p>
+          <a:p>
+            <a:pPr marL="12700" marR="5080" indent="820419" algn="just">
+              <a:lnSpc>
+                <a:spcPct val="100299"/>
+              </a:lnSpc>
+              <a:spcBef>
+                <a:spcPts val="85"/>
+              </a:spcBef>
+            </a:pPr>
+            <a:r>
+              <a:rPr lang="pt-BR" sz="1300" spc="-10" dirty="0">
+                <a:latin typeface="Arial"/>
+                <a:cs typeface="Arial"/>
+              </a:rPr>
+              <a:t>Estivemos trabalhando em diversas áreas como:</a:t>
+            </a:r>
+          </a:p>
+          <a:p>
+            <a:pPr marL="298450" marR="5080" indent="-285750" algn="just">
+              <a:lnSpc>
+                <a:spcPct val="100299"/>
+              </a:lnSpc>
+              <a:spcBef>
+                <a:spcPts val="85"/>
+              </a:spcBef>
+              <a:buFontTx/>
+              <a:buChar char="-"/>
+            </a:pPr>
+            <a:r>
+              <a:rPr lang="pt-BR" sz="1300" spc="-10" dirty="0" err="1">
+                <a:latin typeface="Arial"/>
+                <a:cs typeface="Arial"/>
+              </a:rPr>
+              <a:t>Clusterização</a:t>
+            </a:r>
+            <a:r>
+              <a:rPr lang="pt-BR" sz="1300" spc="-10" dirty="0">
+                <a:latin typeface="Arial"/>
+                <a:cs typeface="Arial"/>
+              </a:rPr>
+              <a:t> (K—</a:t>
+            </a:r>
+            <a:r>
+              <a:rPr lang="pt-BR" sz="1300" spc="-10" dirty="0" err="1">
+                <a:latin typeface="Arial"/>
+                <a:cs typeface="Arial"/>
+              </a:rPr>
+              <a:t>means</a:t>
+            </a:r>
+            <a:r>
+              <a:rPr lang="pt-BR" sz="1300" spc="-10" dirty="0">
+                <a:latin typeface="Arial"/>
+                <a:cs typeface="Arial"/>
+              </a:rPr>
+              <a:t>)</a:t>
+            </a:r>
+          </a:p>
+          <a:p>
+            <a:pPr marL="298450" marR="5080" indent="-285750" algn="just">
+              <a:lnSpc>
+                <a:spcPct val="100299"/>
+              </a:lnSpc>
+              <a:spcBef>
+                <a:spcPts val="85"/>
+              </a:spcBef>
+              <a:buFontTx/>
+              <a:buChar char="-"/>
+            </a:pPr>
+            <a:r>
+              <a:rPr lang="pt-BR" sz="1300" spc="-10" dirty="0">
+                <a:latin typeface="Arial"/>
+                <a:cs typeface="Arial"/>
+              </a:rPr>
+              <a:t>Dashboard em Next.js</a:t>
+            </a:r>
+          </a:p>
+          <a:p>
+            <a:pPr marL="298450" marR="5080" indent="-285750" algn="just">
+              <a:lnSpc>
+                <a:spcPct val="100299"/>
+              </a:lnSpc>
+              <a:spcBef>
+                <a:spcPts val="85"/>
+              </a:spcBef>
+              <a:buFontTx/>
+              <a:buChar char="-"/>
+            </a:pPr>
+            <a:r>
+              <a:rPr lang="pt-BR" sz="1300" spc="-10" dirty="0">
+                <a:latin typeface="Arial"/>
+                <a:cs typeface="Arial"/>
+              </a:rPr>
+              <a:t>Modelagem de Dados</a:t>
+            </a:r>
+          </a:p>
+          <a:p>
+            <a:pPr marL="298450" marR="5080" indent="-285750" algn="just">
+              <a:lnSpc>
+                <a:spcPct val="100299"/>
+              </a:lnSpc>
+              <a:spcBef>
+                <a:spcPts val="85"/>
+              </a:spcBef>
+              <a:buFontTx/>
+              <a:buChar char="-"/>
+            </a:pPr>
+            <a:r>
+              <a:rPr lang="pt-BR" sz="1300" spc="-10" dirty="0" err="1">
+                <a:latin typeface="Arial"/>
+                <a:cs typeface="Arial"/>
+              </a:rPr>
+              <a:t>Backend</a:t>
+            </a:r>
+            <a:r>
+              <a:rPr lang="pt-BR" sz="1300" spc="-10" dirty="0">
+                <a:latin typeface="Arial"/>
+                <a:cs typeface="Arial"/>
+              </a:rPr>
+              <a:t> em PostgreSQL</a:t>
+            </a:r>
+          </a:p>
+          <a:p>
+            <a:pPr marL="298450" marR="5080" indent="-285750" algn="just">
+              <a:lnSpc>
+                <a:spcPct val="100299"/>
+              </a:lnSpc>
+              <a:spcBef>
+                <a:spcPts val="85"/>
+              </a:spcBef>
+              <a:buFontTx/>
+              <a:buChar char="-"/>
+            </a:pPr>
+            <a:endParaRPr lang="pt-BR" sz="1300" spc="-10" dirty="0">
               <a:latin typeface="Arial"/>
               <a:cs typeface="Arial"/>
             </a:endParaRPr>
@@ -3060,7 +2472,7 @@
       </p:sp>
       <p:sp>
         <p:nvSpPr>
-          <p:cNvPr id="4" name="object 4" descr=""/>
+          <p:cNvPr id="4" name="object 4"/>
           <p:cNvSpPr txBox="1"/>
           <p:nvPr/>
         </p:nvSpPr>
@@ -3074,7 +2486,7 @@
           </a:prstGeom>
         </p:spPr>
         <p:txBody>
-          <a:bodyPr wrap="square" lIns="0" tIns="12700" rIns="0" bIns="0" rtlCol="0" vert="horz">
+          <a:bodyPr vert="horz" wrap="square" lIns="0" tIns="12700" rIns="0" bIns="0" rtlCol="0">
             <a:spAutoFit/>
           </a:bodyPr>
           <a:lstStyle/>
@@ -3088,49 +2500,49 @@
               </a:spcBef>
             </a:pPr>
             <a:r>
-              <a:rPr dirty="0" sz="1850" b="1">
+              <a:rPr sz="1850" b="1" dirty="0">
                 <a:latin typeface="Arial"/>
                 <a:cs typeface="Arial"/>
               </a:rPr>
               <a:t>Problema</a:t>
             </a:r>
             <a:r>
-              <a:rPr dirty="0" sz="1850" spc="5" b="1">
-                <a:latin typeface="Arial"/>
-                <a:cs typeface="Arial"/>
-              </a:rPr>
-              <a:t> </a:t>
-            </a:r>
-            <a:r>
-              <a:rPr dirty="0" sz="1850" b="1">
+              <a:rPr sz="1850" b="1" spc="5" dirty="0">
+                <a:latin typeface="Arial"/>
+                <a:cs typeface="Arial"/>
+              </a:rPr>
+              <a:t> </a:t>
+            </a:r>
+            <a:r>
+              <a:rPr sz="1850" b="1" dirty="0">
                 <a:latin typeface="Arial"/>
                 <a:cs typeface="Arial"/>
               </a:rPr>
               <a:t>a</a:t>
             </a:r>
             <a:r>
-              <a:rPr dirty="0" sz="1850" spc="-5" b="1">
-                <a:latin typeface="Arial"/>
-                <a:cs typeface="Arial"/>
-              </a:rPr>
-              <a:t> </a:t>
-            </a:r>
-            <a:r>
-              <a:rPr dirty="0" sz="1850" b="1">
+              <a:rPr sz="1850" b="1" spc="-5" dirty="0">
+                <a:latin typeface="Arial"/>
+                <a:cs typeface="Arial"/>
+              </a:rPr>
+              <a:t> </a:t>
+            </a:r>
+            <a:r>
+              <a:rPr sz="1850" b="1" dirty="0">
                 <a:latin typeface="Arial"/>
                 <a:cs typeface="Arial"/>
               </a:rPr>
               <a:t>ser</a:t>
             </a:r>
             <a:r>
-              <a:rPr dirty="0" sz="1850" spc="5" b="1">
-                <a:latin typeface="Arial"/>
-                <a:cs typeface="Arial"/>
-              </a:rPr>
-              <a:t> </a:t>
-            </a:r>
-            <a:r>
-              <a:rPr dirty="0" sz="1850" spc="-10" b="1">
+              <a:rPr sz="1850" b="1" spc="5" dirty="0">
+                <a:latin typeface="Arial"/>
+                <a:cs typeface="Arial"/>
+              </a:rPr>
+              <a:t> </a:t>
+            </a:r>
+            <a:r>
+              <a:rPr sz="1850" b="1" spc="-10" dirty="0">
                 <a:latin typeface="Arial"/>
                 <a:cs typeface="Arial"/>
               </a:rPr>
@@ -3145,1380 +2557,1063 @@
       </p:sp>
       <p:sp>
         <p:nvSpPr>
-          <p:cNvPr id="5" name="object 5" descr=""/>
+          <p:cNvPr id="5" name="object 5"/>
           <p:cNvSpPr txBox="1"/>
           <p:nvPr/>
         </p:nvSpPr>
         <p:spPr>
           <a:xfrm>
-            <a:off x="6851177" y="3217872"/>
-            <a:ext cx="6126480" cy="2208530"/>
+            <a:off x="6848223" y="3160407"/>
+            <a:ext cx="6126480" cy="2616742"/>
           </a:xfrm>
           <a:prstGeom prst="rect">
             <a:avLst/>
           </a:prstGeom>
         </p:spPr>
         <p:txBody>
-          <a:bodyPr wrap="square" lIns="0" tIns="10795" rIns="0" bIns="0" rtlCol="0" vert="horz">
+          <a:bodyPr vert="horz" wrap="square" lIns="0" tIns="10795" rIns="0" bIns="0" rtlCol="0">
             <a:spAutoFit/>
           </a:bodyPr>
           <a:lstStyle/>
           <a:p>
-            <a:pPr algn="just" marL="12700" marR="5080" indent="39370">
+            <a:pPr marL="12700" marR="5080" indent="39370" algn="just">
               <a:lnSpc>
                 <a:spcPct val="100299"/>
               </a:lnSpc>
               <a:spcBef>
                 <a:spcPts val="85"/>
               </a:spcBef>
+              <a:spcAft>
+                <a:spcPts val="600"/>
+              </a:spcAft>
             </a:pPr>
             <a:r>
-              <a:rPr dirty="0" sz="1300" b="1">
+              <a:rPr lang="pt-BR" sz="1300" dirty="0">
+                <a:latin typeface="Arial"/>
+                <a:cs typeface="Arial"/>
+              </a:rPr>
+              <a:t>	</a:t>
+            </a:r>
+            <a:r>
+              <a:rPr sz="1300" dirty="0">
                 <a:latin typeface="Arial"/>
                 <a:cs typeface="Arial"/>
               </a:rPr>
               <a:t>A</a:t>
             </a:r>
             <a:r>
-              <a:rPr dirty="0" sz="1300" spc="35" b="1">
-                <a:latin typeface="Arial"/>
-                <a:cs typeface="Arial"/>
-              </a:rPr>
-              <a:t> </a:t>
-            </a:r>
-            <a:r>
-              <a:rPr dirty="0" sz="1300" b="1">
+              <a:rPr sz="1300" spc="35" dirty="0">
+                <a:latin typeface="Arial"/>
+                <a:cs typeface="Arial"/>
+              </a:rPr>
+              <a:t> </a:t>
+            </a:r>
+            <a:r>
+              <a:rPr sz="1300" dirty="0">
                 <a:latin typeface="Arial"/>
                 <a:cs typeface="Arial"/>
               </a:rPr>
               <a:t>empresa</a:t>
             </a:r>
             <a:r>
-              <a:rPr dirty="0" sz="1300" spc="85" b="1">
-                <a:latin typeface="Arial"/>
-                <a:cs typeface="Arial"/>
-              </a:rPr>
-              <a:t> </a:t>
-            </a:r>
-            <a:r>
-              <a:rPr dirty="0" sz="1300" b="1">
+              <a:rPr sz="1300" spc="85" dirty="0">
+                <a:latin typeface="Arial"/>
+                <a:cs typeface="Arial"/>
+              </a:rPr>
+              <a:t> </a:t>
+            </a:r>
+            <a:r>
+              <a:rPr sz="1300" dirty="0">
                 <a:latin typeface="Arial"/>
                 <a:cs typeface="Arial"/>
               </a:rPr>
               <a:t>enfrenta</a:t>
             </a:r>
             <a:r>
-              <a:rPr dirty="0" sz="1300" spc="75" b="1">
-                <a:latin typeface="Arial"/>
-                <a:cs typeface="Arial"/>
-              </a:rPr>
-              <a:t> </a:t>
-            </a:r>
-            <a:r>
-              <a:rPr dirty="0" sz="1300" b="1">
+              <a:rPr sz="1300" spc="75" dirty="0">
+                <a:latin typeface="Arial"/>
+                <a:cs typeface="Arial"/>
+              </a:rPr>
+              <a:t> </a:t>
+            </a:r>
+            <a:r>
+              <a:rPr sz="1300" dirty="0">
                 <a:latin typeface="Arial"/>
                 <a:cs typeface="Arial"/>
               </a:rPr>
               <a:t>o</a:t>
             </a:r>
             <a:r>
-              <a:rPr dirty="0" sz="1300" spc="80" b="1">
-                <a:latin typeface="Arial"/>
-                <a:cs typeface="Arial"/>
-              </a:rPr>
-              <a:t> </a:t>
-            </a:r>
-            <a:r>
-              <a:rPr dirty="0" sz="1300" b="1">
+              <a:rPr sz="1300" spc="80" dirty="0">
+                <a:latin typeface="Arial"/>
+                <a:cs typeface="Arial"/>
+              </a:rPr>
+              <a:t> </a:t>
+            </a:r>
+            <a:r>
+              <a:rPr sz="1300" dirty="0">
                 <a:latin typeface="Arial"/>
                 <a:cs typeface="Arial"/>
               </a:rPr>
               <a:t>desafio</a:t>
             </a:r>
             <a:r>
-              <a:rPr dirty="0" sz="1300" spc="85" b="1">
-                <a:latin typeface="Arial"/>
-                <a:cs typeface="Arial"/>
-              </a:rPr>
-              <a:t> </a:t>
-            </a:r>
-            <a:r>
-              <a:rPr dirty="0" sz="1300" b="1">
+              <a:rPr sz="1300" spc="85" dirty="0">
+                <a:latin typeface="Arial"/>
+                <a:cs typeface="Arial"/>
+              </a:rPr>
+              <a:t> </a:t>
+            </a:r>
+            <a:r>
+              <a:rPr sz="1300" dirty="0">
                 <a:latin typeface="Arial"/>
                 <a:cs typeface="Arial"/>
               </a:rPr>
               <a:t>de</a:t>
             </a:r>
             <a:r>
-              <a:rPr dirty="0" sz="1300" spc="80" b="1">
-                <a:latin typeface="Arial"/>
-                <a:cs typeface="Arial"/>
-              </a:rPr>
-              <a:t> </a:t>
-            </a:r>
-            <a:r>
-              <a:rPr dirty="0" sz="1300" b="1">
+              <a:rPr sz="1300" spc="80" dirty="0">
+                <a:latin typeface="Arial"/>
+                <a:cs typeface="Arial"/>
+              </a:rPr>
+              <a:t> </a:t>
+            </a:r>
+            <a:r>
+              <a:rPr sz="1300" dirty="0">
                 <a:latin typeface="Arial"/>
                 <a:cs typeface="Arial"/>
               </a:rPr>
               <a:t>tomar</a:t>
             </a:r>
             <a:r>
-              <a:rPr dirty="0" sz="1300" spc="90" b="1">
-                <a:latin typeface="Arial"/>
-                <a:cs typeface="Arial"/>
-              </a:rPr>
-              <a:t> </a:t>
-            </a:r>
-            <a:r>
-              <a:rPr dirty="0" sz="1300" b="1">
+              <a:rPr sz="1300" spc="90" dirty="0">
+                <a:latin typeface="Arial"/>
+                <a:cs typeface="Arial"/>
+              </a:rPr>
+              <a:t> </a:t>
+            </a:r>
+            <a:r>
+              <a:rPr sz="1300" dirty="0">
                 <a:latin typeface="Arial"/>
                 <a:cs typeface="Arial"/>
               </a:rPr>
               <a:t>decisões</a:t>
             </a:r>
             <a:r>
-              <a:rPr dirty="0" sz="1300" spc="95" b="1">
-                <a:latin typeface="Arial"/>
-                <a:cs typeface="Arial"/>
-              </a:rPr>
-              <a:t> </a:t>
-            </a:r>
-            <a:r>
-              <a:rPr dirty="0" sz="1300" b="1">
+              <a:rPr sz="1300" spc="95" dirty="0">
+                <a:latin typeface="Arial"/>
+                <a:cs typeface="Arial"/>
+              </a:rPr>
+              <a:t> </a:t>
+            </a:r>
+            <a:r>
+              <a:rPr sz="1300" dirty="0">
                 <a:latin typeface="Arial"/>
                 <a:cs typeface="Arial"/>
               </a:rPr>
               <a:t>estratégicas</a:t>
             </a:r>
             <a:r>
-              <a:rPr dirty="0" sz="1300" spc="80" b="1">
-                <a:latin typeface="Arial"/>
-                <a:cs typeface="Arial"/>
-              </a:rPr>
-              <a:t> </a:t>
-            </a:r>
-            <a:r>
-              <a:rPr dirty="0" sz="1300" b="1">
+              <a:rPr sz="1300" spc="80" dirty="0">
+                <a:latin typeface="Arial"/>
+                <a:cs typeface="Arial"/>
+              </a:rPr>
+              <a:t> </a:t>
+            </a:r>
+            <a:r>
+              <a:rPr sz="1300" dirty="0">
                 <a:latin typeface="Arial"/>
                 <a:cs typeface="Arial"/>
               </a:rPr>
               <a:t>baseadas</a:t>
             </a:r>
             <a:r>
-              <a:rPr dirty="0" sz="1300" spc="85" b="1">
-                <a:latin typeface="Arial"/>
-                <a:cs typeface="Arial"/>
-              </a:rPr>
-              <a:t> </a:t>
-            </a:r>
-            <a:r>
-              <a:rPr dirty="0" sz="1300" spc="-25" b="1">
+              <a:rPr sz="1300" spc="85" dirty="0">
+                <a:latin typeface="Arial"/>
+                <a:cs typeface="Arial"/>
+              </a:rPr>
+              <a:t> </a:t>
+            </a:r>
+            <a:r>
+              <a:rPr sz="1300" spc="-25" dirty="0">
                 <a:latin typeface="Arial"/>
                 <a:cs typeface="Arial"/>
               </a:rPr>
               <a:t>em </a:t>
             </a:r>
             <a:r>
-              <a:rPr dirty="0" sz="1300" b="1">
+              <a:rPr sz="1300" dirty="0">
                 <a:latin typeface="Arial"/>
                 <a:cs typeface="Arial"/>
               </a:rPr>
               <a:t>dados</a:t>
             </a:r>
             <a:r>
-              <a:rPr dirty="0" sz="1300" spc="-35" b="1">
-                <a:latin typeface="Arial"/>
-                <a:cs typeface="Arial"/>
-              </a:rPr>
-              <a:t> </a:t>
-            </a:r>
-            <a:r>
-              <a:rPr dirty="0" sz="1300" b="1">
+              <a:rPr sz="1300" spc="-35" dirty="0">
+                <a:latin typeface="Arial"/>
+                <a:cs typeface="Arial"/>
+              </a:rPr>
+              <a:t> </a:t>
+            </a:r>
+            <a:r>
+              <a:rPr sz="1300" dirty="0">
                 <a:latin typeface="Arial"/>
                 <a:cs typeface="Arial"/>
               </a:rPr>
               <a:t>confiáveis,</a:t>
             </a:r>
             <a:r>
-              <a:rPr dirty="0" sz="1300" spc="-40" b="1">
-                <a:latin typeface="Arial"/>
-                <a:cs typeface="Arial"/>
-              </a:rPr>
-              <a:t> </a:t>
-            </a:r>
-            <a:r>
-              <a:rPr dirty="0" sz="1300" b="1">
+              <a:rPr sz="1300" spc="-40" dirty="0">
+                <a:latin typeface="Arial"/>
+                <a:cs typeface="Arial"/>
+              </a:rPr>
+              <a:t> </a:t>
+            </a:r>
+            <a:r>
+              <a:rPr sz="1300" dirty="0">
                 <a:latin typeface="Arial"/>
                 <a:cs typeface="Arial"/>
               </a:rPr>
               <a:t>especialmente</a:t>
             </a:r>
             <a:r>
-              <a:rPr dirty="0" sz="1300" spc="-40" b="1">
-                <a:latin typeface="Arial"/>
-                <a:cs typeface="Arial"/>
-              </a:rPr>
-              <a:t> </a:t>
-            </a:r>
-            <a:r>
-              <a:rPr dirty="0" sz="1300" b="1">
+              <a:rPr sz="1300" spc="-40" dirty="0">
+                <a:latin typeface="Arial"/>
+                <a:cs typeface="Arial"/>
+              </a:rPr>
+              <a:t> </a:t>
+            </a:r>
+            <a:r>
+              <a:rPr sz="1300" dirty="0">
                 <a:latin typeface="Arial"/>
                 <a:cs typeface="Arial"/>
               </a:rPr>
               <a:t>no</a:t>
             </a:r>
             <a:r>
-              <a:rPr dirty="0" sz="1300" spc="-50" b="1">
-                <a:latin typeface="Arial"/>
-                <a:cs typeface="Arial"/>
-              </a:rPr>
-              <a:t> </a:t>
-            </a:r>
-            <a:r>
-              <a:rPr dirty="0" sz="1300" b="1">
+              <a:rPr sz="1300" spc="-50" dirty="0">
+                <a:latin typeface="Arial"/>
+                <a:cs typeface="Arial"/>
+              </a:rPr>
+              <a:t> </a:t>
+            </a:r>
+            <a:r>
+              <a:rPr sz="1300" dirty="0">
                 <a:latin typeface="Arial"/>
                 <a:cs typeface="Arial"/>
               </a:rPr>
               <a:t>contexto</a:t>
             </a:r>
             <a:r>
-              <a:rPr dirty="0" sz="1300" spc="-30" b="1">
-                <a:latin typeface="Arial"/>
-                <a:cs typeface="Arial"/>
-              </a:rPr>
-              <a:t> </a:t>
-            </a:r>
-            <a:r>
-              <a:rPr dirty="0" sz="1300" b="1">
+              <a:rPr sz="1300" spc="-30" dirty="0">
+                <a:latin typeface="Arial"/>
+                <a:cs typeface="Arial"/>
+              </a:rPr>
+              <a:t> </a:t>
+            </a:r>
+            <a:r>
+              <a:rPr sz="1300" dirty="0">
                 <a:latin typeface="Arial"/>
                 <a:cs typeface="Arial"/>
               </a:rPr>
               <a:t>de</a:t>
             </a:r>
             <a:r>
-              <a:rPr dirty="0" sz="1300" spc="-45" b="1">
-                <a:latin typeface="Arial"/>
-                <a:cs typeface="Arial"/>
-              </a:rPr>
-              <a:t> </a:t>
-            </a:r>
-            <a:r>
-              <a:rPr dirty="0" sz="1300" b="1">
+              <a:rPr sz="1300" spc="-45" dirty="0">
+                <a:latin typeface="Arial"/>
+                <a:cs typeface="Arial"/>
+              </a:rPr>
+              <a:t> </a:t>
+            </a:r>
+            <a:r>
+              <a:rPr sz="1300" dirty="0">
                 <a:latin typeface="Arial"/>
                 <a:cs typeface="Arial"/>
               </a:rPr>
               <a:t>entregas</a:t>
             </a:r>
             <a:r>
-              <a:rPr dirty="0" sz="1300" spc="-30" b="1">
-                <a:latin typeface="Arial"/>
-                <a:cs typeface="Arial"/>
-              </a:rPr>
-              <a:t> </a:t>
-            </a:r>
-            <a:r>
-              <a:rPr dirty="0" sz="1300" spc="-10" b="1">
+              <a:rPr sz="1300" spc="-30" dirty="0">
+                <a:latin typeface="Arial"/>
+                <a:cs typeface="Arial"/>
+              </a:rPr>
+              <a:t> </a:t>
+            </a:r>
+            <a:r>
+              <a:rPr sz="1300" spc="-10" dirty="0">
                 <a:latin typeface="Arial"/>
                 <a:cs typeface="Arial"/>
               </a:rPr>
               <a:t>delivery.</a:t>
             </a:r>
             <a:r>
-              <a:rPr dirty="0" sz="1300" spc="-50" b="1">
-                <a:latin typeface="Arial"/>
-                <a:cs typeface="Arial"/>
-              </a:rPr>
-              <a:t> </a:t>
-            </a:r>
-            <a:r>
-              <a:rPr dirty="0" sz="1300" b="1">
+              <a:rPr sz="1300" spc="-50" dirty="0">
+                <a:latin typeface="Arial"/>
+                <a:cs typeface="Arial"/>
+              </a:rPr>
+              <a:t> </a:t>
+            </a:r>
+            <a:r>
+              <a:rPr sz="1300" dirty="0">
                 <a:latin typeface="Arial"/>
                 <a:cs typeface="Arial"/>
               </a:rPr>
               <a:t>Apesar</a:t>
             </a:r>
             <a:r>
-              <a:rPr dirty="0" sz="1300" spc="-30" b="1">
-                <a:latin typeface="Arial"/>
-                <a:cs typeface="Arial"/>
-              </a:rPr>
-              <a:t> </a:t>
-            </a:r>
-            <a:r>
-              <a:rPr dirty="0" sz="1300" spc="-25" b="1">
+              <a:rPr sz="1300" spc="-30" dirty="0">
+                <a:latin typeface="Arial"/>
+                <a:cs typeface="Arial"/>
+              </a:rPr>
+              <a:t> </a:t>
+            </a:r>
+            <a:r>
+              <a:rPr sz="1300" spc="-25" dirty="0">
                 <a:latin typeface="Arial"/>
                 <a:cs typeface="Arial"/>
               </a:rPr>
               <a:t>de </a:t>
             </a:r>
             <a:r>
-              <a:rPr dirty="0" sz="1300" b="1">
+              <a:rPr sz="1300" dirty="0">
                 <a:latin typeface="Arial"/>
                 <a:cs typeface="Arial"/>
               </a:rPr>
               <a:t>possuir</a:t>
             </a:r>
             <a:r>
-              <a:rPr dirty="0" sz="1300" spc="-45" b="1">
-                <a:latin typeface="Arial"/>
-                <a:cs typeface="Arial"/>
-              </a:rPr>
-              <a:t> </a:t>
-            </a:r>
-            <a:r>
-              <a:rPr dirty="0" sz="1300" b="1">
+              <a:rPr sz="1300" spc="-45" dirty="0">
+                <a:latin typeface="Arial"/>
+                <a:cs typeface="Arial"/>
+              </a:rPr>
+              <a:t> </a:t>
+            </a:r>
+            <a:r>
+              <a:rPr sz="1300" dirty="0">
                 <a:latin typeface="Arial"/>
                 <a:cs typeface="Arial"/>
               </a:rPr>
               <a:t>grande</a:t>
             </a:r>
             <a:r>
-              <a:rPr dirty="0" sz="1300" spc="-30" b="1">
-                <a:latin typeface="Arial"/>
-                <a:cs typeface="Arial"/>
-              </a:rPr>
-              <a:t> </a:t>
-            </a:r>
-            <a:r>
-              <a:rPr dirty="0" sz="1300" b="1">
+              <a:rPr sz="1300" spc="-30" dirty="0">
+                <a:latin typeface="Arial"/>
+                <a:cs typeface="Arial"/>
+              </a:rPr>
+              <a:t> </a:t>
+            </a:r>
+            <a:r>
+              <a:rPr sz="1300" dirty="0">
                 <a:latin typeface="Arial"/>
                 <a:cs typeface="Arial"/>
               </a:rPr>
               <a:t>volume</a:t>
             </a:r>
             <a:r>
-              <a:rPr dirty="0" sz="1300" spc="-25" b="1">
-                <a:latin typeface="Arial"/>
-                <a:cs typeface="Arial"/>
-              </a:rPr>
-              <a:t> </a:t>
-            </a:r>
-            <a:r>
-              <a:rPr dirty="0" sz="1300" b="1">
+              <a:rPr sz="1300" spc="-25" dirty="0">
+                <a:latin typeface="Arial"/>
+                <a:cs typeface="Arial"/>
+              </a:rPr>
+              <a:t> </a:t>
+            </a:r>
+            <a:r>
+              <a:rPr sz="1300" dirty="0">
                 <a:latin typeface="Arial"/>
                 <a:cs typeface="Arial"/>
               </a:rPr>
               <a:t>de</a:t>
             </a:r>
             <a:r>
-              <a:rPr dirty="0" sz="1300" spc="-30" b="1">
-                <a:latin typeface="Arial"/>
-                <a:cs typeface="Arial"/>
-              </a:rPr>
-              <a:t> </a:t>
-            </a:r>
-            <a:r>
-              <a:rPr dirty="0" sz="1300" b="1">
+              <a:rPr sz="1300" spc="-30" dirty="0">
+                <a:latin typeface="Arial"/>
+                <a:cs typeface="Arial"/>
+              </a:rPr>
+              <a:t> </a:t>
+            </a:r>
+            <a:r>
+              <a:rPr sz="1300" dirty="0">
                 <a:latin typeface="Arial"/>
                 <a:cs typeface="Arial"/>
               </a:rPr>
               <a:t>informações</a:t>
             </a:r>
             <a:r>
-              <a:rPr dirty="0" sz="1300" spc="-35" b="1">
-                <a:latin typeface="Arial"/>
-                <a:cs typeface="Arial"/>
-              </a:rPr>
-              <a:t> </a:t>
-            </a:r>
-            <a:r>
-              <a:rPr dirty="0" sz="1300" b="1">
+              <a:rPr sz="1300" spc="-35" dirty="0">
+                <a:latin typeface="Arial"/>
+                <a:cs typeface="Arial"/>
+              </a:rPr>
+              <a:t> </a:t>
+            </a:r>
+            <a:r>
+              <a:rPr sz="1300" dirty="0">
                 <a:latin typeface="Arial"/>
                 <a:cs typeface="Arial"/>
               </a:rPr>
               <a:t>operacionais</a:t>
             </a:r>
             <a:r>
-              <a:rPr dirty="0" sz="1300" spc="-20" b="1">
-                <a:latin typeface="Arial"/>
-                <a:cs typeface="Arial"/>
-              </a:rPr>
-              <a:t> </a:t>
-            </a:r>
-            <a:r>
-              <a:rPr dirty="0" sz="1300" b="1">
+              <a:rPr sz="1300" spc="-20" dirty="0">
+                <a:latin typeface="Arial"/>
+                <a:cs typeface="Arial"/>
+              </a:rPr>
+              <a:t> </a:t>
+            </a:r>
+            <a:r>
+              <a:rPr sz="1300" dirty="0">
                 <a:latin typeface="Arial"/>
                 <a:cs typeface="Arial"/>
               </a:rPr>
               <a:t>como</a:t>
             </a:r>
             <a:r>
-              <a:rPr dirty="0" sz="1300" spc="-25" b="1">
-                <a:latin typeface="Arial"/>
-                <a:cs typeface="Arial"/>
-              </a:rPr>
-              <a:t> </a:t>
-            </a:r>
-            <a:r>
-              <a:rPr dirty="0" sz="1300" b="1">
+              <a:rPr sz="1300" spc="-25" dirty="0">
+                <a:latin typeface="Arial"/>
+                <a:cs typeface="Arial"/>
+              </a:rPr>
+              <a:t> </a:t>
+            </a:r>
+            <a:r>
+              <a:rPr sz="1300" dirty="0">
                 <a:latin typeface="Arial"/>
                 <a:cs typeface="Arial"/>
               </a:rPr>
               <a:t>pedidos,</a:t>
             </a:r>
             <a:r>
-              <a:rPr dirty="0" sz="1300" spc="-20" b="1">
-                <a:latin typeface="Arial"/>
-                <a:cs typeface="Arial"/>
-              </a:rPr>
-              <a:t> </a:t>
-            </a:r>
-            <a:r>
-              <a:rPr dirty="0" sz="1300" spc="-10" b="1">
+              <a:rPr sz="1300" spc="-20" dirty="0">
+                <a:latin typeface="Arial"/>
+                <a:cs typeface="Arial"/>
+              </a:rPr>
+              <a:t> </a:t>
+            </a:r>
+            <a:r>
+              <a:rPr sz="1300" spc="-10" dirty="0">
                 <a:latin typeface="Arial"/>
                 <a:cs typeface="Arial"/>
               </a:rPr>
               <a:t>horários </a:t>
             </a:r>
             <a:r>
-              <a:rPr dirty="0" sz="1300" b="1">
+              <a:rPr sz="1300" dirty="0">
                 <a:latin typeface="Arial"/>
                 <a:cs typeface="Arial"/>
               </a:rPr>
               <a:t>de</a:t>
             </a:r>
             <a:r>
-              <a:rPr dirty="0" sz="1300" spc="470" b="1">
-                <a:latin typeface="Arial"/>
-                <a:cs typeface="Arial"/>
-              </a:rPr>
-              <a:t> </a:t>
-            </a:r>
-            <a:r>
-              <a:rPr dirty="0" sz="1300" b="1">
+              <a:rPr sz="1300" spc="470" dirty="0">
+                <a:latin typeface="Arial"/>
+                <a:cs typeface="Arial"/>
+              </a:rPr>
+              <a:t> </a:t>
+            </a:r>
+            <a:r>
+              <a:rPr sz="1300" dirty="0">
                 <a:latin typeface="Arial"/>
                 <a:cs typeface="Arial"/>
               </a:rPr>
               <a:t>pico,</a:t>
             </a:r>
             <a:r>
-              <a:rPr dirty="0" sz="1300" spc="475" b="1">
-                <a:latin typeface="Arial"/>
-                <a:cs typeface="Arial"/>
-              </a:rPr>
-              <a:t> </a:t>
-            </a:r>
-            <a:r>
-              <a:rPr dirty="0" sz="1300" b="1">
+              <a:rPr sz="1300" spc="475" dirty="0">
+                <a:latin typeface="Arial"/>
+                <a:cs typeface="Arial"/>
+              </a:rPr>
+              <a:t> </a:t>
+            </a:r>
+            <a:r>
+              <a:rPr sz="1300" dirty="0">
                 <a:latin typeface="Arial"/>
                 <a:cs typeface="Arial"/>
               </a:rPr>
               <a:t>rotas,</a:t>
             </a:r>
             <a:r>
-              <a:rPr dirty="0" sz="1300" spc="465" b="1">
-                <a:latin typeface="Arial"/>
-                <a:cs typeface="Arial"/>
-              </a:rPr>
-              <a:t> </a:t>
-            </a:r>
-            <a:r>
-              <a:rPr dirty="0" sz="1300" b="1">
+              <a:rPr sz="1300" spc="465" dirty="0">
+                <a:latin typeface="Arial"/>
+                <a:cs typeface="Arial"/>
+              </a:rPr>
+              <a:t> </a:t>
+            </a:r>
+            <a:r>
+              <a:rPr sz="1300" dirty="0">
                 <a:latin typeface="Arial"/>
                 <a:cs typeface="Arial"/>
               </a:rPr>
               <a:t>fidelidade</a:t>
             </a:r>
             <a:r>
-              <a:rPr dirty="0" sz="1300" spc="470" b="1">
-                <a:latin typeface="Arial"/>
-                <a:cs typeface="Arial"/>
-              </a:rPr>
-              <a:t> </a:t>
-            </a:r>
-            <a:r>
-              <a:rPr dirty="0" sz="1300" b="1">
+              <a:rPr sz="1300" spc="470" dirty="0">
+                <a:latin typeface="Arial"/>
+                <a:cs typeface="Arial"/>
+              </a:rPr>
+              <a:t> </a:t>
+            </a:r>
+            <a:r>
+              <a:rPr sz="1300" dirty="0">
                 <a:latin typeface="Arial"/>
                 <a:cs typeface="Arial"/>
               </a:rPr>
               <a:t>de</a:t>
             </a:r>
             <a:r>
-              <a:rPr dirty="0" sz="1300" spc="475" b="1">
-                <a:latin typeface="Arial"/>
-                <a:cs typeface="Arial"/>
-              </a:rPr>
-              <a:t> </a:t>
-            </a:r>
-            <a:r>
-              <a:rPr dirty="0" sz="1300" b="1">
+              <a:rPr sz="1300" spc="475" dirty="0">
+                <a:latin typeface="Arial"/>
+                <a:cs typeface="Arial"/>
+              </a:rPr>
+              <a:t> </a:t>
+            </a:r>
+            <a:r>
+              <a:rPr sz="1300" dirty="0">
                 <a:latin typeface="Arial"/>
                 <a:cs typeface="Arial"/>
               </a:rPr>
               <a:t>clientes</a:t>
             </a:r>
             <a:r>
-              <a:rPr dirty="0" sz="1300" spc="475" b="1">
-                <a:latin typeface="Arial"/>
-                <a:cs typeface="Arial"/>
-              </a:rPr>
-              <a:t> </a:t>
-            </a:r>
-            <a:r>
-              <a:rPr dirty="0" sz="1300" b="1">
+              <a:rPr sz="1300" spc="475" dirty="0">
+                <a:latin typeface="Arial"/>
+                <a:cs typeface="Arial"/>
+              </a:rPr>
+              <a:t> </a:t>
+            </a:r>
+            <a:r>
+              <a:rPr sz="1300" dirty="0">
                 <a:latin typeface="Arial"/>
                 <a:cs typeface="Arial"/>
               </a:rPr>
               <a:t>e</a:t>
             </a:r>
             <a:r>
-              <a:rPr dirty="0" sz="1300" spc="480" b="1">
-                <a:latin typeface="Arial"/>
-                <a:cs typeface="Arial"/>
-              </a:rPr>
-              <a:t> </a:t>
-            </a:r>
-            <a:r>
-              <a:rPr dirty="0" sz="1300" b="1">
+              <a:rPr sz="1300" spc="480" dirty="0">
+                <a:latin typeface="Arial"/>
+                <a:cs typeface="Arial"/>
+              </a:rPr>
+              <a:t> </a:t>
+            </a:r>
+            <a:r>
+              <a:rPr sz="1300" dirty="0">
                 <a:latin typeface="Arial"/>
                 <a:cs typeface="Arial"/>
               </a:rPr>
               <a:t>avaliações.</a:t>
             </a:r>
             <a:r>
-              <a:rPr dirty="0" sz="1300" spc="475" b="1">
-                <a:latin typeface="Arial"/>
-                <a:cs typeface="Arial"/>
-              </a:rPr>
-              <a:t> </a:t>
-            </a:r>
-            <a:r>
-              <a:rPr dirty="0" sz="1300" b="1">
+              <a:rPr sz="1300" spc="475" dirty="0">
+                <a:latin typeface="Arial"/>
+                <a:cs typeface="Arial"/>
+              </a:rPr>
+              <a:t> </a:t>
+            </a:r>
+            <a:r>
+              <a:rPr sz="1300" dirty="0">
                 <a:latin typeface="Arial"/>
                 <a:cs typeface="Arial"/>
               </a:rPr>
               <a:t>Esses</a:t>
             </a:r>
             <a:r>
-              <a:rPr dirty="0" sz="1300" spc="65" b="1">
+              <a:rPr sz="1300" spc="65" dirty="0">
                 <a:latin typeface="Arial"/>
                 <a:cs typeface="Arial"/>
               </a:rPr>
               <a:t>  </a:t>
             </a:r>
             <a:r>
-              <a:rPr dirty="0" sz="1300" b="1">
+              <a:rPr sz="1300" dirty="0">
                 <a:latin typeface="Arial"/>
                 <a:cs typeface="Arial"/>
               </a:rPr>
               <a:t>dados</a:t>
             </a:r>
             <a:r>
-              <a:rPr dirty="0" sz="1300" spc="70" b="1">
+              <a:rPr sz="1300" spc="70" dirty="0">
                 <a:latin typeface="Arial"/>
                 <a:cs typeface="Arial"/>
               </a:rPr>
               <a:t>  </a:t>
             </a:r>
             <a:r>
-              <a:rPr dirty="0" sz="1300" spc="-10" b="1">
+              <a:rPr sz="1300" spc="-10" dirty="0">
                 <a:latin typeface="Arial"/>
                 <a:cs typeface="Arial"/>
               </a:rPr>
               <a:t>estão </a:t>
             </a:r>
             <a:r>
-              <a:rPr dirty="0" sz="1300" b="1">
+              <a:rPr sz="1300" dirty="0">
                 <a:latin typeface="Arial"/>
                 <a:cs typeface="Arial"/>
               </a:rPr>
               <a:t>fragmentados,</a:t>
             </a:r>
             <a:r>
-              <a:rPr dirty="0" sz="1300" spc="150" b="1">
+              <a:rPr sz="1300" spc="150" dirty="0">
                 <a:latin typeface="Arial"/>
                 <a:cs typeface="Arial"/>
               </a:rPr>
               <a:t>  </a:t>
             </a:r>
             <a:r>
-              <a:rPr dirty="0" sz="1300" b="1">
+              <a:rPr sz="1300" dirty="0">
                 <a:latin typeface="Arial"/>
                 <a:cs typeface="Arial"/>
               </a:rPr>
               <a:t>pouco</a:t>
             </a:r>
             <a:r>
-              <a:rPr dirty="0" sz="1300" spc="150" b="1">
+              <a:rPr sz="1300" spc="150" dirty="0">
                 <a:latin typeface="Arial"/>
                 <a:cs typeface="Arial"/>
               </a:rPr>
               <a:t>  </a:t>
             </a:r>
             <a:r>
-              <a:rPr dirty="0" sz="1300" b="1">
+              <a:rPr sz="1300" dirty="0">
                 <a:latin typeface="Arial"/>
                 <a:cs typeface="Arial"/>
               </a:rPr>
               <a:t>analisados</a:t>
             </a:r>
             <a:r>
-              <a:rPr dirty="0" sz="1300" spc="140" b="1">
+              <a:rPr sz="1300" spc="140" dirty="0">
                 <a:latin typeface="Arial"/>
                 <a:cs typeface="Arial"/>
               </a:rPr>
               <a:t>  </a:t>
             </a:r>
             <a:r>
-              <a:rPr dirty="0" sz="1300" b="1">
+              <a:rPr sz="1300" dirty="0">
                 <a:latin typeface="Arial"/>
                 <a:cs typeface="Arial"/>
               </a:rPr>
               <a:t>e</a:t>
             </a:r>
             <a:r>
-              <a:rPr dirty="0" sz="1300" spc="145" b="1">
+              <a:rPr sz="1300" spc="145" dirty="0">
                 <a:latin typeface="Arial"/>
                 <a:cs typeface="Arial"/>
               </a:rPr>
               <a:t>  </a:t>
             </a:r>
             <a:r>
-              <a:rPr dirty="0" sz="1300" b="1">
+              <a:rPr sz="1300" dirty="0">
                 <a:latin typeface="Arial"/>
                 <a:cs typeface="Arial"/>
               </a:rPr>
               <a:t>subutilizados,</a:t>
             </a:r>
             <a:r>
-              <a:rPr dirty="0" sz="1300" spc="150" b="1">
+              <a:rPr sz="1300" spc="150" dirty="0">
                 <a:latin typeface="Arial"/>
                 <a:cs typeface="Arial"/>
               </a:rPr>
               <a:t>  </a:t>
             </a:r>
             <a:r>
-              <a:rPr dirty="0" sz="1300" b="1">
+              <a:rPr sz="1300" dirty="0">
                 <a:latin typeface="Arial"/>
                 <a:cs typeface="Arial"/>
               </a:rPr>
               <a:t>dificultando</a:t>
             </a:r>
             <a:r>
-              <a:rPr dirty="0" sz="1300" spc="145" b="1">
+              <a:rPr sz="1300" spc="145" dirty="0">
                 <a:latin typeface="Arial"/>
                 <a:cs typeface="Arial"/>
               </a:rPr>
               <a:t>  </a:t>
             </a:r>
             <a:r>
-              <a:rPr dirty="0" sz="1300" b="1">
+              <a:rPr sz="1300" dirty="0">
                 <a:latin typeface="Arial"/>
                 <a:cs typeface="Arial"/>
               </a:rPr>
               <a:t>a</a:t>
             </a:r>
             <a:r>
-              <a:rPr dirty="0" sz="1300" spc="145" b="1">
+              <a:rPr sz="1300" spc="145" dirty="0">
                 <a:latin typeface="Arial"/>
                 <a:cs typeface="Arial"/>
               </a:rPr>
               <a:t>  </a:t>
             </a:r>
             <a:r>
-              <a:rPr dirty="0" sz="1300" spc="-10" b="1">
+              <a:rPr sz="1300" spc="-10" dirty="0">
                 <a:latin typeface="Arial"/>
                 <a:cs typeface="Arial"/>
               </a:rPr>
               <a:t>visão </a:t>
             </a:r>
             <a:r>
-              <a:rPr dirty="0" sz="1300" b="1">
+              <a:rPr sz="1300" dirty="0">
                 <a:latin typeface="Arial"/>
                 <a:cs typeface="Arial"/>
               </a:rPr>
               <a:t>completa</a:t>
             </a:r>
             <a:r>
-              <a:rPr dirty="0" sz="1300" spc="-30" b="1">
-                <a:latin typeface="Arial"/>
-                <a:cs typeface="Arial"/>
-              </a:rPr>
-              <a:t> </a:t>
-            </a:r>
-            <a:r>
-              <a:rPr dirty="0" sz="1300" b="1">
+              <a:rPr sz="1300" spc="-30" dirty="0">
+                <a:latin typeface="Arial"/>
+                <a:cs typeface="Arial"/>
+              </a:rPr>
+              <a:t> </a:t>
+            </a:r>
+            <a:r>
+              <a:rPr sz="1300" dirty="0">
                 <a:latin typeface="Arial"/>
                 <a:cs typeface="Arial"/>
               </a:rPr>
               <a:t>do</a:t>
             </a:r>
             <a:r>
-              <a:rPr dirty="0" sz="1300" spc="-45" b="1">
-                <a:latin typeface="Arial"/>
-                <a:cs typeface="Arial"/>
-              </a:rPr>
-              <a:t> </a:t>
-            </a:r>
-            <a:r>
-              <a:rPr dirty="0" sz="1300" b="1">
+              <a:rPr sz="1300" spc="-45" dirty="0">
+                <a:latin typeface="Arial"/>
+                <a:cs typeface="Arial"/>
+              </a:rPr>
+              <a:t> </a:t>
+            </a:r>
+            <a:r>
+              <a:rPr sz="1300" dirty="0">
                 <a:latin typeface="Arial"/>
                 <a:cs typeface="Arial"/>
               </a:rPr>
               <a:t>desempenho</a:t>
             </a:r>
             <a:r>
-              <a:rPr dirty="0" sz="1300" spc="-45" b="1">
-                <a:latin typeface="Arial"/>
-                <a:cs typeface="Arial"/>
-              </a:rPr>
-              <a:t> </a:t>
-            </a:r>
-            <a:r>
-              <a:rPr dirty="0" sz="1300" b="1">
+              <a:rPr sz="1300" spc="-45" dirty="0">
+                <a:latin typeface="Arial"/>
+                <a:cs typeface="Arial"/>
+              </a:rPr>
+              <a:t> </a:t>
+            </a:r>
+            <a:r>
+              <a:rPr sz="1300" dirty="0">
                 <a:latin typeface="Arial"/>
                 <a:cs typeface="Arial"/>
               </a:rPr>
               <a:t>do</a:t>
             </a:r>
             <a:r>
-              <a:rPr dirty="0" sz="1300" spc="-45" b="1">
-                <a:latin typeface="Arial"/>
-                <a:cs typeface="Arial"/>
-              </a:rPr>
-              <a:t> </a:t>
-            </a:r>
-            <a:r>
-              <a:rPr dirty="0" sz="1300" spc="-10" b="1">
+              <a:rPr sz="1300" spc="-45" dirty="0">
+                <a:latin typeface="Arial"/>
+                <a:cs typeface="Arial"/>
+              </a:rPr>
+              <a:t> </a:t>
+            </a:r>
+            <a:r>
+              <a:rPr sz="1300" spc="-10" dirty="0">
                 <a:latin typeface="Arial"/>
                 <a:cs typeface="Arial"/>
               </a:rPr>
               <a:t>negócio.</a:t>
             </a:r>
-            <a:endParaRPr sz="1300">
+            <a:endParaRPr sz="1300" dirty="0">
               <a:latin typeface="Arial"/>
               <a:cs typeface="Arial"/>
             </a:endParaRPr>
           </a:p>
           <a:p>
-            <a:pPr algn="just" marL="12700" marR="5080">
+            <a:pPr marL="12700" marR="5080" algn="just">
               <a:lnSpc>
                 <a:spcPct val="100099"/>
               </a:lnSpc>
               <a:spcBef>
                 <a:spcPts val="10"/>
               </a:spcBef>
+              <a:spcAft>
+                <a:spcPts val="600"/>
+              </a:spcAft>
             </a:pPr>
             <a:r>
-              <a:rPr dirty="0" sz="1300" b="1">
+              <a:rPr lang="pt-BR" sz="1300" dirty="0">
+                <a:latin typeface="Arial"/>
+                <a:cs typeface="Arial"/>
+              </a:rPr>
+              <a:t>	</a:t>
+            </a:r>
+            <a:r>
+              <a:rPr sz="1300" dirty="0">
                 <a:latin typeface="Arial"/>
                 <a:cs typeface="Arial"/>
               </a:rPr>
               <a:t>Essa</a:t>
             </a:r>
             <a:r>
-              <a:rPr dirty="0" sz="1300" spc="105" b="1">
+              <a:rPr sz="1300" spc="105" dirty="0">
                 <a:latin typeface="Arial"/>
                 <a:cs typeface="Arial"/>
               </a:rPr>
               <a:t>  </a:t>
             </a:r>
             <a:r>
-              <a:rPr dirty="0" sz="1300" b="1">
+              <a:rPr sz="1300" dirty="0">
                 <a:latin typeface="Arial"/>
                 <a:cs typeface="Arial"/>
               </a:rPr>
               <a:t>falta</a:t>
             </a:r>
             <a:r>
-              <a:rPr dirty="0" sz="1300" spc="114" b="1">
+              <a:rPr sz="1300" spc="114" dirty="0">
                 <a:latin typeface="Arial"/>
                 <a:cs typeface="Arial"/>
               </a:rPr>
               <a:t>  </a:t>
             </a:r>
             <a:r>
-              <a:rPr dirty="0" sz="1300" b="1">
+              <a:rPr sz="1300" dirty="0">
                 <a:latin typeface="Arial"/>
                 <a:cs typeface="Arial"/>
               </a:rPr>
               <a:t>de</a:t>
             </a:r>
             <a:r>
-              <a:rPr dirty="0" sz="1300" spc="110" b="1">
+              <a:rPr sz="1300" spc="110" dirty="0">
                 <a:latin typeface="Arial"/>
                 <a:cs typeface="Arial"/>
               </a:rPr>
               <a:t>  </a:t>
             </a:r>
             <a:r>
-              <a:rPr dirty="0" sz="1300" b="1">
+              <a:rPr sz="1300" dirty="0">
                 <a:latin typeface="Arial"/>
                 <a:cs typeface="Arial"/>
               </a:rPr>
               <a:t>integração</a:t>
             </a:r>
             <a:r>
-              <a:rPr dirty="0" sz="1300" spc="120" b="1">
+              <a:rPr sz="1300" spc="120" dirty="0">
                 <a:latin typeface="Arial"/>
                 <a:cs typeface="Arial"/>
               </a:rPr>
               <a:t>  </a:t>
             </a:r>
             <a:r>
-              <a:rPr dirty="0" sz="1300" b="1">
+              <a:rPr sz="1300" dirty="0">
                 <a:latin typeface="Arial"/>
                 <a:cs typeface="Arial"/>
               </a:rPr>
               <a:t>e</a:t>
             </a:r>
             <a:r>
-              <a:rPr dirty="0" sz="1300" spc="114" b="1">
+              <a:rPr sz="1300" spc="114" dirty="0">
                 <a:latin typeface="Arial"/>
                 <a:cs typeface="Arial"/>
               </a:rPr>
               <a:t>  </a:t>
             </a:r>
             <a:r>
-              <a:rPr dirty="0" sz="1300" b="1">
+              <a:rPr sz="1300" dirty="0">
                 <a:latin typeface="Arial"/>
                 <a:cs typeface="Arial"/>
               </a:rPr>
               <a:t>análise</a:t>
             </a:r>
             <a:r>
-              <a:rPr dirty="0" sz="1300" spc="114" b="1">
+              <a:rPr sz="1300" spc="114" dirty="0">
                 <a:latin typeface="Arial"/>
                 <a:cs typeface="Arial"/>
               </a:rPr>
               <a:t>  </a:t>
             </a:r>
             <a:r>
-              <a:rPr dirty="0" sz="1300" b="1">
+              <a:rPr sz="1300" dirty="0">
                 <a:latin typeface="Arial"/>
                 <a:cs typeface="Arial"/>
               </a:rPr>
               <a:t>de</a:t>
             </a:r>
             <a:r>
-              <a:rPr dirty="0" sz="1300" spc="110" b="1">
+              <a:rPr sz="1300" spc="110" dirty="0">
                 <a:latin typeface="Arial"/>
                 <a:cs typeface="Arial"/>
               </a:rPr>
               <a:t>  </a:t>
             </a:r>
             <a:r>
-              <a:rPr dirty="0" sz="1300" b="1">
+              <a:rPr sz="1300" dirty="0">
                 <a:latin typeface="Arial"/>
                 <a:cs typeface="Arial"/>
               </a:rPr>
               <a:t>dados</a:t>
             </a:r>
             <a:r>
-              <a:rPr dirty="0" sz="1300" spc="120" b="1">
+              <a:rPr sz="1300" spc="120" dirty="0">
                 <a:latin typeface="Arial"/>
                 <a:cs typeface="Arial"/>
               </a:rPr>
               <a:t>  </a:t>
             </a:r>
             <a:r>
-              <a:rPr dirty="0" sz="1300" b="1">
+              <a:rPr sz="1300" dirty="0" err="1">
                 <a:latin typeface="Arial"/>
                 <a:cs typeface="Arial"/>
               </a:rPr>
               <a:t>impacta</a:t>
             </a:r>
             <a:r>
-              <a:rPr dirty="0" sz="1300" spc="110" b="1">
-                <a:latin typeface="Arial"/>
-                <a:cs typeface="Arial"/>
-              </a:rPr>
-              <a:t>  </a:t>
-            </a:r>
-            <a:r>
-              <a:rPr dirty="0" sz="1300" b="1">
+              <a:rPr sz="1300" spc="110" dirty="0">
+                <a:latin typeface="Arial"/>
+                <a:cs typeface="Arial"/>
+              </a:rPr>
+              <a:t> </a:t>
+            </a:r>
+            <a:r>
+              <a:rPr sz="1300" dirty="0" err="1">
                 <a:latin typeface="Arial"/>
                 <a:cs typeface="Arial"/>
               </a:rPr>
               <a:t>diretamente</a:t>
             </a:r>
             <a:r>
-              <a:rPr dirty="0" sz="1300" spc="114" b="1">
-                <a:latin typeface="Arial"/>
-                <a:cs typeface="Arial"/>
-              </a:rPr>
-              <a:t>  </a:t>
-            </a:r>
-            <a:r>
-              <a:rPr dirty="0" sz="1300" spc="-25" b="1">
-                <a:latin typeface="Arial"/>
-                <a:cs typeface="Arial"/>
-              </a:rPr>
-              <a:t>na </a:t>
-            </a:r>
-            <a:r>
-              <a:rPr dirty="0" sz="1300" b="1">
-                <a:latin typeface="Arial"/>
-                <a:cs typeface="Arial"/>
-              </a:rPr>
-              <a:t>capacidade</a:t>
-            </a:r>
-            <a:r>
-              <a:rPr dirty="0" sz="1300" spc="114" b="1">
-                <a:latin typeface="Arial"/>
-                <a:cs typeface="Arial"/>
-              </a:rPr>
-              <a:t> </a:t>
-            </a:r>
-            <a:r>
-              <a:rPr dirty="0" sz="1300" b="1">
-                <a:latin typeface="Arial"/>
-                <a:cs typeface="Arial"/>
-              </a:rPr>
-              <a:t>da</a:t>
-            </a:r>
-            <a:r>
-              <a:rPr dirty="0" sz="1300" spc="110" b="1">
-                <a:latin typeface="Arial"/>
-                <a:cs typeface="Arial"/>
-              </a:rPr>
-              <a:t> </a:t>
-            </a:r>
-            <a:r>
-              <a:rPr dirty="0" sz="1300" b="1">
+              <a:rPr sz="1300" spc="114" dirty="0">
+                <a:latin typeface="Arial"/>
+                <a:cs typeface="Arial"/>
+              </a:rPr>
+              <a:t> </a:t>
+            </a:r>
+            <a:r>
+              <a:rPr sz="1300" spc="-25" dirty="0" err="1">
+                <a:latin typeface="Arial"/>
+                <a:cs typeface="Arial"/>
+              </a:rPr>
+              <a:t>na</a:t>
+            </a:r>
+            <a:r>
+              <a:rPr lang="pt-BR" sz="1300" spc="-25" dirty="0">
+                <a:latin typeface="Arial"/>
+                <a:cs typeface="Arial"/>
+              </a:rPr>
+              <a:t> </a:t>
+            </a:r>
+            <a:r>
+              <a:rPr sz="1300" dirty="0" err="1">
                 <a:latin typeface="Arial"/>
                 <a:cs typeface="Arial"/>
               </a:rPr>
               <a:t>empresa</a:t>
             </a:r>
             <a:r>
-              <a:rPr dirty="0" sz="1300" spc="120" b="1">
-                <a:latin typeface="Arial"/>
-                <a:cs typeface="Arial"/>
-              </a:rPr>
-              <a:t> </a:t>
-            </a:r>
-            <a:r>
-              <a:rPr dirty="0" sz="1300" b="1">
-                <a:latin typeface="Arial"/>
-                <a:cs typeface="Arial"/>
-              </a:rPr>
-              <a:t>de</a:t>
-            </a:r>
-            <a:r>
-              <a:rPr dirty="0" sz="1300" spc="110" b="1">
-                <a:latin typeface="Arial"/>
-                <a:cs typeface="Arial"/>
-              </a:rPr>
-              <a:t>  </a:t>
-            </a:r>
-            <a:r>
-              <a:rPr dirty="0" sz="1300" b="1">
-                <a:latin typeface="Arial"/>
-                <a:cs typeface="Arial"/>
-              </a:rPr>
-              <a:t>compreender</a:t>
-            </a:r>
-            <a:r>
-              <a:rPr dirty="0" sz="1300" spc="135" b="1">
-                <a:latin typeface="Arial"/>
-                <a:cs typeface="Arial"/>
-              </a:rPr>
-              <a:t> </a:t>
-            </a:r>
-            <a:r>
-              <a:rPr dirty="0" sz="1300" b="1">
-                <a:latin typeface="Arial"/>
-                <a:cs typeface="Arial"/>
-              </a:rPr>
-              <a:t>o</a:t>
-            </a:r>
-            <a:r>
-              <a:rPr dirty="0" sz="1300" spc="114" b="1">
-                <a:latin typeface="Arial"/>
-                <a:cs typeface="Arial"/>
-              </a:rPr>
-              <a:t> </a:t>
-            </a:r>
-            <a:r>
-              <a:rPr dirty="0" sz="1300" b="1">
-                <a:latin typeface="Arial"/>
-                <a:cs typeface="Arial"/>
-              </a:rPr>
-              <a:t>comportamento</a:t>
-            </a:r>
-            <a:r>
-              <a:rPr dirty="0" sz="1300" spc="114" b="1">
-                <a:latin typeface="Arial"/>
-                <a:cs typeface="Arial"/>
-              </a:rPr>
-              <a:t> </a:t>
-            </a:r>
-            <a:r>
-              <a:rPr dirty="0" sz="1300" b="1">
-                <a:latin typeface="Arial"/>
-                <a:cs typeface="Arial"/>
-              </a:rPr>
-              <a:t>e</a:t>
-            </a:r>
-            <a:r>
-              <a:rPr dirty="0" sz="1300" spc="120" b="1">
-                <a:latin typeface="Arial"/>
-                <a:cs typeface="Arial"/>
-              </a:rPr>
-              <a:t> </a:t>
-            </a:r>
-            <a:r>
-              <a:rPr dirty="0" sz="1300" b="1">
-                <a:latin typeface="Arial"/>
-                <a:cs typeface="Arial"/>
-              </a:rPr>
-              <a:t>a</a:t>
-            </a:r>
-            <a:r>
-              <a:rPr dirty="0" sz="1300" spc="114" b="1">
-                <a:latin typeface="Arial"/>
-                <a:cs typeface="Arial"/>
-              </a:rPr>
-              <a:t> </a:t>
-            </a:r>
-            <a:r>
-              <a:rPr dirty="0" sz="1300" spc="-10" b="1">
-                <a:latin typeface="Arial"/>
-                <a:cs typeface="Arial"/>
-              </a:rPr>
-              <a:t>recorrência </a:t>
-            </a:r>
-            <a:r>
-              <a:rPr dirty="0" sz="1300" b="1">
-                <a:latin typeface="Arial"/>
-                <a:cs typeface="Arial"/>
-              </a:rPr>
-              <a:t>dos</a:t>
-            </a:r>
-            <a:r>
-              <a:rPr dirty="0" sz="1300" spc="-25" b="1">
-                <a:latin typeface="Arial"/>
-                <a:cs typeface="Arial"/>
-              </a:rPr>
-              <a:t> </a:t>
-            </a:r>
-            <a:r>
-              <a:rPr dirty="0" sz="1300" b="1">
-                <a:latin typeface="Arial"/>
-                <a:cs typeface="Arial"/>
-              </a:rPr>
-              <a:t>clientes,</a:t>
-            </a:r>
-            <a:r>
-              <a:rPr dirty="0" sz="1300" spc="-5" b="1">
-                <a:latin typeface="Arial"/>
-                <a:cs typeface="Arial"/>
-              </a:rPr>
-              <a:t> </a:t>
-            </a:r>
-            <a:r>
-              <a:rPr dirty="0" sz="1300" b="1">
-                <a:latin typeface="Arial"/>
-                <a:cs typeface="Arial"/>
-              </a:rPr>
-              <a:t>identificar</a:t>
-            </a:r>
-            <a:r>
-              <a:rPr dirty="0" sz="1300" spc="-5" b="1">
-                <a:latin typeface="Arial"/>
-                <a:cs typeface="Arial"/>
-              </a:rPr>
-              <a:t> </a:t>
-            </a:r>
-            <a:r>
-              <a:rPr dirty="0" sz="1300" b="1">
-                <a:latin typeface="Arial"/>
-                <a:cs typeface="Arial"/>
-              </a:rPr>
-              <a:t>padrões</a:t>
-            </a:r>
-            <a:r>
-              <a:rPr dirty="0" sz="1300" spc="-20" b="1">
-                <a:latin typeface="Arial"/>
-                <a:cs typeface="Arial"/>
-              </a:rPr>
-              <a:t> </a:t>
-            </a:r>
-            <a:r>
-              <a:rPr dirty="0" sz="1300" b="1">
-                <a:latin typeface="Arial"/>
-                <a:cs typeface="Arial"/>
-              </a:rPr>
-              <a:t>de</a:t>
-            </a:r>
-            <a:r>
-              <a:rPr dirty="0" sz="1300" spc="-20" b="1">
-                <a:latin typeface="Arial"/>
-                <a:cs typeface="Arial"/>
-              </a:rPr>
-              <a:t> </a:t>
-            </a:r>
-            <a:r>
-              <a:rPr dirty="0" sz="1300" b="1">
-                <a:latin typeface="Arial"/>
-                <a:cs typeface="Arial"/>
-              </a:rPr>
-              <a:t>consumo e</a:t>
-            </a:r>
-            <a:r>
-              <a:rPr dirty="0" sz="1300" spc="-10" b="1">
-                <a:latin typeface="Arial"/>
-                <a:cs typeface="Arial"/>
-              </a:rPr>
-              <a:t> </a:t>
-            </a:r>
-            <a:r>
-              <a:rPr dirty="0" sz="1300" b="1">
-                <a:latin typeface="Arial"/>
-                <a:cs typeface="Arial"/>
-              </a:rPr>
-              <a:t>oportunidades</a:t>
-            </a:r>
-            <a:r>
-              <a:rPr dirty="0" sz="1300" spc="-5" b="1">
-                <a:latin typeface="Arial"/>
-                <a:cs typeface="Arial"/>
-              </a:rPr>
-              <a:t> </a:t>
-            </a:r>
-            <a:r>
-              <a:rPr dirty="0" sz="1300" b="1">
-                <a:latin typeface="Arial"/>
-                <a:cs typeface="Arial"/>
-              </a:rPr>
-              <a:t>de</a:t>
-            </a:r>
-            <a:r>
-              <a:rPr dirty="0" sz="1300" spc="-20" b="1">
-                <a:latin typeface="Arial"/>
-                <a:cs typeface="Arial"/>
-              </a:rPr>
-              <a:t> </a:t>
-            </a:r>
-            <a:r>
-              <a:rPr dirty="0" sz="1300" spc="-10" b="1">
-                <a:latin typeface="Arial"/>
-                <a:cs typeface="Arial"/>
-              </a:rPr>
-              <a:t>fidelização, </a:t>
-            </a:r>
-            <a:r>
-              <a:rPr dirty="0" sz="1300" b="1">
-                <a:latin typeface="Arial"/>
-                <a:cs typeface="Arial"/>
-              </a:rPr>
-              <a:t>otimizar</a:t>
-            </a:r>
-            <a:r>
-              <a:rPr dirty="0" sz="1300" spc="254" b="1">
-                <a:latin typeface="Arial"/>
-                <a:cs typeface="Arial"/>
-              </a:rPr>
-              <a:t> </a:t>
-            </a:r>
-            <a:r>
-              <a:rPr dirty="0" sz="1300" b="1">
-                <a:latin typeface="Arial"/>
-                <a:cs typeface="Arial"/>
-              </a:rPr>
-              <a:t>estratégias</a:t>
-            </a:r>
-            <a:r>
-              <a:rPr dirty="0" sz="1300" spc="270" b="1">
-                <a:latin typeface="Arial"/>
-                <a:cs typeface="Arial"/>
-              </a:rPr>
-              <a:t> </a:t>
-            </a:r>
-            <a:r>
-              <a:rPr dirty="0" sz="1300" b="1">
-                <a:latin typeface="Arial"/>
-                <a:cs typeface="Arial"/>
-              </a:rPr>
-              <a:t>de</a:t>
-            </a:r>
-            <a:r>
-              <a:rPr dirty="0" sz="1300" spc="265" b="1">
-                <a:latin typeface="Arial"/>
-                <a:cs typeface="Arial"/>
-              </a:rPr>
-              <a:t> </a:t>
-            </a:r>
-            <a:r>
-              <a:rPr dirty="0" sz="1300" b="1">
-                <a:latin typeface="Arial"/>
-                <a:cs typeface="Arial"/>
-              </a:rPr>
-              <a:t>marketing,</a:t>
-            </a:r>
-            <a:r>
-              <a:rPr dirty="0" sz="1300" spc="265" b="1">
-                <a:latin typeface="Arial"/>
-                <a:cs typeface="Arial"/>
-              </a:rPr>
-              <a:t> </a:t>
-            </a:r>
-            <a:r>
-              <a:rPr dirty="0" sz="1300" b="1">
-                <a:latin typeface="Arial"/>
-                <a:cs typeface="Arial"/>
-              </a:rPr>
-              <a:t>logística,</a:t>
-            </a:r>
-            <a:r>
-              <a:rPr dirty="0" sz="1300" spc="260" b="1">
-                <a:latin typeface="Arial"/>
-                <a:cs typeface="Arial"/>
-              </a:rPr>
-              <a:t> </a:t>
-            </a:r>
-            <a:r>
-              <a:rPr dirty="0" sz="1300" b="1">
-                <a:latin typeface="Arial"/>
-                <a:cs typeface="Arial"/>
-              </a:rPr>
-              <a:t>gestão</a:t>
-            </a:r>
-            <a:r>
-              <a:rPr dirty="0" sz="1300" spc="270" b="1">
-                <a:latin typeface="Arial"/>
-                <a:cs typeface="Arial"/>
-              </a:rPr>
-              <a:t> </a:t>
-            </a:r>
-            <a:r>
-              <a:rPr dirty="0" sz="1300" b="1">
-                <a:latin typeface="Arial"/>
-                <a:cs typeface="Arial"/>
-              </a:rPr>
-              <a:t>financeira</a:t>
-            </a:r>
-            <a:r>
-              <a:rPr dirty="0" sz="1300" spc="270" b="1">
-                <a:latin typeface="Arial"/>
-                <a:cs typeface="Arial"/>
-              </a:rPr>
-              <a:t> </a:t>
-            </a:r>
-            <a:r>
-              <a:rPr dirty="0" sz="1300" b="1">
-                <a:latin typeface="Arial"/>
-                <a:cs typeface="Arial"/>
-              </a:rPr>
-              <a:t>e</a:t>
-            </a:r>
-            <a:r>
-              <a:rPr dirty="0" sz="1300" spc="275" b="1">
-                <a:latin typeface="Arial"/>
-                <a:cs typeface="Arial"/>
-              </a:rPr>
-              <a:t> </a:t>
-            </a:r>
-            <a:r>
-              <a:rPr dirty="0" sz="1300" b="1">
-                <a:latin typeface="Arial"/>
-                <a:cs typeface="Arial"/>
-              </a:rPr>
-              <a:t>acima</a:t>
-            </a:r>
-            <a:r>
-              <a:rPr dirty="0" sz="1300" spc="285" b="1">
-                <a:latin typeface="Arial"/>
-                <a:cs typeface="Arial"/>
-              </a:rPr>
-              <a:t> </a:t>
-            </a:r>
-            <a:r>
-              <a:rPr dirty="0" sz="1300" spc="-25" b="1">
-                <a:latin typeface="Arial"/>
-                <a:cs typeface="Arial"/>
-              </a:rPr>
-              <a:t>de </a:t>
-            </a:r>
-            <a:r>
-              <a:rPr dirty="0" sz="1300" b="1">
-                <a:latin typeface="Arial"/>
-                <a:cs typeface="Arial"/>
-              </a:rPr>
-              <a:t>tudo</a:t>
-            </a:r>
-            <a:r>
-              <a:rPr dirty="0" sz="1300" spc="-25" b="1">
-                <a:latin typeface="Arial"/>
-                <a:cs typeface="Arial"/>
-              </a:rPr>
-              <a:t> </a:t>
-            </a:r>
-            <a:r>
-              <a:rPr dirty="0" sz="1300" b="1">
-                <a:latin typeface="Arial"/>
-                <a:cs typeface="Arial"/>
-              </a:rPr>
-              <a:t>tomar</a:t>
-            </a:r>
-            <a:r>
-              <a:rPr dirty="0" sz="1300" spc="-25" b="1">
-                <a:latin typeface="Arial"/>
-                <a:cs typeface="Arial"/>
-              </a:rPr>
-              <a:t> </a:t>
-            </a:r>
-            <a:r>
-              <a:rPr dirty="0" sz="1300" b="1">
-                <a:latin typeface="Arial"/>
-                <a:cs typeface="Arial"/>
-              </a:rPr>
-              <a:t>decisões</a:t>
-            </a:r>
-            <a:r>
-              <a:rPr dirty="0" sz="1300" spc="-20" b="1">
-                <a:latin typeface="Arial"/>
-                <a:cs typeface="Arial"/>
-              </a:rPr>
-              <a:t> </a:t>
-            </a:r>
-            <a:r>
-              <a:rPr dirty="0" sz="1300" b="1">
-                <a:latin typeface="Arial"/>
-                <a:cs typeface="Arial"/>
-              </a:rPr>
-              <a:t>baseadas</a:t>
-            </a:r>
-            <a:r>
-              <a:rPr dirty="0" sz="1300" spc="-35" b="1">
-                <a:latin typeface="Arial"/>
-                <a:cs typeface="Arial"/>
-              </a:rPr>
-              <a:t> </a:t>
-            </a:r>
-            <a:r>
-              <a:rPr dirty="0" sz="1300" b="1">
-                <a:latin typeface="Arial"/>
-                <a:cs typeface="Arial"/>
-              </a:rPr>
-              <a:t>em</a:t>
-            </a:r>
-            <a:r>
-              <a:rPr dirty="0" sz="1300" spc="-40" b="1">
-                <a:latin typeface="Arial"/>
-                <a:cs typeface="Arial"/>
-              </a:rPr>
-              <a:t> </a:t>
-            </a:r>
-            <a:r>
-              <a:rPr dirty="0" sz="1300" spc="-10" b="1">
-                <a:latin typeface="Arial"/>
-                <a:cs typeface="Arial"/>
-              </a:rPr>
-              <a:t>fatos.</a:t>
-            </a:r>
-            <a:endParaRPr sz="1300">
+              <a:rPr sz="1300" spc="120" dirty="0">
+                <a:latin typeface="Arial"/>
+                <a:cs typeface="Arial"/>
+              </a:rPr>
+              <a:t> </a:t>
+            </a:r>
+            <a:r>
+              <a:rPr lang="pt-BR" sz="1300" spc="120" dirty="0">
+                <a:latin typeface="Arial"/>
+                <a:cs typeface="Arial"/>
+              </a:rPr>
+              <a:t>na hora de</a:t>
+            </a:r>
+            <a:r>
+              <a:rPr lang="pt-BR" sz="1300" dirty="0">
+                <a:latin typeface="Arial"/>
+                <a:cs typeface="Arial"/>
+              </a:rPr>
+              <a:t>:</a:t>
+            </a:r>
+          </a:p>
+          <a:p>
+            <a:pPr marL="298450" marR="5080" indent="-285750" algn="just">
+              <a:lnSpc>
+                <a:spcPct val="100299"/>
+              </a:lnSpc>
+              <a:spcBef>
+                <a:spcPts val="85"/>
+              </a:spcBef>
+              <a:buFontTx/>
+              <a:buChar char="-"/>
+            </a:pPr>
+            <a:r>
+              <a:rPr lang="pt-BR" sz="1300" dirty="0">
+                <a:latin typeface="Arial"/>
+                <a:cs typeface="Arial"/>
+              </a:rPr>
+              <a:t>Compreender </a:t>
+            </a:r>
+            <a:r>
+              <a:rPr lang="pt-BR" sz="1300" dirty="0" err="1">
+                <a:latin typeface="Arial"/>
+                <a:cs typeface="Arial"/>
+              </a:rPr>
+              <a:t>comportanento</a:t>
+            </a:r>
+            <a:r>
+              <a:rPr lang="pt-BR" sz="1300" dirty="0">
+                <a:latin typeface="Arial"/>
+                <a:cs typeface="Arial"/>
+              </a:rPr>
+              <a:t> e recorrência</a:t>
+            </a:r>
+            <a:endParaRPr lang="pt-BR" sz="1300" spc="-10" dirty="0">
               <a:latin typeface="Arial"/>
               <a:cs typeface="Arial"/>
             </a:endParaRPr>
+          </a:p>
+          <a:p>
+            <a:pPr marL="298450" marR="5080" indent="-285750" algn="just">
+              <a:lnSpc>
+                <a:spcPct val="100299"/>
+              </a:lnSpc>
+              <a:spcBef>
+                <a:spcPts val="85"/>
+              </a:spcBef>
+              <a:buFontTx/>
+              <a:buChar char="-"/>
+            </a:pPr>
+            <a:r>
+              <a:rPr lang="pt-BR" sz="1300" spc="-10" dirty="0">
+                <a:latin typeface="Arial"/>
+                <a:cs typeface="Arial"/>
+              </a:rPr>
+              <a:t>Identificar padrões de consumo</a:t>
+            </a:r>
+          </a:p>
+          <a:p>
+            <a:pPr marL="298450" marR="5080" indent="-285750" algn="just">
+              <a:lnSpc>
+                <a:spcPct val="100299"/>
+              </a:lnSpc>
+              <a:spcBef>
+                <a:spcPts val="85"/>
+              </a:spcBef>
+              <a:buFontTx/>
+              <a:buChar char="-"/>
+            </a:pPr>
+            <a:r>
+              <a:rPr lang="pt-BR" sz="1300" spc="-10" dirty="0">
+                <a:latin typeface="Arial"/>
+                <a:cs typeface="Arial"/>
+              </a:rPr>
+              <a:t>Otimizar estratégias logísticas</a:t>
+            </a:r>
+          </a:p>
+          <a:p>
+            <a:pPr marL="298450" marR="5080" indent="-285750" algn="just">
+              <a:lnSpc>
+                <a:spcPct val="100299"/>
+              </a:lnSpc>
+              <a:spcBef>
+                <a:spcPts val="85"/>
+              </a:spcBef>
+              <a:buFontTx/>
+              <a:buChar char="-"/>
+            </a:pPr>
+            <a:r>
+              <a:rPr lang="pt-BR" sz="1300" spc="-10" dirty="0">
+                <a:latin typeface="Arial"/>
+                <a:cs typeface="Arial"/>
+              </a:rPr>
+              <a:t>Tomada de decisões</a:t>
+            </a:r>
           </a:p>
         </p:txBody>
       </p:sp>
       <p:sp>
         <p:nvSpPr>
-          <p:cNvPr id="6" name="object 6" descr=""/>
+          <p:cNvPr id="6" name="object 6"/>
           <p:cNvSpPr txBox="1"/>
           <p:nvPr/>
         </p:nvSpPr>
@@ -4532,7 +3627,7 @@
           </a:prstGeom>
         </p:spPr>
         <p:txBody>
-          <a:bodyPr wrap="square" lIns="0" tIns="12700" rIns="0" bIns="0" rtlCol="0" vert="horz">
+          <a:bodyPr vert="horz" wrap="square" lIns="0" tIns="12700" rIns="0" bIns="0" rtlCol="0">
             <a:spAutoFit/>
           </a:bodyPr>
           <a:lstStyle/>
@@ -4546,21 +3641,21 @@
               </a:spcBef>
             </a:pPr>
             <a:r>
-              <a:rPr dirty="0" sz="1850" b="1">
+              <a:rPr sz="1850" b="1" dirty="0">
                 <a:latin typeface="Arial"/>
                 <a:cs typeface="Arial"/>
               </a:rPr>
               <a:t>Solução</a:t>
             </a:r>
             <a:r>
-              <a:rPr dirty="0" sz="1850" spc="5" b="1">
-                <a:latin typeface="Arial"/>
-                <a:cs typeface="Arial"/>
-              </a:rPr>
-              <a:t> </a:t>
-            </a:r>
-            <a:r>
-              <a:rPr dirty="0" sz="1850" spc="-10" b="1">
+              <a:rPr sz="1850" b="1" spc="5" dirty="0">
+                <a:latin typeface="Arial"/>
+                <a:cs typeface="Arial"/>
+              </a:rPr>
+              <a:t> </a:t>
+            </a:r>
+            <a:r>
+              <a:rPr sz="1850" b="1" spc="-10" dirty="0">
                 <a:latin typeface="Arial"/>
                 <a:cs typeface="Arial"/>
               </a:rPr>
@@ -4575,26 +3670,26 @@
       </p:sp>
       <p:sp>
         <p:nvSpPr>
-          <p:cNvPr id="7" name="object 7" descr=""/>
+          <p:cNvPr id="7" name="object 7"/>
           <p:cNvSpPr txBox="1"/>
           <p:nvPr/>
         </p:nvSpPr>
         <p:spPr>
           <a:xfrm>
             <a:off x="323254" y="16954152"/>
-            <a:ext cx="6141720" cy="1838960"/>
+            <a:ext cx="6141720" cy="1738296"/>
           </a:xfrm>
           <a:prstGeom prst="rect">
             <a:avLst/>
           </a:prstGeom>
         </p:spPr>
         <p:txBody>
-          <a:bodyPr wrap="square" lIns="0" tIns="12700" rIns="0" bIns="0" rtlCol="0" vert="horz">
+          <a:bodyPr vert="horz" wrap="square" lIns="0" tIns="12700" rIns="0" bIns="0" rtlCol="0">
             <a:spAutoFit/>
           </a:bodyPr>
           <a:lstStyle/>
           <a:p>
-            <a:pPr marL="12700" marR="7620" indent="859155">
+            <a:pPr marL="12700" marR="7620" indent="859155" algn="just">
               <a:lnSpc>
                 <a:spcPct val="107500"/>
               </a:lnSpc>
@@ -4603,1085 +3698,1063 @@
               </a:spcBef>
             </a:pPr>
             <a:r>
-              <a:rPr dirty="0" sz="1300" b="1">
+              <a:rPr sz="1300" dirty="0">
                 <a:latin typeface="Arial"/>
                 <a:cs typeface="Arial"/>
               </a:rPr>
               <a:t>Chegamos</a:t>
             </a:r>
             <a:r>
-              <a:rPr dirty="0" sz="1300" spc="55" b="1">
-                <a:latin typeface="Arial"/>
-                <a:cs typeface="Arial"/>
-              </a:rPr>
-              <a:t> </a:t>
-            </a:r>
-            <a:r>
-              <a:rPr dirty="0" sz="1300" b="1">
+              <a:rPr sz="1300" spc="55" dirty="0">
+                <a:latin typeface="Arial"/>
+                <a:cs typeface="Arial"/>
+              </a:rPr>
+              <a:t> </a:t>
+            </a:r>
+            <a:r>
+              <a:rPr sz="1300" dirty="0">
                 <a:latin typeface="Arial"/>
                 <a:cs typeface="Arial"/>
               </a:rPr>
               <a:t>a</a:t>
             </a:r>
             <a:r>
-              <a:rPr dirty="0" sz="1300" spc="35" b="1">
-                <a:latin typeface="Arial"/>
-                <a:cs typeface="Arial"/>
-              </a:rPr>
-              <a:t> </a:t>
-            </a:r>
-            <a:r>
-              <a:rPr dirty="0" sz="1300" b="1">
+              <a:rPr sz="1300" spc="35" dirty="0">
+                <a:latin typeface="Arial"/>
+                <a:cs typeface="Arial"/>
+              </a:rPr>
+              <a:t> </a:t>
+            </a:r>
+            <a:r>
+              <a:rPr sz="1300" dirty="0">
                 <a:latin typeface="Arial"/>
                 <a:cs typeface="Arial"/>
               </a:rPr>
               <a:t>solução</a:t>
             </a:r>
             <a:r>
-              <a:rPr dirty="0" sz="1300" spc="30" b="1">
-                <a:latin typeface="Arial"/>
-                <a:cs typeface="Arial"/>
-              </a:rPr>
-              <a:t> </a:t>
-            </a:r>
-            <a:r>
-              <a:rPr dirty="0" sz="1300" b="1">
+              <a:rPr sz="1300" spc="30" dirty="0">
+                <a:latin typeface="Arial"/>
+                <a:cs typeface="Arial"/>
+              </a:rPr>
+              <a:t> </a:t>
+            </a:r>
+            <a:r>
+              <a:rPr sz="1300" dirty="0">
                 <a:latin typeface="Arial"/>
                 <a:cs typeface="Arial"/>
               </a:rPr>
               <a:t>de</a:t>
             </a:r>
             <a:r>
-              <a:rPr dirty="0" sz="1300" spc="35" b="1">
-                <a:latin typeface="Arial"/>
-                <a:cs typeface="Arial"/>
-              </a:rPr>
-              <a:t> </a:t>
-            </a:r>
-            <a:r>
-              <a:rPr dirty="0" sz="1300" b="1">
+              <a:rPr sz="1300" spc="35" dirty="0">
+                <a:latin typeface="Arial"/>
+                <a:cs typeface="Arial"/>
+              </a:rPr>
+              <a:t> </a:t>
+            </a:r>
+            <a:r>
+              <a:rPr sz="1300" dirty="0">
                 <a:latin typeface="Arial"/>
                 <a:cs typeface="Arial"/>
               </a:rPr>
               <a:t>fornecer</a:t>
             </a:r>
             <a:r>
-              <a:rPr dirty="0" sz="1300" spc="40" b="1">
-                <a:latin typeface="Arial"/>
-                <a:cs typeface="Arial"/>
-              </a:rPr>
-              <a:t> </a:t>
-            </a:r>
-            <a:r>
-              <a:rPr dirty="0" sz="1300" b="1">
+              <a:rPr sz="1300" spc="40" dirty="0">
+                <a:latin typeface="Arial"/>
+                <a:cs typeface="Arial"/>
+              </a:rPr>
+              <a:t> </a:t>
+            </a:r>
+            <a:r>
+              <a:rPr sz="1300" dirty="0">
                 <a:latin typeface="Arial"/>
                 <a:cs typeface="Arial"/>
               </a:rPr>
               <a:t>à</a:t>
             </a:r>
             <a:r>
-              <a:rPr dirty="0" sz="1300" spc="40" b="1">
-                <a:latin typeface="Arial"/>
-                <a:cs typeface="Arial"/>
-              </a:rPr>
-              <a:t> </a:t>
-            </a:r>
-            <a:r>
-              <a:rPr dirty="0" sz="1300" b="1">
+              <a:rPr sz="1300" spc="40" dirty="0">
+                <a:latin typeface="Arial"/>
+                <a:cs typeface="Arial"/>
+              </a:rPr>
+              <a:t> </a:t>
+            </a:r>
+            <a:r>
+              <a:rPr sz="1300" dirty="0">
                 <a:latin typeface="Arial"/>
                 <a:cs typeface="Arial"/>
               </a:rPr>
               <a:t>Cannoli</a:t>
             </a:r>
             <a:r>
-              <a:rPr dirty="0" sz="1300" spc="30" b="1">
-                <a:latin typeface="Arial"/>
-                <a:cs typeface="Arial"/>
-              </a:rPr>
-              <a:t> </a:t>
-            </a:r>
-            <a:r>
-              <a:rPr dirty="0" sz="1300" b="1">
+              <a:rPr sz="1300" spc="30" dirty="0">
+                <a:latin typeface="Arial"/>
+                <a:cs typeface="Arial"/>
+              </a:rPr>
+              <a:t> </a:t>
+            </a:r>
+            <a:r>
+              <a:rPr sz="1300" dirty="0">
                 <a:latin typeface="Arial"/>
                 <a:cs typeface="Arial"/>
               </a:rPr>
               <a:t>Food</a:t>
             </a:r>
             <a:r>
-              <a:rPr dirty="0" sz="1300" spc="20" b="1">
-                <a:latin typeface="Arial"/>
-                <a:cs typeface="Arial"/>
-              </a:rPr>
-              <a:t> </a:t>
-            </a:r>
-            <a:r>
-              <a:rPr dirty="0" sz="1300" b="1">
+              <a:rPr sz="1300" spc="20" dirty="0">
+                <a:latin typeface="Arial"/>
+                <a:cs typeface="Arial"/>
+              </a:rPr>
+              <a:t> </a:t>
+            </a:r>
+            <a:r>
+              <a:rPr sz="1300" dirty="0">
                 <a:latin typeface="Arial"/>
                 <a:cs typeface="Arial"/>
               </a:rPr>
               <a:t>Tech</a:t>
             </a:r>
             <a:r>
-              <a:rPr dirty="0" sz="1300" spc="25" b="1">
-                <a:latin typeface="Arial"/>
-                <a:cs typeface="Arial"/>
-              </a:rPr>
-              <a:t> </a:t>
-            </a:r>
-            <a:r>
-              <a:rPr dirty="0" sz="1300" b="1">
+              <a:rPr sz="1300" spc="25" dirty="0">
+                <a:latin typeface="Arial"/>
+                <a:cs typeface="Arial"/>
+              </a:rPr>
+              <a:t> </a:t>
+            </a:r>
+            <a:r>
+              <a:rPr sz="1300" dirty="0">
                 <a:latin typeface="Arial"/>
                 <a:cs typeface="Arial"/>
               </a:rPr>
               <a:t>uma</a:t>
             </a:r>
             <a:r>
-              <a:rPr dirty="0" sz="1300" spc="45" b="1">
-                <a:latin typeface="Arial"/>
-                <a:cs typeface="Arial"/>
-              </a:rPr>
-              <a:t> </a:t>
-            </a:r>
-            <a:r>
-              <a:rPr dirty="0" sz="1300" spc="-10" b="1">
+              <a:rPr sz="1300" spc="45" dirty="0">
+                <a:latin typeface="Arial"/>
+                <a:cs typeface="Arial"/>
+              </a:rPr>
+              <a:t> </a:t>
+            </a:r>
+            <a:r>
+              <a:rPr sz="1300" spc="-10" dirty="0">
                 <a:latin typeface="Arial"/>
                 <a:cs typeface="Arial"/>
               </a:rPr>
               <a:t>forma </a:t>
             </a:r>
             <a:r>
-              <a:rPr dirty="0" sz="1300" b="1">
+              <a:rPr sz="1300" dirty="0">
                 <a:latin typeface="Arial"/>
                 <a:cs typeface="Arial"/>
               </a:rPr>
               <a:t>inteligente</a:t>
             </a:r>
             <a:r>
-              <a:rPr dirty="0" sz="1300" spc="305" b="1">
-                <a:latin typeface="Arial"/>
-                <a:cs typeface="Arial"/>
-              </a:rPr>
-              <a:t> </a:t>
-            </a:r>
-            <a:r>
-              <a:rPr dirty="0" sz="1300" b="1">
+              <a:rPr sz="1300" spc="305" dirty="0">
+                <a:latin typeface="Arial"/>
+                <a:cs typeface="Arial"/>
+              </a:rPr>
+              <a:t> </a:t>
+            </a:r>
+            <a:r>
+              <a:rPr sz="1300" dirty="0">
                 <a:latin typeface="Arial"/>
                 <a:cs typeface="Arial"/>
               </a:rPr>
               <a:t>e</a:t>
             </a:r>
             <a:r>
-              <a:rPr dirty="0" sz="1300" spc="300" b="1">
-                <a:latin typeface="Arial"/>
-                <a:cs typeface="Arial"/>
-              </a:rPr>
-              <a:t> </a:t>
-            </a:r>
-            <a:r>
-              <a:rPr dirty="0" sz="1300" b="1">
+              <a:rPr sz="1300" spc="300" dirty="0">
+                <a:latin typeface="Arial"/>
+                <a:cs typeface="Arial"/>
+              </a:rPr>
+              <a:t> </a:t>
+            </a:r>
+            <a:r>
+              <a:rPr sz="1300" dirty="0">
                 <a:latin typeface="Arial"/>
                 <a:cs typeface="Arial"/>
               </a:rPr>
               <a:t>acessível</a:t>
             </a:r>
             <a:r>
-              <a:rPr dirty="0" sz="1300" spc="305" b="1">
-                <a:latin typeface="Arial"/>
-                <a:cs typeface="Arial"/>
-              </a:rPr>
-              <a:t> </a:t>
-            </a:r>
-            <a:r>
-              <a:rPr dirty="0" sz="1300" b="1">
+              <a:rPr sz="1300" spc="305" dirty="0">
+                <a:latin typeface="Arial"/>
+                <a:cs typeface="Arial"/>
+              </a:rPr>
+              <a:t> </a:t>
+            </a:r>
+            <a:r>
+              <a:rPr sz="1300" dirty="0">
                 <a:latin typeface="Arial"/>
                 <a:cs typeface="Arial"/>
               </a:rPr>
               <a:t>para</a:t>
             </a:r>
             <a:r>
-              <a:rPr dirty="0" sz="1300" spc="310" b="1">
-                <a:latin typeface="Arial"/>
-                <a:cs typeface="Arial"/>
-              </a:rPr>
-              <a:t> </a:t>
-            </a:r>
-            <a:r>
-              <a:rPr dirty="0" sz="1300" b="1">
+              <a:rPr sz="1300" spc="310" dirty="0">
+                <a:latin typeface="Arial"/>
+                <a:cs typeface="Arial"/>
+              </a:rPr>
+              <a:t> </a:t>
+            </a:r>
+            <a:r>
+              <a:rPr sz="1300" dirty="0">
                 <a:latin typeface="Arial"/>
                 <a:cs typeface="Arial"/>
               </a:rPr>
               <a:t>transformar</a:t>
             </a:r>
             <a:r>
-              <a:rPr dirty="0" sz="1300" spc="320" b="1">
-                <a:latin typeface="Arial"/>
-                <a:cs typeface="Arial"/>
-              </a:rPr>
-              <a:t> </a:t>
-            </a:r>
-            <a:r>
-              <a:rPr dirty="0" sz="1300" b="1">
+              <a:rPr sz="1300" spc="320" dirty="0">
+                <a:latin typeface="Arial"/>
+                <a:cs typeface="Arial"/>
+              </a:rPr>
+              <a:t> </a:t>
+            </a:r>
+            <a:r>
+              <a:rPr sz="1300" dirty="0">
                 <a:latin typeface="Arial"/>
                 <a:cs typeface="Arial"/>
               </a:rPr>
               <a:t>dados</a:t>
             </a:r>
             <a:r>
-              <a:rPr dirty="0" sz="1300" spc="320" b="1">
-                <a:latin typeface="Arial"/>
-                <a:cs typeface="Arial"/>
-              </a:rPr>
-              <a:t> </a:t>
-            </a:r>
-            <a:r>
-              <a:rPr dirty="0" sz="1300" b="1">
+              <a:rPr sz="1300" spc="320" dirty="0">
+                <a:latin typeface="Arial"/>
+                <a:cs typeface="Arial"/>
+              </a:rPr>
+              <a:t> </a:t>
+            </a:r>
+            <a:r>
+              <a:rPr sz="1300" dirty="0">
                 <a:latin typeface="Arial"/>
                 <a:cs typeface="Arial"/>
               </a:rPr>
               <a:t>operacionais</a:t>
             </a:r>
             <a:r>
-              <a:rPr dirty="0" sz="1300" spc="300" b="1">
-                <a:latin typeface="Arial"/>
-                <a:cs typeface="Arial"/>
-              </a:rPr>
-              <a:t> </a:t>
-            </a:r>
-            <a:r>
-              <a:rPr dirty="0" sz="1300" b="1">
+              <a:rPr sz="1300" spc="300" dirty="0">
+                <a:latin typeface="Arial"/>
+                <a:cs typeface="Arial"/>
+              </a:rPr>
+              <a:t> </a:t>
+            </a:r>
+            <a:r>
+              <a:rPr sz="1300" dirty="0" err="1">
                 <a:latin typeface="Arial"/>
                 <a:cs typeface="Arial"/>
               </a:rPr>
               <a:t>em</a:t>
             </a:r>
             <a:r>
-              <a:rPr dirty="0" sz="1300" spc="295" b="1">
-                <a:latin typeface="Arial"/>
-                <a:cs typeface="Arial"/>
-              </a:rPr>
-              <a:t> </a:t>
-            </a:r>
-            <a:r>
-              <a:rPr dirty="0" sz="1300" spc="-10" b="1">
+              <a:rPr sz="1300" spc="295" dirty="0">
+                <a:latin typeface="Arial"/>
+                <a:cs typeface="Arial"/>
+              </a:rPr>
+              <a:t> </a:t>
+            </a:r>
+            <a:r>
+              <a:rPr sz="1300" spc="-10" dirty="0" err="1">
                 <a:latin typeface="Arial"/>
                 <a:cs typeface="Arial"/>
               </a:rPr>
               <a:t>decisões</a:t>
             </a:r>
-            <a:endParaRPr sz="1300">
+            <a:r>
+              <a:rPr lang="pt-BR" sz="1300" spc="-10" dirty="0">
+                <a:latin typeface="Arial"/>
+                <a:cs typeface="Arial"/>
+              </a:rPr>
+              <a:t> </a:t>
+            </a:r>
+            <a:r>
+              <a:rPr sz="1300" spc="-10" dirty="0" err="1">
+                <a:latin typeface="Arial"/>
+                <a:cs typeface="Arial"/>
+              </a:rPr>
+              <a:t>estratégicas</a:t>
+            </a:r>
+            <a:r>
+              <a:rPr sz="1300" spc="-10" dirty="0">
+                <a:latin typeface="Arial"/>
+                <a:cs typeface="Arial"/>
+              </a:rPr>
+              <a:t>.</a:t>
+            </a:r>
+            <a:r>
+              <a:rPr lang="pt-BR" sz="1300" spc="-10" dirty="0">
+                <a:latin typeface="Arial"/>
+                <a:cs typeface="Arial"/>
+              </a:rPr>
+              <a:t> </a:t>
+            </a:r>
+            <a:r>
+              <a:rPr sz="1300" dirty="0">
+                <a:latin typeface="Arial"/>
+                <a:cs typeface="Arial"/>
+              </a:rPr>
+              <a:t>Com</a:t>
+            </a:r>
+            <a:r>
+              <a:rPr sz="1300" spc="195" dirty="0">
+                <a:latin typeface="Arial"/>
+                <a:cs typeface="Arial"/>
+              </a:rPr>
+              <a:t>  </a:t>
+            </a:r>
+            <a:r>
+              <a:rPr sz="1300" dirty="0">
+                <a:latin typeface="Arial"/>
+                <a:cs typeface="Arial"/>
+              </a:rPr>
+              <a:t>a</a:t>
+            </a:r>
+            <a:r>
+              <a:rPr sz="1300" spc="195" dirty="0">
+                <a:latin typeface="Arial"/>
+                <a:cs typeface="Arial"/>
+              </a:rPr>
+              <a:t>  </a:t>
+            </a:r>
+            <a:r>
+              <a:rPr sz="1300" dirty="0">
+                <a:latin typeface="Arial"/>
+                <a:cs typeface="Arial"/>
+              </a:rPr>
+              <a:t>Datalivery,</a:t>
+            </a:r>
+            <a:r>
+              <a:rPr sz="1300" spc="195" dirty="0">
+                <a:latin typeface="Arial"/>
+                <a:cs typeface="Arial"/>
+              </a:rPr>
+              <a:t>  </a:t>
+            </a:r>
+            <a:r>
+              <a:rPr sz="1300" dirty="0">
+                <a:latin typeface="Arial"/>
+                <a:cs typeface="Arial"/>
+              </a:rPr>
+              <a:t>vamos</a:t>
+            </a:r>
+            <a:r>
+              <a:rPr sz="1300" spc="195" dirty="0">
+                <a:latin typeface="Arial"/>
+                <a:cs typeface="Arial"/>
+              </a:rPr>
+              <a:t>  </a:t>
+            </a:r>
+            <a:r>
+              <a:rPr sz="1300" dirty="0">
+                <a:latin typeface="Arial"/>
+                <a:cs typeface="Arial"/>
+              </a:rPr>
+              <a:t>auxiliar</a:t>
+            </a:r>
+            <a:r>
+              <a:rPr sz="1300" spc="204" dirty="0">
+                <a:latin typeface="Arial"/>
+                <a:cs typeface="Arial"/>
+              </a:rPr>
+              <a:t>  </a:t>
+            </a:r>
+            <a:r>
+              <a:rPr sz="1300" dirty="0">
+                <a:latin typeface="Arial"/>
+                <a:cs typeface="Arial"/>
+              </a:rPr>
+              <a:t>a</a:t>
+            </a:r>
+            <a:r>
+              <a:rPr sz="1300" spc="195" dirty="0">
+                <a:latin typeface="Arial"/>
+                <a:cs typeface="Arial"/>
+              </a:rPr>
+              <a:t>  </a:t>
+            </a:r>
+            <a:r>
+              <a:rPr sz="1300" dirty="0">
+                <a:latin typeface="Arial"/>
+                <a:cs typeface="Arial"/>
+              </a:rPr>
+              <a:t>empresa</a:t>
+            </a:r>
+            <a:r>
+              <a:rPr sz="1300" spc="200" dirty="0">
+                <a:latin typeface="Arial"/>
+                <a:cs typeface="Arial"/>
+              </a:rPr>
+              <a:t>  </a:t>
+            </a:r>
+            <a:r>
+              <a:rPr sz="1300" dirty="0">
+                <a:latin typeface="Arial"/>
+                <a:cs typeface="Arial"/>
+              </a:rPr>
+              <a:t>a</a:t>
+            </a:r>
+            <a:r>
+              <a:rPr sz="1300" spc="200" dirty="0">
+                <a:latin typeface="Arial"/>
+                <a:cs typeface="Arial"/>
+              </a:rPr>
+              <a:t>  </a:t>
+            </a:r>
+            <a:r>
+              <a:rPr sz="1300" dirty="0">
+                <a:latin typeface="Arial"/>
+                <a:cs typeface="Arial"/>
+              </a:rPr>
+              <a:t>entender</a:t>
+            </a:r>
+            <a:r>
+              <a:rPr sz="1300" spc="190" dirty="0">
+                <a:latin typeface="Arial"/>
+                <a:cs typeface="Arial"/>
+              </a:rPr>
+              <a:t>  </a:t>
+            </a:r>
+            <a:r>
+              <a:rPr sz="1300" dirty="0">
+                <a:latin typeface="Arial"/>
+                <a:cs typeface="Arial"/>
+              </a:rPr>
+              <a:t>melhor</a:t>
+            </a:r>
+            <a:r>
+              <a:rPr sz="1300" spc="200" dirty="0">
+                <a:latin typeface="Arial"/>
+                <a:cs typeface="Arial"/>
+              </a:rPr>
+              <a:t>  </a:t>
+            </a:r>
+            <a:r>
+              <a:rPr sz="1300" spc="-50" dirty="0">
+                <a:latin typeface="Arial"/>
+                <a:cs typeface="Arial"/>
+              </a:rPr>
+              <a:t>o </a:t>
+            </a:r>
+            <a:r>
+              <a:rPr sz="1300" dirty="0">
+                <a:latin typeface="Arial"/>
+                <a:cs typeface="Arial"/>
+              </a:rPr>
+              <a:t>comportamento</a:t>
+            </a:r>
+            <a:r>
+              <a:rPr sz="1300" spc="-40" dirty="0">
+                <a:latin typeface="Arial"/>
+                <a:cs typeface="Arial"/>
+              </a:rPr>
+              <a:t> </a:t>
+            </a:r>
+            <a:r>
+              <a:rPr sz="1300" dirty="0">
+                <a:latin typeface="Arial"/>
+                <a:cs typeface="Arial"/>
+              </a:rPr>
+              <a:t>de</a:t>
+            </a:r>
+            <a:r>
+              <a:rPr sz="1300" spc="-35" dirty="0">
+                <a:latin typeface="Arial"/>
+                <a:cs typeface="Arial"/>
+              </a:rPr>
+              <a:t> </a:t>
+            </a:r>
+            <a:r>
+              <a:rPr sz="1300" dirty="0">
+                <a:latin typeface="Arial"/>
+                <a:cs typeface="Arial"/>
+              </a:rPr>
+              <a:t>seus</a:t>
+            </a:r>
+            <a:r>
+              <a:rPr sz="1300" spc="-45" dirty="0">
+                <a:latin typeface="Arial"/>
+                <a:cs typeface="Arial"/>
+              </a:rPr>
+              <a:t> </a:t>
+            </a:r>
+            <a:r>
+              <a:rPr sz="1300" spc="-10" dirty="0" err="1">
+                <a:latin typeface="Arial"/>
+                <a:cs typeface="Arial"/>
+              </a:rPr>
+              <a:t>clientes</a:t>
+            </a:r>
+            <a:r>
+              <a:rPr sz="1300" spc="-10" dirty="0">
+                <a:latin typeface="Arial"/>
+                <a:cs typeface="Arial"/>
+              </a:rPr>
+              <a:t>.</a:t>
+            </a:r>
+            <a:endParaRPr lang="pt-BR" sz="1300" spc="-10" dirty="0">
               <a:latin typeface="Arial"/>
               <a:cs typeface="Arial"/>
             </a:endParaRPr>
           </a:p>
           <a:p>
-            <a:pPr marL="2562225">
+            <a:pPr marL="12700" marR="7620" indent="859155" algn="just">
               <a:lnSpc>
-                <a:spcPts val="1535"/>
-              </a:lnSpc>
-            </a:pPr>
-            <a:r>
-              <a:rPr dirty="0" sz="1300" spc="-10" b="1">
-                <a:latin typeface="Arial"/>
-                <a:cs typeface="Arial"/>
-              </a:rPr>
-              <a:t>estratégicas.</a:t>
-            </a:r>
-            <a:endParaRPr sz="1300">
-              <a:latin typeface="Arial"/>
-              <a:cs typeface="Arial"/>
-            </a:endParaRPr>
-          </a:p>
-          <a:p>
-            <a:pPr algn="just" marL="12700" marR="6985" indent="45720">
-              <a:lnSpc>
-                <a:spcPts val="1570"/>
+                <a:spcPct val="107500"/>
               </a:lnSpc>
               <a:spcBef>
-                <a:spcPts val="55"/>
+                <a:spcPts val="100"/>
               </a:spcBef>
             </a:pPr>
             <a:r>
-              <a:rPr dirty="0" sz="1300" b="1">
-                <a:latin typeface="Arial"/>
-                <a:cs typeface="Arial"/>
-              </a:rPr>
-              <a:t>Com</a:t>
-            </a:r>
-            <a:r>
-              <a:rPr dirty="0" sz="1300" spc="195" b="1">
+              <a:rPr sz="1300" dirty="0" err="1">
+                <a:latin typeface="Arial"/>
+                <a:cs typeface="Arial"/>
+              </a:rPr>
+              <a:t>Queremos</a:t>
+            </a:r>
+            <a:r>
+              <a:rPr sz="1300" spc="85" dirty="0">
+                <a:latin typeface="Arial"/>
+                <a:cs typeface="Arial"/>
+              </a:rPr>
+              <a:t> </a:t>
+            </a:r>
+            <a:r>
+              <a:rPr sz="1300" dirty="0">
+                <a:latin typeface="Arial"/>
+                <a:cs typeface="Arial"/>
+              </a:rPr>
+              <a:t>que</a:t>
+            </a:r>
+            <a:r>
+              <a:rPr sz="1300" spc="70" dirty="0">
+                <a:latin typeface="Arial"/>
+                <a:cs typeface="Arial"/>
+              </a:rPr>
+              <a:t> </a:t>
+            </a:r>
+            <a:r>
+              <a:rPr sz="1300" dirty="0">
+                <a:latin typeface="Arial"/>
+                <a:cs typeface="Arial"/>
+              </a:rPr>
+              <a:t>os</a:t>
+            </a:r>
+            <a:r>
+              <a:rPr sz="1300" spc="75" dirty="0">
+                <a:latin typeface="Arial"/>
+                <a:cs typeface="Arial"/>
+              </a:rPr>
+              <a:t> </a:t>
+            </a:r>
+            <a:r>
+              <a:rPr sz="1300" dirty="0">
+                <a:latin typeface="Arial"/>
+                <a:cs typeface="Arial"/>
+              </a:rPr>
+              <a:t>gestores</a:t>
+            </a:r>
+            <a:r>
+              <a:rPr sz="1300" spc="95" dirty="0">
+                <a:latin typeface="Arial"/>
+                <a:cs typeface="Arial"/>
+              </a:rPr>
+              <a:t> </a:t>
+            </a:r>
+            <a:r>
+              <a:rPr sz="1300" dirty="0">
+                <a:latin typeface="Arial"/>
+                <a:cs typeface="Arial"/>
+              </a:rPr>
+              <a:t>tenham</a:t>
+            </a:r>
+            <a:r>
+              <a:rPr sz="1300" spc="85" dirty="0">
+                <a:latin typeface="Arial"/>
+                <a:cs typeface="Arial"/>
+              </a:rPr>
+              <a:t> </a:t>
+            </a:r>
+            <a:r>
+              <a:rPr sz="1300" dirty="0">
+                <a:latin typeface="Arial"/>
+                <a:cs typeface="Arial"/>
+              </a:rPr>
+              <a:t>uma</a:t>
+            </a:r>
+            <a:r>
+              <a:rPr sz="1300" spc="85" dirty="0">
+                <a:latin typeface="Arial"/>
+                <a:cs typeface="Arial"/>
+              </a:rPr>
+              <a:t> </a:t>
+            </a:r>
+            <a:r>
+              <a:rPr sz="1300" dirty="0">
+                <a:latin typeface="Arial"/>
+                <a:cs typeface="Arial"/>
+              </a:rPr>
+              <a:t>visão</a:t>
+            </a:r>
+            <a:r>
+              <a:rPr sz="1300" spc="80" dirty="0">
+                <a:latin typeface="Arial"/>
+                <a:cs typeface="Arial"/>
+              </a:rPr>
+              <a:t> </a:t>
+            </a:r>
+            <a:r>
+              <a:rPr sz="1300" dirty="0" err="1">
+                <a:latin typeface="Arial"/>
+                <a:cs typeface="Arial"/>
+              </a:rPr>
+              <a:t>completa</a:t>
+            </a:r>
+            <a:r>
+              <a:rPr sz="1300" spc="100" dirty="0">
+                <a:latin typeface="Arial"/>
+                <a:cs typeface="Arial"/>
+              </a:rPr>
+              <a:t> </a:t>
+            </a:r>
+            <a:r>
+              <a:rPr sz="1300" dirty="0">
+                <a:latin typeface="Arial"/>
+                <a:cs typeface="Arial"/>
+              </a:rPr>
+              <a:t>do</a:t>
+            </a:r>
+            <a:r>
+              <a:rPr lang="pt-BR" sz="1300" dirty="0">
+                <a:latin typeface="Arial"/>
+                <a:cs typeface="Arial"/>
+              </a:rPr>
+              <a:t> </a:t>
+            </a:r>
+            <a:r>
+              <a:rPr sz="1300" dirty="0" err="1">
+                <a:latin typeface="Arial"/>
+                <a:cs typeface="Arial"/>
+              </a:rPr>
+              <a:t>desempenho</a:t>
+            </a:r>
+            <a:r>
+              <a:rPr sz="1300" spc="90" dirty="0">
+                <a:latin typeface="Arial"/>
+                <a:cs typeface="Arial"/>
+              </a:rPr>
+              <a:t> </a:t>
+            </a:r>
+            <a:r>
+              <a:rPr sz="1300" spc="-25" dirty="0">
+                <a:latin typeface="Arial"/>
+                <a:cs typeface="Arial"/>
+              </a:rPr>
+              <a:t>do</a:t>
+            </a:r>
+            <a:r>
+              <a:rPr lang="pt-BR" sz="1300" spc="-25" dirty="0">
+                <a:latin typeface="Arial"/>
+                <a:cs typeface="Arial"/>
+              </a:rPr>
+              <a:t> </a:t>
+            </a:r>
+            <a:r>
+              <a:rPr sz="1300" dirty="0" err="1">
+                <a:latin typeface="Arial"/>
+                <a:cs typeface="Arial"/>
+              </a:rPr>
+              <a:t>negócio</a:t>
+            </a:r>
+            <a:r>
+              <a:rPr sz="1300" dirty="0">
+                <a:latin typeface="Arial"/>
+                <a:cs typeface="Arial"/>
+              </a:rPr>
+              <a:t>,</a:t>
+            </a:r>
+            <a:r>
+              <a:rPr sz="1300" spc="170" dirty="0">
                 <a:latin typeface="Arial"/>
                 <a:cs typeface="Arial"/>
               </a:rPr>
               <a:t>  </a:t>
             </a:r>
             <a:r>
-              <a:rPr dirty="0" sz="1300" b="1">
-                <a:latin typeface="Arial"/>
-                <a:cs typeface="Arial"/>
-              </a:rPr>
-              <a:t>a</a:t>
-            </a:r>
-            <a:r>
-              <a:rPr dirty="0" sz="1300" spc="195" b="1">
+              <a:rPr sz="1300" dirty="0">
+                <a:latin typeface="Arial"/>
+                <a:cs typeface="Arial"/>
+              </a:rPr>
+              <a:t>com</a:t>
+            </a:r>
+            <a:r>
+              <a:rPr sz="1300" spc="170" dirty="0">
                 <a:latin typeface="Arial"/>
                 <a:cs typeface="Arial"/>
               </a:rPr>
               <a:t>  </a:t>
             </a:r>
             <a:r>
-              <a:rPr dirty="0" sz="1300" b="1">
-                <a:latin typeface="Arial"/>
-                <a:cs typeface="Arial"/>
-              </a:rPr>
-              <a:t>Datalivery,</a:t>
-            </a:r>
-            <a:r>
-              <a:rPr dirty="0" sz="1300" spc="195" b="1">
+              <a:rPr sz="1300" dirty="0">
+                <a:latin typeface="Arial"/>
+                <a:cs typeface="Arial"/>
+              </a:rPr>
+              <a:t>informações</a:t>
+            </a:r>
+            <a:r>
+              <a:rPr sz="1300" spc="165" dirty="0">
                 <a:latin typeface="Arial"/>
                 <a:cs typeface="Arial"/>
               </a:rPr>
               <a:t>  </a:t>
             </a:r>
             <a:r>
-              <a:rPr dirty="0" sz="1300" b="1">
-                <a:latin typeface="Arial"/>
-                <a:cs typeface="Arial"/>
-              </a:rPr>
-              <a:t>vamos</a:t>
-            </a:r>
-            <a:r>
-              <a:rPr dirty="0" sz="1300" spc="195" b="1">
+              <a:rPr sz="1300" dirty="0">
+                <a:latin typeface="Arial"/>
+                <a:cs typeface="Arial"/>
+              </a:rPr>
+              <a:t>em</a:t>
+            </a:r>
+            <a:r>
+              <a:rPr sz="1300" spc="170" dirty="0">
                 <a:latin typeface="Arial"/>
                 <a:cs typeface="Arial"/>
               </a:rPr>
               <a:t>  </a:t>
             </a:r>
             <a:r>
-              <a:rPr dirty="0" sz="1300" b="1">
-                <a:latin typeface="Arial"/>
-                <a:cs typeface="Arial"/>
-              </a:rPr>
-              <a:t>auxiliar</a:t>
-            </a:r>
-            <a:r>
-              <a:rPr dirty="0" sz="1300" spc="204" b="1">
+              <a:rPr sz="1300" dirty="0">
+                <a:latin typeface="Arial"/>
+                <a:cs typeface="Arial"/>
+              </a:rPr>
+              <a:t>tempo</a:t>
+            </a:r>
+            <a:r>
+              <a:rPr sz="1300" spc="175" dirty="0">
                 <a:latin typeface="Arial"/>
                 <a:cs typeface="Arial"/>
               </a:rPr>
               <a:t>  </a:t>
             </a:r>
             <a:r>
-              <a:rPr dirty="0" sz="1300" b="1">
-                <a:latin typeface="Arial"/>
-                <a:cs typeface="Arial"/>
-              </a:rPr>
-              <a:t>a</a:t>
-            </a:r>
-            <a:r>
-              <a:rPr dirty="0" sz="1300" spc="195" b="1">
+              <a:rPr sz="1300" dirty="0">
+                <a:latin typeface="Arial"/>
+                <a:cs typeface="Arial"/>
+              </a:rPr>
+              <a:t>real</a:t>
+            </a:r>
+            <a:r>
+              <a:rPr sz="1300" spc="175" dirty="0">
                 <a:latin typeface="Arial"/>
                 <a:cs typeface="Arial"/>
               </a:rPr>
               <a:t>  </a:t>
             </a:r>
             <a:r>
-              <a:rPr dirty="0" sz="1300" b="1">
-                <a:latin typeface="Arial"/>
-                <a:cs typeface="Arial"/>
-              </a:rPr>
-              <a:t>empresa</a:t>
-            </a:r>
-            <a:r>
-              <a:rPr dirty="0" sz="1300" spc="200" b="1">
+              <a:rPr sz="1300" dirty="0">
+                <a:latin typeface="Arial"/>
+                <a:cs typeface="Arial"/>
+              </a:rPr>
+              <a:t>sobre</a:t>
+            </a:r>
+            <a:r>
+              <a:rPr sz="1300" spc="170" dirty="0">
                 <a:latin typeface="Arial"/>
                 <a:cs typeface="Arial"/>
               </a:rPr>
               <a:t>  </a:t>
             </a:r>
             <a:r>
-              <a:rPr dirty="0" sz="1300" b="1">
-                <a:latin typeface="Arial"/>
-                <a:cs typeface="Arial"/>
-              </a:rPr>
-              <a:t>a</a:t>
-            </a:r>
-            <a:r>
-              <a:rPr dirty="0" sz="1300" spc="200" b="1">
+              <a:rPr sz="1300" dirty="0">
+                <a:latin typeface="Arial"/>
+                <a:cs typeface="Arial"/>
+              </a:rPr>
+              <a:t>vendas,</a:t>
+            </a:r>
+            <a:r>
+              <a:rPr sz="1300" spc="170" dirty="0">
                 <a:latin typeface="Arial"/>
                 <a:cs typeface="Arial"/>
               </a:rPr>
               <a:t>  </a:t>
             </a:r>
             <a:r>
-              <a:rPr dirty="0" sz="1300" b="1">
-                <a:latin typeface="Arial"/>
-                <a:cs typeface="Arial"/>
-              </a:rPr>
-              <a:t>entender</a:t>
-            </a:r>
-            <a:r>
-              <a:rPr dirty="0" sz="1300" spc="190" b="1">
-                <a:latin typeface="Arial"/>
-                <a:cs typeface="Arial"/>
-              </a:rPr>
-              <a:t>  </a:t>
-            </a:r>
-            <a:r>
-              <a:rPr dirty="0" sz="1300" b="1">
-                <a:latin typeface="Arial"/>
-                <a:cs typeface="Arial"/>
-              </a:rPr>
-              <a:t>melhor</a:t>
-            </a:r>
-            <a:r>
-              <a:rPr dirty="0" sz="1300" spc="200" b="1">
-                <a:latin typeface="Arial"/>
-                <a:cs typeface="Arial"/>
-              </a:rPr>
-              <a:t>  </a:t>
-            </a:r>
-            <a:r>
-              <a:rPr dirty="0" sz="1300" spc="-50" b="1">
-                <a:latin typeface="Arial"/>
-                <a:cs typeface="Arial"/>
-              </a:rPr>
-              <a:t>o </a:t>
-            </a:r>
-            <a:r>
-              <a:rPr dirty="0" sz="1300" b="1">
-                <a:latin typeface="Arial"/>
-                <a:cs typeface="Arial"/>
-              </a:rPr>
-              <a:t>comportamento</a:t>
-            </a:r>
-            <a:r>
-              <a:rPr dirty="0" sz="1300" spc="-40" b="1">
-                <a:latin typeface="Arial"/>
-                <a:cs typeface="Arial"/>
-              </a:rPr>
-              <a:t> </a:t>
-            </a:r>
-            <a:r>
-              <a:rPr dirty="0" sz="1300" b="1">
-                <a:latin typeface="Arial"/>
-                <a:cs typeface="Arial"/>
-              </a:rPr>
-              <a:t>de</a:t>
-            </a:r>
-            <a:r>
-              <a:rPr dirty="0" sz="1300" spc="-35" b="1">
-                <a:latin typeface="Arial"/>
-                <a:cs typeface="Arial"/>
-              </a:rPr>
-              <a:t> </a:t>
-            </a:r>
-            <a:r>
-              <a:rPr dirty="0" sz="1300" b="1">
-                <a:latin typeface="Arial"/>
-                <a:cs typeface="Arial"/>
-              </a:rPr>
-              <a:t>seus</a:t>
-            </a:r>
-            <a:r>
-              <a:rPr dirty="0" sz="1300" spc="-45" b="1">
-                <a:latin typeface="Arial"/>
-                <a:cs typeface="Arial"/>
-              </a:rPr>
-              <a:t> </a:t>
-            </a:r>
-            <a:r>
-              <a:rPr dirty="0" sz="1300" spc="-10" b="1">
-                <a:latin typeface="Arial"/>
-                <a:cs typeface="Arial"/>
-              </a:rPr>
-              <a:t>clientes.</a:t>
-            </a:r>
-            <a:endParaRPr sz="1300">
-              <a:latin typeface="Arial"/>
-              <a:cs typeface="Arial"/>
-            </a:endParaRPr>
-          </a:p>
-          <a:p>
-            <a:pPr algn="just" marL="12700">
-              <a:lnSpc>
-                <a:spcPts val="1520"/>
-              </a:lnSpc>
-            </a:pPr>
-            <a:r>
-              <a:rPr dirty="0" sz="1300" b="1">
-                <a:latin typeface="Arial"/>
-                <a:cs typeface="Arial"/>
-              </a:rPr>
-              <a:t>Queremos</a:t>
-            </a:r>
-            <a:r>
-              <a:rPr dirty="0" sz="1300" spc="85" b="1">
-                <a:latin typeface="Arial"/>
-                <a:cs typeface="Arial"/>
-              </a:rPr>
-              <a:t> </a:t>
-            </a:r>
-            <a:r>
-              <a:rPr dirty="0" sz="1300" b="1">
-                <a:latin typeface="Arial"/>
-                <a:cs typeface="Arial"/>
-              </a:rPr>
-              <a:t>que</a:t>
-            </a:r>
-            <a:r>
-              <a:rPr dirty="0" sz="1300" spc="70" b="1">
-                <a:latin typeface="Arial"/>
-                <a:cs typeface="Arial"/>
-              </a:rPr>
-              <a:t> </a:t>
-            </a:r>
-            <a:r>
-              <a:rPr dirty="0" sz="1300" b="1">
-                <a:latin typeface="Arial"/>
-                <a:cs typeface="Arial"/>
-              </a:rPr>
-              <a:t>os</a:t>
-            </a:r>
-            <a:r>
-              <a:rPr dirty="0" sz="1300" spc="75" b="1">
-                <a:latin typeface="Arial"/>
-                <a:cs typeface="Arial"/>
-              </a:rPr>
-              <a:t> </a:t>
-            </a:r>
-            <a:r>
-              <a:rPr dirty="0" sz="1300" b="1">
-                <a:latin typeface="Arial"/>
-                <a:cs typeface="Arial"/>
-              </a:rPr>
-              <a:t>gestores</a:t>
-            </a:r>
-            <a:r>
-              <a:rPr dirty="0" sz="1300" spc="95" b="1">
-                <a:latin typeface="Arial"/>
-                <a:cs typeface="Arial"/>
-              </a:rPr>
-              <a:t> </a:t>
-            </a:r>
-            <a:r>
-              <a:rPr dirty="0" sz="1300" b="1">
-                <a:latin typeface="Arial"/>
-                <a:cs typeface="Arial"/>
-              </a:rPr>
-              <a:t>tenham</a:t>
-            </a:r>
-            <a:r>
-              <a:rPr dirty="0" sz="1300" spc="85" b="1">
-                <a:latin typeface="Arial"/>
-                <a:cs typeface="Arial"/>
-              </a:rPr>
-              <a:t> </a:t>
-            </a:r>
-            <a:r>
-              <a:rPr dirty="0" sz="1300" b="1">
-                <a:latin typeface="Arial"/>
-                <a:cs typeface="Arial"/>
-              </a:rPr>
-              <a:t>uma</a:t>
-            </a:r>
-            <a:r>
-              <a:rPr dirty="0" sz="1300" spc="85" b="1">
-                <a:latin typeface="Arial"/>
-                <a:cs typeface="Arial"/>
-              </a:rPr>
-              <a:t> </a:t>
-            </a:r>
-            <a:r>
-              <a:rPr dirty="0" sz="1300" b="1">
-                <a:latin typeface="Arial"/>
-                <a:cs typeface="Arial"/>
-              </a:rPr>
-              <a:t>visão</a:t>
-            </a:r>
-            <a:r>
-              <a:rPr dirty="0" sz="1300" spc="80" b="1">
-                <a:latin typeface="Arial"/>
-                <a:cs typeface="Arial"/>
-              </a:rPr>
-              <a:t> </a:t>
-            </a:r>
-            <a:r>
-              <a:rPr dirty="0" sz="1300" b="1">
-                <a:latin typeface="Arial"/>
-                <a:cs typeface="Arial"/>
-              </a:rPr>
-              <a:t>completa</a:t>
-            </a:r>
-            <a:r>
-              <a:rPr dirty="0" sz="1300" spc="100" b="1">
-                <a:latin typeface="Arial"/>
-                <a:cs typeface="Arial"/>
-              </a:rPr>
-              <a:t> </a:t>
-            </a:r>
-            <a:r>
-              <a:rPr dirty="0" sz="1300" b="1">
-                <a:latin typeface="Arial"/>
-                <a:cs typeface="Arial"/>
-              </a:rPr>
-              <a:t>do</a:t>
-            </a:r>
-            <a:r>
-              <a:rPr dirty="0" sz="1300" spc="75" b="1">
-                <a:latin typeface="Arial"/>
-                <a:cs typeface="Arial"/>
-              </a:rPr>
-              <a:t> </a:t>
-            </a:r>
-            <a:r>
-              <a:rPr dirty="0" sz="1300" b="1">
-                <a:latin typeface="Arial"/>
-                <a:cs typeface="Arial"/>
-              </a:rPr>
-              <a:t>desempenho</a:t>
-            </a:r>
-            <a:r>
-              <a:rPr dirty="0" sz="1300" spc="90" b="1">
-                <a:latin typeface="Arial"/>
-                <a:cs typeface="Arial"/>
-              </a:rPr>
-              <a:t> </a:t>
-            </a:r>
-            <a:r>
-              <a:rPr dirty="0" sz="1300" spc="-25" b="1">
-                <a:latin typeface="Arial"/>
-                <a:cs typeface="Arial"/>
-              </a:rPr>
-              <a:t>do</a:t>
-            </a:r>
-            <a:endParaRPr sz="1300">
-              <a:latin typeface="Arial"/>
-              <a:cs typeface="Arial"/>
-            </a:endParaRPr>
-          </a:p>
-          <a:p>
-            <a:pPr algn="just" marL="12700" marR="6985">
-              <a:lnSpc>
-                <a:spcPct val="99600"/>
-              </a:lnSpc>
-              <a:spcBef>
-                <a:spcPts val="15"/>
-              </a:spcBef>
-            </a:pPr>
-            <a:r>
-              <a:rPr dirty="0" sz="1300" b="1">
-                <a:latin typeface="Arial"/>
-                <a:cs typeface="Arial"/>
-              </a:rPr>
-              <a:t>negócio,</a:t>
-            </a:r>
-            <a:r>
-              <a:rPr dirty="0" sz="1300" spc="170" b="1">
-                <a:latin typeface="Arial"/>
-                <a:cs typeface="Arial"/>
-              </a:rPr>
-              <a:t>  </a:t>
-            </a:r>
-            <a:r>
-              <a:rPr dirty="0" sz="1300" b="1">
+              <a:rPr sz="1300" spc="-10" dirty="0">
+                <a:latin typeface="Arial"/>
+                <a:cs typeface="Arial"/>
+              </a:rPr>
+              <a:t>fidelização, </a:t>
+            </a:r>
+            <a:r>
+              <a:rPr sz="1300" dirty="0">
+                <a:latin typeface="Arial"/>
+                <a:cs typeface="Arial"/>
+              </a:rPr>
+              <a:t>satisfação</a:t>
+            </a:r>
+            <a:r>
+              <a:rPr sz="1300" spc="450" dirty="0">
+                <a:latin typeface="Arial"/>
+                <a:cs typeface="Arial"/>
+              </a:rPr>
+              <a:t> </a:t>
+            </a:r>
+            <a:r>
+              <a:rPr sz="1300" dirty="0">
+                <a:latin typeface="Arial"/>
+                <a:cs typeface="Arial"/>
+              </a:rPr>
+              <a:t>e</a:t>
+            </a:r>
+            <a:r>
+              <a:rPr sz="1300" spc="440" dirty="0">
+                <a:latin typeface="Arial"/>
+                <a:cs typeface="Arial"/>
+              </a:rPr>
+              <a:t> </a:t>
+            </a:r>
+            <a:r>
+              <a:rPr sz="1300" dirty="0">
+                <a:latin typeface="Arial"/>
+                <a:cs typeface="Arial"/>
+              </a:rPr>
+              <a:t>engajamento.</a:t>
+            </a:r>
+            <a:r>
+              <a:rPr sz="1300" spc="434" dirty="0">
+                <a:latin typeface="Arial"/>
+                <a:cs typeface="Arial"/>
+              </a:rPr>
+              <a:t> </a:t>
+            </a:r>
+            <a:r>
+              <a:rPr lang="pt-BR" sz="1300" dirty="0">
+                <a:latin typeface="Arial"/>
+                <a:cs typeface="Arial"/>
+              </a:rPr>
+              <a:t>Sendo </a:t>
+            </a:r>
+            <a:r>
+              <a:rPr sz="1300" dirty="0" err="1">
+                <a:latin typeface="Arial"/>
+                <a:cs typeface="Arial"/>
+              </a:rPr>
+              <a:t>possível</a:t>
+            </a:r>
+            <a:r>
+              <a:rPr sz="1300" spc="450" dirty="0">
+                <a:latin typeface="Arial"/>
+                <a:cs typeface="Arial"/>
+              </a:rPr>
+              <a:t> </a:t>
+            </a:r>
+            <a:r>
+              <a:rPr sz="1300" dirty="0">
+                <a:latin typeface="Arial"/>
+                <a:cs typeface="Arial"/>
+              </a:rPr>
+              <a:t>identificar</a:t>
+            </a:r>
+            <a:r>
+              <a:rPr sz="1300" spc="455" dirty="0">
+                <a:latin typeface="Arial"/>
+                <a:cs typeface="Arial"/>
+              </a:rPr>
+              <a:t> </a:t>
+            </a:r>
+            <a:r>
+              <a:rPr sz="1300" dirty="0">
+                <a:latin typeface="Arial"/>
+                <a:cs typeface="Arial"/>
+              </a:rPr>
+              <a:t>padrões,</a:t>
+            </a:r>
+            <a:r>
+              <a:rPr sz="1300" spc="425" dirty="0">
+                <a:latin typeface="Arial"/>
+                <a:cs typeface="Arial"/>
+              </a:rPr>
+              <a:t> </a:t>
+            </a:r>
+            <a:r>
+              <a:rPr sz="1300" spc="-10" dirty="0">
+                <a:latin typeface="Arial"/>
+                <a:cs typeface="Arial"/>
+              </a:rPr>
+              <a:t>prever </a:t>
+            </a:r>
+            <a:r>
+              <a:rPr sz="1300" dirty="0">
+                <a:latin typeface="Arial"/>
+                <a:cs typeface="Arial"/>
+              </a:rPr>
+              <a:t>demandas</a:t>
+            </a:r>
+            <a:r>
+              <a:rPr sz="1300" spc="-15" dirty="0">
+                <a:latin typeface="Arial"/>
+                <a:cs typeface="Arial"/>
+              </a:rPr>
+              <a:t> </a:t>
+            </a:r>
+            <a:r>
+              <a:rPr sz="1300" dirty="0">
+                <a:latin typeface="Arial"/>
+                <a:cs typeface="Arial"/>
+              </a:rPr>
+              <a:t>e</a:t>
+            </a:r>
+            <a:r>
+              <a:rPr sz="1300" spc="-15" dirty="0">
+                <a:latin typeface="Arial"/>
+                <a:cs typeface="Arial"/>
+              </a:rPr>
+              <a:t> </a:t>
+            </a:r>
+            <a:r>
+              <a:rPr sz="1300" dirty="0" err="1">
+                <a:latin typeface="Arial"/>
+                <a:cs typeface="Arial"/>
+              </a:rPr>
+              <a:t>planejar</a:t>
+            </a:r>
+            <a:r>
+              <a:rPr sz="1300" spc="-30" dirty="0">
+                <a:latin typeface="Arial"/>
+                <a:cs typeface="Arial"/>
+              </a:rPr>
+              <a:t> </a:t>
+            </a:r>
+            <a:r>
+              <a:rPr sz="1300" dirty="0">
                 <a:latin typeface="Arial"/>
                 <a:cs typeface="Arial"/>
               </a:rPr>
               <a:t>com</a:t>
             </a:r>
             <a:r>
-              <a:rPr dirty="0" sz="1300" spc="170" b="1">
-                <a:latin typeface="Arial"/>
-                <a:cs typeface="Arial"/>
-              </a:rPr>
-              <a:t>  </a:t>
-            </a:r>
-            <a:r>
-              <a:rPr dirty="0" sz="1300" b="1">
-                <a:latin typeface="Arial"/>
-                <a:cs typeface="Arial"/>
-              </a:rPr>
-              <a:t>informações</a:t>
-            </a:r>
-            <a:r>
-              <a:rPr dirty="0" sz="1300" spc="165" b="1">
-                <a:latin typeface="Arial"/>
-                <a:cs typeface="Arial"/>
-              </a:rPr>
-              <a:t>  </a:t>
-            </a:r>
-            <a:r>
-              <a:rPr dirty="0" sz="1300" b="1">
+              <a:rPr sz="1300" spc="-30" dirty="0">
+                <a:latin typeface="Arial"/>
+                <a:cs typeface="Arial"/>
+              </a:rPr>
+              <a:t> </a:t>
+            </a:r>
+            <a:r>
+              <a:rPr sz="1300" dirty="0">
+                <a:latin typeface="Arial"/>
+                <a:cs typeface="Arial"/>
+              </a:rPr>
+              <a:t>base</a:t>
+            </a:r>
+            <a:r>
+              <a:rPr sz="1300" spc="-35" dirty="0">
+                <a:latin typeface="Arial"/>
+                <a:cs typeface="Arial"/>
+              </a:rPr>
+              <a:t> </a:t>
+            </a:r>
+            <a:r>
+              <a:rPr sz="1300" dirty="0">
                 <a:latin typeface="Arial"/>
                 <a:cs typeface="Arial"/>
               </a:rPr>
               <a:t>em</a:t>
             </a:r>
             <a:r>
-              <a:rPr dirty="0" sz="1300" spc="170" b="1">
-                <a:latin typeface="Arial"/>
-                <a:cs typeface="Arial"/>
-              </a:rPr>
-              <a:t>  </a:t>
-            </a:r>
-            <a:r>
-              <a:rPr dirty="0" sz="1300" b="1">
-                <a:latin typeface="Arial"/>
-                <a:cs typeface="Arial"/>
-              </a:rPr>
-              <a:t>tempo</a:t>
-            </a:r>
-            <a:r>
-              <a:rPr dirty="0" sz="1300" spc="175" b="1">
-                <a:latin typeface="Arial"/>
-                <a:cs typeface="Arial"/>
-              </a:rPr>
-              <a:t>  </a:t>
-            </a:r>
-            <a:r>
-              <a:rPr dirty="0" sz="1300" b="1">
-                <a:latin typeface="Arial"/>
-                <a:cs typeface="Arial"/>
-              </a:rPr>
-              <a:t>real</a:t>
-            </a:r>
-            <a:r>
-              <a:rPr dirty="0" sz="1300" spc="175" b="1">
-                <a:latin typeface="Arial"/>
-                <a:cs typeface="Arial"/>
-              </a:rPr>
-              <a:t>  </a:t>
-            </a:r>
-            <a:r>
-              <a:rPr dirty="0" sz="1300" b="1">
-                <a:latin typeface="Arial"/>
-                <a:cs typeface="Arial"/>
-              </a:rPr>
-              <a:t>sobre</a:t>
-            </a:r>
-            <a:r>
-              <a:rPr dirty="0" sz="1300" spc="170" b="1">
-                <a:latin typeface="Arial"/>
-                <a:cs typeface="Arial"/>
-              </a:rPr>
-              <a:t>  </a:t>
-            </a:r>
-            <a:r>
-              <a:rPr dirty="0" sz="1300" b="1">
-                <a:latin typeface="Arial"/>
-                <a:cs typeface="Arial"/>
-              </a:rPr>
-              <a:t>vendas,</a:t>
-            </a:r>
-            <a:r>
-              <a:rPr dirty="0" sz="1300" spc="170" b="1">
-                <a:latin typeface="Arial"/>
-                <a:cs typeface="Arial"/>
-              </a:rPr>
-              <a:t>  </a:t>
-            </a:r>
-            <a:r>
-              <a:rPr dirty="0" sz="1300" spc="-10" b="1">
-                <a:latin typeface="Arial"/>
-                <a:cs typeface="Arial"/>
-              </a:rPr>
-              <a:t>fidelização, </a:t>
-            </a:r>
-            <a:r>
-              <a:rPr dirty="0" sz="1300" b="1">
-                <a:latin typeface="Arial"/>
-                <a:cs typeface="Arial"/>
-              </a:rPr>
-              <a:t>satisfação</a:t>
-            </a:r>
-            <a:r>
-              <a:rPr dirty="0" sz="1300" spc="450" b="1">
-                <a:latin typeface="Arial"/>
-                <a:cs typeface="Arial"/>
-              </a:rPr>
-              <a:t> </a:t>
-            </a:r>
-            <a:r>
-              <a:rPr dirty="0" sz="1300" b="1">
+              <a:rPr sz="1300" spc="-25" dirty="0">
+                <a:latin typeface="Arial"/>
+                <a:cs typeface="Arial"/>
+              </a:rPr>
+              <a:t> </a:t>
+            </a:r>
+            <a:r>
+              <a:rPr sz="1300" dirty="0">
+                <a:latin typeface="Arial"/>
+                <a:cs typeface="Arial"/>
+              </a:rPr>
+              <a:t>dados</a:t>
+            </a:r>
+            <a:r>
+              <a:rPr sz="1300" spc="-5" dirty="0">
+                <a:latin typeface="Arial"/>
+                <a:cs typeface="Arial"/>
+              </a:rPr>
+              <a:t> </a:t>
+            </a:r>
+            <a:r>
+              <a:rPr sz="1300" dirty="0">
+                <a:latin typeface="Arial"/>
+                <a:cs typeface="Arial"/>
+              </a:rPr>
+              <a:t>reais,</a:t>
+            </a:r>
+            <a:r>
+              <a:rPr sz="1300" spc="-10" dirty="0">
+                <a:latin typeface="Arial"/>
+                <a:cs typeface="Arial"/>
+              </a:rPr>
+              <a:t> </a:t>
+            </a:r>
+            <a:r>
+              <a:rPr sz="1300" dirty="0">
                 <a:latin typeface="Arial"/>
                 <a:cs typeface="Arial"/>
               </a:rPr>
               <a:t>e</a:t>
             </a:r>
             <a:r>
-              <a:rPr dirty="0" sz="1300" spc="440" b="1">
-                <a:latin typeface="Arial"/>
-                <a:cs typeface="Arial"/>
-              </a:rPr>
-              <a:t> </a:t>
-            </a:r>
-            <a:r>
-              <a:rPr dirty="0" sz="1300" b="1">
-                <a:latin typeface="Arial"/>
-                <a:cs typeface="Arial"/>
-              </a:rPr>
-              <a:t>engajamento.</a:t>
-            </a:r>
-            <a:r>
-              <a:rPr dirty="0" sz="1300" spc="434" b="1">
-                <a:latin typeface="Arial"/>
-                <a:cs typeface="Arial"/>
-              </a:rPr>
-              <a:t> </a:t>
-            </a:r>
-            <a:r>
-              <a:rPr dirty="0" sz="1300" b="1">
-                <a:latin typeface="Arial"/>
-                <a:cs typeface="Arial"/>
-              </a:rPr>
-              <a:t>Assim,</a:t>
-            </a:r>
-            <a:r>
-              <a:rPr dirty="0" sz="1300" spc="450" b="1">
-                <a:latin typeface="Arial"/>
-                <a:cs typeface="Arial"/>
-              </a:rPr>
-              <a:t> </a:t>
-            </a:r>
-            <a:r>
-              <a:rPr dirty="0" sz="1300" b="1">
-                <a:latin typeface="Arial"/>
-                <a:cs typeface="Arial"/>
-              </a:rPr>
-              <a:t>é</a:t>
-            </a:r>
-            <a:r>
-              <a:rPr dirty="0" sz="1300" spc="440" b="1">
-                <a:latin typeface="Arial"/>
-                <a:cs typeface="Arial"/>
-              </a:rPr>
-              <a:t> </a:t>
-            </a:r>
-            <a:r>
-              <a:rPr dirty="0" sz="1300" b="1">
-                <a:latin typeface="Arial"/>
-                <a:cs typeface="Arial"/>
-              </a:rPr>
-              <a:t>possível</a:t>
-            </a:r>
-            <a:r>
-              <a:rPr dirty="0" sz="1300" spc="450" b="1">
-                <a:latin typeface="Arial"/>
-                <a:cs typeface="Arial"/>
-              </a:rPr>
-              <a:t> </a:t>
-            </a:r>
-            <a:r>
-              <a:rPr dirty="0" sz="1300" b="1">
-                <a:latin typeface="Arial"/>
-                <a:cs typeface="Arial"/>
-              </a:rPr>
-              <a:t>identificar</a:t>
-            </a:r>
-            <a:r>
-              <a:rPr dirty="0" sz="1300" spc="455" b="1">
-                <a:latin typeface="Arial"/>
-                <a:cs typeface="Arial"/>
-              </a:rPr>
-              <a:t> </a:t>
-            </a:r>
-            <a:r>
-              <a:rPr dirty="0" sz="1300" b="1">
-                <a:latin typeface="Arial"/>
-                <a:cs typeface="Arial"/>
-              </a:rPr>
-              <a:t>padrões,</a:t>
-            </a:r>
-            <a:r>
-              <a:rPr dirty="0" sz="1300" spc="425" b="1">
-                <a:latin typeface="Arial"/>
-                <a:cs typeface="Arial"/>
-              </a:rPr>
-              <a:t> </a:t>
-            </a:r>
-            <a:r>
-              <a:rPr dirty="0" sz="1300" spc="-10" b="1">
-                <a:latin typeface="Arial"/>
-                <a:cs typeface="Arial"/>
-              </a:rPr>
-              <a:t>prever </a:t>
-            </a:r>
-            <a:r>
-              <a:rPr dirty="0" sz="1300" b="1">
-                <a:latin typeface="Arial"/>
-                <a:cs typeface="Arial"/>
-              </a:rPr>
-              <a:t>demandas</a:t>
-            </a:r>
-            <a:r>
-              <a:rPr dirty="0" sz="1300" spc="-15" b="1">
-                <a:latin typeface="Arial"/>
-                <a:cs typeface="Arial"/>
-              </a:rPr>
-              <a:t> </a:t>
-            </a:r>
-            <a:r>
-              <a:rPr dirty="0" sz="1300" b="1">
-                <a:latin typeface="Arial"/>
-                <a:cs typeface="Arial"/>
-              </a:rPr>
-              <a:t>e</a:t>
-            </a:r>
-            <a:r>
-              <a:rPr dirty="0" sz="1300" spc="-15" b="1">
-                <a:latin typeface="Arial"/>
-                <a:cs typeface="Arial"/>
-              </a:rPr>
-              <a:t> </a:t>
-            </a:r>
-            <a:r>
-              <a:rPr dirty="0" sz="1300" b="1">
-                <a:latin typeface="Arial"/>
-                <a:cs typeface="Arial"/>
-              </a:rPr>
-              <a:t>planejar</a:t>
-            </a:r>
-            <a:r>
-              <a:rPr dirty="0" sz="1300" spc="-30" b="1">
-                <a:latin typeface="Arial"/>
-                <a:cs typeface="Arial"/>
-              </a:rPr>
-              <a:t> </a:t>
-            </a:r>
-            <a:r>
-              <a:rPr dirty="0" sz="1300" b="1">
-                <a:latin typeface="Arial"/>
-                <a:cs typeface="Arial"/>
-              </a:rPr>
-              <a:t>ações</a:t>
-            </a:r>
-            <a:r>
-              <a:rPr dirty="0" sz="1300" spc="-5" b="1">
-                <a:latin typeface="Arial"/>
-                <a:cs typeface="Arial"/>
-              </a:rPr>
-              <a:t> </a:t>
-            </a:r>
-            <a:r>
-              <a:rPr dirty="0" sz="1300" b="1">
-                <a:latin typeface="Arial"/>
-                <a:cs typeface="Arial"/>
-              </a:rPr>
-              <a:t>com</a:t>
-            </a:r>
-            <a:r>
-              <a:rPr dirty="0" sz="1300" spc="-30" b="1">
-                <a:latin typeface="Arial"/>
-                <a:cs typeface="Arial"/>
-              </a:rPr>
-              <a:t> </a:t>
-            </a:r>
-            <a:r>
-              <a:rPr dirty="0" sz="1300" b="1">
-                <a:latin typeface="Arial"/>
-                <a:cs typeface="Arial"/>
-              </a:rPr>
-              <a:t>base</a:t>
-            </a:r>
-            <a:r>
-              <a:rPr dirty="0" sz="1300" spc="-35" b="1">
-                <a:latin typeface="Arial"/>
-                <a:cs typeface="Arial"/>
-              </a:rPr>
-              <a:t> </a:t>
-            </a:r>
-            <a:r>
-              <a:rPr dirty="0" sz="1300" b="1">
+              <a:rPr sz="1300" spc="-20" dirty="0">
+                <a:latin typeface="Arial"/>
+                <a:cs typeface="Arial"/>
+              </a:rPr>
+              <a:t> </a:t>
+            </a:r>
+            <a:r>
+              <a:rPr sz="1300" dirty="0">
+                <a:latin typeface="Arial"/>
+                <a:cs typeface="Arial"/>
+              </a:rPr>
+              <a:t>não</a:t>
+            </a:r>
+            <a:r>
+              <a:rPr sz="1300" spc="-25" dirty="0">
+                <a:latin typeface="Arial"/>
+                <a:cs typeface="Arial"/>
+              </a:rPr>
+              <a:t> </a:t>
+            </a:r>
+            <a:r>
+              <a:rPr sz="1300" dirty="0">
                 <a:latin typeface="Arial"/>
                 <a:cs typeface="Arial"/>
               </a:rPr>
               <a:t>em</a:t>
             </a:r>
             <a:r>
-              <a:rPr dirty="0" sz="1300" spc="-25" b="1">
-                <a:latin typeface="Arial"/>
-                <a:cs typeface="Arial"/>
-              </a:rPr>
-              <a:t> </a:t>
-            </a:r>
-            <a:r>
-              <a:rPr dirty="0" sz="1300" b="1">
-                <a:latin typeface="Arial"/>
-                <a:cs typeface="Arial"/>
-              </a:rPr>
-              <a:t>dados</a:t>
-            </a:r>
-            <a:r>
-              <a:rPr dirty="0" sz="1300" spc="-5" b="1">
-                <a:latin typeface="Arial"/>
-                <a:cs typeface="Arial"/>
-              </a:rPr>
-              <a:t> </a:t>
-            </a:r>
-            <a:r>
-              <a:rPr dirty="0" sz="1300" b="1">
-                <a:latin typeface="Arial"/>
-                <a:cs typeface="Arial"/>
-              </a:rPr>
-              <a:t>reais,</a:t>
-            </a:r>
-            <a:r>
-              <a:rPr dirty="0" sz="1300" spc="-10" b="1">
-                <a:latin typeface="Arial"/>
-                <a:cs typeface="Arial"/>
-              </a:rPr>
-              <a:t> </a:t>
-            </a:r>
-            <a:r>
-              <a:rPr dirty="0" sz="1300" b="1">
-                <a:latin typeface="Arial"/>
-                <a:cs typeface="Arial"/>
-              </a:rPr>
-              <a:t>e</a:t>
-            </a:r>
-            <a:r>
-              <a:rPr dirty="0" sz="1300" spc="-20" b="1">
-                <a:latin typeface="Arial"/>
-                <a:cs typeface="Arial"/>
-              </a:rPr>
-              <a:t> </a:t>
-            </a:r>
-            <a:r>
-              <a:rPr dirty="0" sz="1300" b="1">
-                <a:latin typeface="Arial"/>
-                <a:cs typeface="Arial"/>
-              </a:rPr>
-              <a:t>não</a:t>
-            </a:r>
-            <a:r>
-              <a:rPr dirty="0" sz="1300" spc="-25" b="1">
-                <a:latin typeface="Arial"/>
-                <a:cs typeface="Arial"/>
-              </a:rPr>
-              <a:t> </a:t>
-            </a:r>
-            <a:r>
-              <a:rPr dirty="0" sz="1300" b="1">
-                <a:latin typeface="Arial"/>
-                <a:cs typeface="Arial"/>
-              </a:rPr>
-              <a:t>em</a:t>
-            </a:r>
-            <a:r>
-              <a:rPr dirty="0" sz="1300" spc="-25" b="1">
-                <a:latin typeface="Arial"/>
-                <a:cs typeface="Arial"/>
-              </a:rPr>
-              <a:t> </a:t>
-            </a:r>
-            <a:r>
-              <a:rPr dirty="0" sz="1300" spc="-10" b="1">
-                <a:latin typeface="Arial"/>
-                <a:cs typeface="Arial"/>
-              </a:rPr>
-              <a:t>suposições.</a:t>
-            </a:r>
-            <a:endParaRPr sz="1300">
+              <a:rPr sz="1300" spc="-25" dirty="0">
+                <a:latin typeface="Arial"/>
+                <a:cs typeface="Arial"/>
+              </a:rPr>
+              <a:t> </a:t>
+            </a:r>
+            <a:r>
+              <a:rPr sz="1300" spc="-10" dirty="0">
+                <a:latin typeface="Arial"/>
+                <a:cs typeface="Arial"/>
+              </a:rPr>
+              <a:t>suposições</a:t>
+            </a:r>
+            <a:r>
+              <a:rPr sz="1300" b="1" spc="-10" dirty="0">
+                <a:latin typeface="Arial"/>
+                <a:cs typeface="Arial"/>
+              </a:rPr>
+              <a:t>.</a:t>
+            </a:r>
+            <a:endParaRPr sz="1300" dirty="0">
               <a:latin typeface="Arial"/>
               <a:cs typeface="Arial"/>
             </a:endParaRPr>
@@ -5690,26 +4763,26 @@
       </p:sp>
       <p:sp>
         <p:nvSpPr>
-          <p:cNvPr id="8" name="object 8" descr=""/>
+          <p:cNvPr id="8" name="object 8"/>
           <p:cNvSpPr txBox="1"/>
           <p:nvPr/>
         </p:nvSpPr>
         <p:spPr>
           <a:xfrm>
             <a:off x="2699167" y="152278"/>
-            <a:ext cx="8007984" cy="1686560"/>
+            <a:ext cx="8007984" cy="1667123"/>
           </a:xfrm>
           <a:prstGeom prst="rect">
             <a:avLst/>
           </a:prstGeom>
         </p:spPr>
         <p:txBody>
-          <a:bodyPr wrap="square" lIns="0" tIns="63500" rIns="0" bIns="0" rtlCol="0" vert="horz">
+          <a:bodyPr vert="horz" wrap="square" lIns="0" tIns="63500" rIns="0" bIns="0" rtlCol="0">
             <a:spAutoFit/>
           </a:bodyPr>
           <a:lstStyle/>
           <a:p>
-            <a:pPr algn="ctr" marL="38100">
+            <a:pPr marL="38100" algn="ctr">
               <a:lnSpc>
                 <a:spcPct val="100000"/>
               </a:lnSpc>
@@ -5718,7 +4791,7 @@
               </a:spcBef>
             </a:pPr>
             <a:r>
-              <a:rPr dirty="0" sz="3700" b="1">
+              <a:rPr sz="3700" b="1" dirty="0">
                 <a:solidFill>
                   <a:srgbClr val="FFFFFF"/>
                 </a:solidFill>
@@ -5728,7 +4801,7 @@
               <a:t>Semana</a:t>
             </a:r>
             <a:r>
-              <a:rPr dirty="0" sz="3700" spc="-114" b="1">
+              <a:rPr sz="3700" b="1" spc="-114" dirty="0">
                 <a:solidFill>
                   <a:srgbClr val="FFFFFF"/>
                 </a:solidFill>
@@ -5738,7 +4811,7 @@
               <a:t> </a:t>
             </a:r>
             <a:r>
-              <a:rPr dirty="0" sz="3700" b="1">
+              <a:rPr sz="3700" b="1" dirty="0">
                 <a:solidFill>
                   <a:srgbClr val="FFFFFF"/>
                 </a:solidFill>
@@ -5748,7 +4821,7 @@
               <a:t>de</a:t>
             </a:r>
             <a:r>
-              <a:rPr dirty="0" sz="3700" spc="-95" b="1">
+              <a:rPr sz="3700" b="1" spc="-95" dirty="0">
                 <a:solidFill>
                   <a:srgbClr val="FFFFFF"/>
                 </a:solidFill>
@@ -5758,7 +4831,7 @@
               <a:t> </a:t>
             </a:r>
             <a:r>
-              <a:rPr dirty="0" sz="3700" spc="-30" b="1">
+              <a:rPr sz="3700" b="1" spc="-30" dirty="0">
                 <a:solidFill>
                   <a:srgbClr val="FFFFFF"/>
                 </a:solidFill>
@@ -5768,7 +4841,7 @@
               <a:t>Tecnologia</a:t>
             </a:r>
             <a:r>
-              <a:rPr dirty="0" sz="3700" spc="-110" b="1">
+              <a:rPr sz="3700" b="1" spc="-110" dirty="0">
                 <a:solidFill>
                   <a:srgbClr val="FFFFFF"/>
                 </a:solidFill>
@@ -5778,7 +4851,7 @@
               <a:t> </a:t>
             </a:r>
             <a:r>
-              <a:rPr dirty="0" sz="3700" b="1">
+              <a:rPr sz="3700" b="1" dirty="0">
                 <a:solidFill>
                   <a:srgbClr val="FFFFFF"/>
                 </a:solidFill>
@@ -5788,7 +4861,7 @@
               <a:t>FECAP</a:t>
             </a:r>
             <a:r>
-              <a:rPr dirty="0" sz="3700" spc="-170" b="1">
+              <a:rPr sz="3700" b="1" spc="-170" dirty="0">
                 <a:solidFill>
                   <a:srgbClr val="FFFFFF"/>
                 </a:solidFill>
@@ -5798,7 +4871,7 @@
               <a:t> </a:t>
             </a:r>
             <a:r>
-              <a:rPr dirty="0" sz="3700" spc="-20" b="1">
+              <a:rPr sz="3700" b="1" spc="-20" dirty="0">
                 <a:solidFill>
                   <a:srgbClr val="FFFFFF"/>
                 </a:solidFill>
@@ -5807,13 +4880,13 @@
               </a:rPr>
               <a:t>2025</a:t>
             </a:r>
-            <a:endParaRPr sz="3700">
+            <a:endParaRPr sz="3700" dirty="0">
               <a:latin typeface="Arial"/>
               <a:cs typeface="Arial"/>
             </a:endParaRPr>
           </a:p>
           <a:p>
-            <a:pPr algn="ctr" marL="86995">
+            <a:pPr marL="86995" algn="ctr">
               <a:lnSpc>
                 <a:spcPct val="100000"/>
               </a:lnSpc>
@@ -5822,13 +4895,19 @@
               </a:spcBef>
             </a:pPr>
             <a:r>
-              <a:rPr dirty="0" sz="2700" spc="-10" b="1">
+              <a:rPr sz="2700" b="1" spc="-10" dirty="0">
+                <a:solidFill>
+                  <a:schemeClr val="bg1"/>
+                </a:solidFill>
                 <a:latin typeface="Arial"/>
                 <a:cs typeface="Arial"/>
               </a:rPr>
               <a:t>Datalivery</a:t>
             </a:r>
-            <a:endParaRPr sz="2700">
+            <a:endParaRPr sz="2700" dirty="0">
+              <a:solidFill>
+                <a:schemeClr val="bg1"/>
+              </a:solidFill>
               <a:latin typeface="Arial"/>
               <a:cs typeface="Arial"/>
             </a:endParaRPr>
@@ -5843,314 +4922,456 @@
               </a:spcBef>
             </a:pPr>
             <a:r>
-              <a:rPr dirty="0" sz="1700" b="1">
+              <a:rPr sz="1700" b="1" dirty="0">
+                <a:solidFill>
+                  <a:schemeClr val="bg1"/>
+                </a:solidFill>
                 <a:latin typeface="Arial"/>
                 <a:cs typeface="Arial"/>
               </a:rPr>
               <a:t>Alunos:</a:t>
             </a:r>
             <a:r>
-              <a:rPr dirty="0" sz="1700" spc="45" b="1">
-                <a:latin typeface="Arial"/>
-                <a:cs typeface="Arial"/>
-              </a:rPr>
-              <a:t> </a:t>
-            </a:r>
-            <a:r>
-              <a:rPr dirty="0" sz="1700" b="1">
+              <a:rPr sz="1700" b="1" spc="45" dirty="0">
+                <a:solidFill>
+                  <a:schemeClr val="bg1"/>
+                </a:solidFill>
+                <a:latin typeface="Arial"/>
+                <a:cs typeface="Arial"/>
+              </a:rPr>
+              <a:t> </a:t>
+            </a:r>
+            <a:r>
+              <a:rPr sz="1700" b="1" dirty="0">
+                <a:solidFill>
+                  <a:schemeClr val="bg1"/>
+                </a:solidFill>
                 <a:latin typeface="Arial"/>
                 <a:cs typeface="Arial"/>
               </a:rPr>
               <a:t>Sátiro</a:t>
             </a:r>
             <a:r>
-              <a:rPr dirty="0" sz="1700" spc="40" b="1">
-                <a:latin typeface="Arial"/>
-                <a:cs typeface="Arial"/>
-              </a:rPr>
-              <a:t> </a:t>
-            </a:r>
-            <a:r>
-              <a:rPr dirty="0" sz="1700" b="1">
+              <a:rPr sz="1700" b="1" spc="40" dirty="0">
+                <a:solidFill>
+                  <a:schemeClr val="bg1"/>
+                </a:solidFill>
+                <a:latin typeface="Arial"/>
+                <a:cs typeface="Arial"/>
+              </a:rPr>
+              <a:t> </a:t>
+            </a:r>
+            <a:r>
+              <a:rPr sz="1700" b="1" dirty="0">
+                <a:solidFill>
+                  <a:schemeClr val="bg1"/>
+                </a:solidFill>
                 <a:latin typeface="Arial"/>
                 <a:cs typeface="Arial"/>
               </a:rPr>
               <a:t>Gabriel;</a:t>
             </a:r>
             <a:r>
-              <a:rPr dirty="0" sz="1700" spc="20" b="1">
-                <a:latin typeface="Arial"/>
-                <a:cs typeface="Arial"/>
-              </a:rPr>
-              <a:t> </a:t>
-            </a:r>
-            <a:r>
-              <a:rPr dirty="0" sz="1700" b="1">
+              <a:rPr sz="1700" b="1" spc="20" dirty="0">
+                <a:solidFill>
+                  <a:schemeClr val="bg1"/>
+                </a:solidFill>
+                <a:latin typeface="Arial"/>
+                <a:cs typeface="Arial"/>
+              </a:rPr>
+              <a:t> </a:t>
+            </a:r>
+            <a:r>
+              <a:rPr sz="1700" b="1" dirty="0">
+                <a:solidFill>
+                  <a:schemeClr val="bg1"/>
+                </a:solidFill>
                 <a:latin typeface="Arial"/>
                 <a:cs typeface="Arial"/>
               </a:rPr>
               <a:t>Beatriz</a:t>
             </a:r>
             <a:r>
-              <a:rPr dirty="0" sz="1700" spc="55" b="1">
-                <a:latin typeface="Arial"/>
-                <a:cs typeface="Arial"/>
-              </a:rPr>
-              <a:t> </a:t>
-            </a:r>
-            <a:r>
-              <a:rPr dirty="0" sz="1700" b="1">
+              <a:rPr sz="1700" b="1" spc="55" dirty="0">
+                <a:solidFill>
+                  <a:schemeClr val="bg1"/>
+                </a:solidFill>
+                <a:latin typeface="Arial"/>
+                <a:cs typeface="Arial"/>
+              </a:rPr>
+              <a:t> </a:t>
+            </a:r>
+            <a:r>
+              <a:rPr sz="1700" b="1" dirty="0">
+                <a:solidFill>
+                  <a:schemeClr val="bg1"/>
+                </a:solidFill>
                 <a:latin typeface="Arial"/>
                 <a:cs typeface="Arial"/>
               </a:rPr>
               <a:t>Rio</a:t>
             </a:r>
             <a:r>
-              <a:rPr dirty="0" sz="1700" spc="35" b="1">
-                <a:latin typeface="Arial"/>
-                <a:cs typeface="Arial"/>
-              </a:rPr>
-              <a:t> </a:t>
-            </a:r>
-            <a:r>
-              <a:rPr dirty="0" sz="1700" b="1">
+              <a:rPr sz="1700" b="1" spc="35" dirty="0">
+                <a:solidFill>
+                  <a:schemeClr val="bg1"/>
+                </a:solidFill>
+                <a:latin typeface="Arial"/>
+                <a:cs typeface="Arial"/>
+              </a:rPr>
+              <a:t> </a:t>
+            </a:r>
+            <a:r>
+              <a:rPr sz="1700" b="1" dirty="0">
+                <a:solidFill>
+                  <a:schemeClr val="bg1"/>
+                </a:solidFill>
                 <a:latin typeface="Arial"/>
                 <a:cs typeface="Arial"/>
               </a:rPr>
               <a:t>Branco;</a:t>
             </a:r>
             <a:r>
-              <a:rPr dirty="0" sz="1700" spc="30" b="1">
-                <a:latin typeface="Arial"/>
-                <a:cs typeface="Arial"/>
-              </a:rPr>
-              <a:t> </a:t>
-            </a:r>
-            <a:r>
-              <a:rPr dirty="0" sz="1700" b="1">
+              <a:rPr sz="1700" b="1" spc="30" dirty="0">
+                <a:solidFill>
+                  <a:schemeClr val="bg1"/>
+                </a:solidFill>
+                <a:latin typeface="Arial"/>
+                <a:cs typeface="Arial"/>
+              </a:rPr>
+              <a:t> </a:t>
+            </a:r>
+            <a:r>
+              <a:rPr sz="1700" b="1" dirty="0">
+                <a:solidFill>
+                  <a:schemeClr val="bg1"/>
+                </a:solidFill>
                 <a:latin typeface="Arial"/>
                 <a:cs typeface="Arial"/>
               </a:rPr>
               <a:t>Sabrinna</a:t>
             </a:r>
             <a:r>
-              <a:rPr dirty="0" sz="1700" spc="25" b="1">
-                <a:latin typeface="Arial"/>
-                <a:cs typeface="Arial"/>
-              </a:rPr>
-              <a:t> </a:t>
-            </a:r>
-            <a:r>
-              <a:rPr dirty="0" sz="1700" b="1">
+              <a:rPr sz="1700" b="1" spc="25" dirty="0">
+                <a:solidFill>
+                  <a:schemeClr val="bg1"/>
+                </a:solidFill>
+                <a:latin typeface="Arial"/>
+                <a:cs typeface="Arial"/>
+              </a:rPr>
+              <a:t> </a:t>
+            </a:r>
+            <a:r>
+              <a:rPr sz="1700" b="1" dirty="0">
+                <a:solidFill>
+                  <a:schemeClr val="bg1"/>
+                </a:solidFill>
                 <a:latin typeface="Arial"/>
                 <a:cs typeface="Arial"/>
               </a:rPr>
               <a:t>Vicente;</a:t>
             </a:r>
             <a:r>
-              <a:rPr dirty="0" sz="1700" spc="20" b="1">
-                <a:latin typeface="Arial"/>
-                <a:cs typeface="Arial"/>
-              </a:rPr>
-              <a:t> </a:t>
-            </a:r>
-            <a:r>
-              <a:rPr dirty="0" sz="1700" b="1">
+              <a:rPr sz="1700" b="1" spc="20" dirty="0">
+                <a:solidFill>
+                  <a:schemeClr val="bg1"/>
+                </a:solidFill>
+                <a:latin typeface="Arial"/>
+                <a:cs typeface="Arial"/>
+              </a:rPr>
+              <a:t> </a:t>
+            </a:r>
+            <a:r>
+              <a:rPr sz="1700" b="1" dirty="0">
+                <a:solidFill>
+                  <a:schemeClr val="bg1"/>
+                </a:solidFill>
                 <a:latin typeface="Arial"/>
                 <a:cs typeface="Arial"/>
               </a:rPr>
               <a:t>Rodrigo</a:t>
             </a:r>
             <a:r>
-              <a:rPr dirty="0" sz="1700" spc="40" b="1">
-                <a:latin typeface="Arial"/>
-                <a:cs typeface="Arial"/>
-              </a:rPr>
-              <a:t> </a:t>
-            </a:r>
-            <a:r>
-              <a:rPr dirty="0" sz="1700" spc="-20" b="1">
+              <a:rPr sz="1700" b="1" spc="40" dirty="0">
+                <a:solidFill>
+                  <a:schemeClr val="bg1"/>
+                </a:solidFill>
+                <a:latin typeface="Arial"/>
+                <a:cs typeface="Arial"/>
+              </a:rPr>
+              <a:t> </a:t>
+            </a:r>
+            <a:r>
+              <a:rPr sz="1700" b="1" spc="-20" dirty="0">
+                <a:solidFill>
+                  <a:schemeClr val="bg1"/>
+                </a:solidFill>
                 <a:latin typeface="Arial"/>
                 <a:cs typeface="Arial"/>
               </a:rPr>
               <a:t>Gama</a:t>
             </a:r>
-            <a:endParaRPr sz="1700">
+            <a:endParaRPr lang="pt-BR" sz="1700" spc="-20" dirty="0">
+              <a:solidFill>
+                <a:schemeClr val="bg1"/>
+              </a:solidFill>
               <a:latin typeface="Arial"/>
               <a:cs typeface="Arial"/>
             </a:endParaRPr>
           </a:p>
           <a:p>
-            <a:pPr marL="759460">
+            <a:pPr marL="12700">
               <a:lnSpc>
                 <a:spcPct val="100000"/>
               </a:lnSpc>
               <a:spcBef>
-                <a:spcPts val="820"/>
+                <a:spcPts val="380"/>
               </a:spcBef>
             </a:pPr>
             <a:r>
-              <a:rPr dirty="0" sz="1200" b="1">
-                <a:latin typeface="Arial"/>
-                <a:cs typeface="Arial"/>
-              </a:rPr>
-              <a:t>Professores:</a:t>
-            </a:r>
-            <a:r>
-              <a:rPr dirty="0" sz="1200" spc="90" b="1">
-                <a:latin typeface="Arial"/>
-                <a:cs typeface="Arial"/>
-              </a:rPr>
-              <a:t> </a:t>
-            </a:r>
-            <a:r>
-              <a:rPr dirty="0" sz="1200" b="1">
+              <a:rPr sz="1400" b="1" dirty="0" err="1">
+                <a:solidFill>
+                  <a:schemeClr val="bg1"/>
+                </a:solidFill>
+                <a:latin typeface="Arial"/>
+                <a:cs typeface="Arial"/>
+              </a:rPr>
+              <a:t>Professores</a:t>
+            </a:r>
+            <a:r>
+              <a:rPr sz="1400" b="1" dirty="0">
+                <a:solidFill>
+                  <a:schemeClr val="bg1"/>
+                </a:solidFill>
+                <a:latin typeface="Arial"/>
+                <a:cs typeface="Arial"/>
+              </a:rPr>
+              <a:t>:</a:t>
+            </a:r>
+            <a:r>
+              <a:rPr sz="1400" b="1" spc="90" dirty="0">
+                <a:solidFill>
+                  <a:schemeClr val="bg1"/>
+                </a:solidFill>
+                <a:latin typeface="Arial"/>
+                <a:cs typeface="Arial"/>
+              </a:rPr>
+              <a:t> </a:t>
+            </a:r>
+            <a:r>
+              <a:rPr sz="1400" b="1" dirty="0">
+                <a:solidFill>
+                  <a:schemeClr val="bg1"/>
+                </a:solidFill>
                 <a:latin typeface="Arial"/>
                 <a:cs typeface="Arial"/>
               </a:rPr>
               <a:t>Victor</a:t>
             </a:r>
             <a:r>
-              <a:rPr dirty="0" sz="1200" spc="90" b="1">
-                <a:latin typeface="Arial"/>
-                <a:cs typeface="Arial"/>
-              </a:rPr>
-              <a:t> </a:t>
-            </a:r>
-            <a:r>
-              <a:rPr dirty="0" sz="1200" b="1">
+              <a:rPr sz="1400" b="1" spc="90" dirty="0">
+                <a:solidFill>
+                  <a:schemeClr val="bg1"/>
+                </a:solidFill>
+                <a:latin typeface="Arial"/>
+                <a:cs typeface="Arial"/>
+              </a:rPr>
+              <a:t> </a:t>
+            </a:r>
+            <a:r>
+              <a:rPr sz="1400" b="1" dirty="0">
+                <a:solidFill>
+                  <a:schemeClr val="bg1"/>
+                </a:solidFill>
                 <a:latin typeface="Arial"/>
                 <a:cs typeface="Arial"/>
               </a:rPr>
               <a:t>Rosetti;</a:t>
             </a:r>
             <a:r>
-              <a:rPr dirty="0" sz="1200" spc="90" b="1">
-                <a:latin typeface="Arial"/>
-                <a:cs typeface="Arial"/>
-              </a:rPr>
-              <a:t> </a:t>
-            </a:r>
-            <a:r>
-              <a:rPr dirty="0" sz="1200" b="1">
+              <a:rPr sz="1400" b="1" spc="90" dirty="0">
+                <a:solidFill>
+                  <a:schemeClr val="bg1"/>
+                </a:solidFill>
+                <a:latin typeface="Arial"/>
+                <a:cs typeface="Arial"/>
+              </a:rPr>
+              <a:t> </a:t>
+            </a:r>
+            <a:r>
+              <a:rPr sz="1400" b="1" dirty="0">
+                <a:solidFill>
+                  <a:schemeClr val="bg1"/>
+                </a:solidFill>
                 <a:latin typeface="Arial"/>
                 <a:cs typeface="Arial"/>
               </a:rPr>
               <a:t>Rodrigo</a:t>
             </a:r>
             <a:r>
-              <a:rPr dirty="0" sz="1200" spc="105" b="1">
-                <a:latin typeface="Arial"/>
-                <a:cs typeface="Arial"/>
-              </a:rPr>
-              <a:t> </a:t>
-            </a:r>
-            <a:r>
-              <a:rPr dirty="0" sz="1200" b="1">
+              <a:rPr sz="1400" b="1" spc="105" dirty="0">
+                <a:solidFill>
+                  <a:schemeClr val="bg1"/>
+                </a:solidFill>
+                <a:latin typeface="Arial"/>
+                <a:cs typeface="Arial"/>
+              </a:rPr>
+              <a:t> </a:t>
+            </a:r>
+            <a:r>
+              <a:rPr sz="1400" b="1" dirty="0">
+                <a:solidFill>
+                  <a:schemeClr val="bg1"/>
+                </a:solidFill>
                 <a:latin typeface="Arial"/>
                 <a:cs typeface="Arial"/>
               </a:rPr>
               <a:t>da</a:t>
             </a:r>
             <a:r>
-              <a:rPr dirty="0" sz="1200" spc="95" b="1">
-                <a:latin typeface="Arial"/>
-                <a:cs typeface="Arial"/>
-              </a:rPr>
-              <a:t> </a:t>
-            </a:r>
-            <a:r>
-              <a:rPr dirty="0" sz="1200" b="1">
+              <a:rPr sz="1400" b="1" spc="95" dirty="0">
+                <a:solidFill>
+                  <a:schemeClr val="bg1"/>
+                </a:solidFill>
+                <a:latin typeface="Arial"/>
+                <a:cs typeface="Arial"/>
+              </a:rPr>
+              <a:t> </a:t>
+            </a:r>
+            <a:r>
+              <a:rPr sz="1400" b="1" dirty="0">
+                <a:solidFill>
+                  <a:schemeClr val="bg1"/>
+                </a:solidFill>
                 <a:latin typeface="Arial"/>
                 <a:cs typeface="Arial"/>
               </a:rPr>
               <a:t>Rosa;</a:t>
             </a:r>
             <a:r>
-              <a:rPr dirty="0" sz="1200" spc="90" b="1">
-                <a:latin typeface="Arial"/>
-                <a:cs typeface="Arial"/>
-              </a:rPr>
-              <a:t> </a:t>
-            </a:r>
-            <a:r>
-              <a:rPr dirty="0" sz="1200" b="1">
+              <a:rPr sz="1400" b="1" spc="90" dirty="0">
+                <a:solidFill>
+                  <a:schemeClr val="bg1"/>
+                </a:solidFill>
+                <a:latin typeface="Arial"/>
+                <a:cs typeface="Arial"/>
+              </a:rPr>
+              <a:t> </a:t>
+            </a:r>
+            <a:r>
+              <a:rPr sz="1400" b="1" dirty="0">
+                <a:solidFill>
+                  <a:schemeClr val="bg1"/>
+                </a:solidFill>
                 <a:latin typeface="Arial"/>
                 <a:cs typeface="Arial"/>
               </a:rPr>
               <a:t>Renata</a:t>
             </a:r>
             <a:r>
-              <a:rPr dirty="0" sz="1200" spc="55" b="1">
-                <a:latin typeface="Arial"/>
-                <a:cs typeface="Arial"/>
-              </a:rPr>
-              <a:t> </a:t>
-            </a:r>
-            <a:r>
-              <a:rPr dirty="0" sz="1200" b="1">
+              <a:rPr sz="1400" b="1" spc="55" dirty="0">
+                <a:solidFill>
+                  <a:schemeClr val="bg1"/>
+                </a:solidFill>
+                <a:latin typeface="Arial"/>
+                <a:cs typeface="Arial"/>
+              </a:rPr>
+              <a:t> </a:t>
+            </a:r>
+            <a:r>
+              <a:rPr sz="1400" b="1" dirty="0">
+                <a:solidFill>
+                  <a:schemeClr val="bg1"/>
+                </a:solidFill>
                 <a:latin typeface="Arial"/>
                 <a:cs typeface="Arial"/>
               </a:rPr>
               <a:t>Muniz;</a:t>
             </a:r>
             <a:r>
-              <a:rPr dirty="0" sz="1200" spc="95" b="1">
-                <a:latin typeface="Arial"/>
-                <a:cs typeface="Arial"/>
-              </a:rPr>
-              <a:t> </a:t>
-            </a:r>
-            <a:r>
-              <a:rPr dirty="0" sz="1200" b="1">
+              <a:rPr sz="1400" b="1" spc="95" dirty="0">
+                <a:solidFill>
+                  <a:schemeClr val="bg1"/>
+                </a:solidFill>
+                <a:latin typeface="Arial"/>
+                <a:cs typeface="Arial"/>
+              </a:rPr>
+              <a:t> </a:t>
+            </a:r>
+            <a:r>
+              <a:rPr sz="1400" b="1" dirty="0">
+                <a:solidFill>
+                  <a:schemeClr val="bg1"/>
+                </a:solidFill>
                 <a:latin typeface="Arial"/>
                 <a:cs typeface="Arial"/>
               </a:rPr>
               <a:t>Marcos</a:t>
             </a:r>
             <a:r>
-              <a:rPr dirty="0" sz="1200" spc="95" b="1">
-                <a:latin typeface="Arial"/>
-                <a:cs typeface="Arial"/>
-              </a:rPr>
-              <a:t> </a:t>
-            </a:r>
-            <a:r>
-              <a:rPr dirty="0" sz="1200" b="1">
+              <a:rPr sz="1400" b="1" spc="95" dirty="0">
+                <a:solidFill>
+                  <a:schemeClr val="bg1"/>
+                </a:solidFill>
+                <a:latin typeface="Arial"/>
+                <a:cs typeface="Arial"/>
+              </a:rPr>
+              <a:t> </a:t>
+            </a:r>
+            <a:r>
+              <a:rPr sz="1400" b="1" dirty="0">
+                <a:solidFill>
+                  <a:schemeClr val="bg1"/>
+                </a:solidFill>
                 <a:latin typeface="Arial"/>
                 <a:cs typeface="Arial"/>
               </a:rPr>
               <a:t>Minoru;</a:t>
             </a:r>
             <a:r>
-              <a:rPr dirty="0" sz="1200" spc="90" b="1">
-                <a:latin typeface="Arial"/>
-                <a:cs typeface="Arial"/>
-              </a:rPr>
-              <a:t> </a:t>
-            </a:r>
-            <a:r>
-              <a:rPr dirty="0" sz="1200" b="1">
+              <a:rPr sz="1400" b="1" spc="90" dirty="0">
+                <a:solidFill>
+                  <a:schemeClr val="bg1"/>
+                </a:solidFill>
+                <a:latin typeface="Arial"/>
+                <a:cs typeface="Arial"/>
+              </a:rPr>
+              <a:t> </a:t>
+            </a:r>
+            <a:r>
+              <a:rPr sz="1400" b="1" dirty="0">
+                <a:solidFill>
+                  <a:schemeClr val="bg1"/>
+                </a:solidFill>
                 <a:latin typeface="Arial"/>
                 <a:cs typeface="Arial"/>
               </a:rPr>
               <a:t>Rafael</a:t>
             </a:r>
             <a:r>
-              <a:rPr dirty="0" sz="1200" spc="85" b="1">
-                <a:latin typeface="Arial"/>
-                <a:cs typeface="Arial"/>
-              </a:rPr>
-              <a:t> </a:t>
-            </a:r>
-            <a:r>
-              <a:rPr dirty="0" sz="1200" spc="-10" b="1">
+              <a:rPr sz="1400" b="1" spc="85" dirty="0">
+                <a:solidFill>
+                  <a:schemeClr val="bg1"/>
+                </a:solidFill>
+                <a:latin typeface="Arial"/>
+                <a:cs typeface="Arial"/>
+              </a:rPr>
+              <a:t> </a:t>
+            </a:r>
+            <a:r>
+              <a:rPr sz="1400" b="1" spc="-10" dirty="0">
+                <a:solidFill>
+                  <a:schemeClr val="bg1"/>
+                </a:solidFill>
                 <a:latin typeface="Arial"/>
                 <a:cs typeface="Arial"/>
               </a:rPr>
               <a:t>Rosetti.</a:t>
             </a:r>
-            <a:endParaRPr sz="1200">
+            <a:endParaRPr sz="1400" dirty="0">
+              <a:solidFill>
+                <a:schemeClr val="bg1"/>
+              </a:solidFill>
               <a:latin typeface="Arial"/>
               <a:cs typeface="Arial"/>
             </a:endParaRPr>
@@ -6159,7 +5380,7 @@
       </p:sp>
       <p:sp>
         <p:nvSpPr>
-          <p:cNvPr id="9" name="object 9" descr=""/>
+          <p:cNvPr id="9" name="object 9"/>
           <p:cNvSpPr txBox="1"/>
           <p:nvPr/>
         </p:nvSpPr>
@@ -6173,12 +5394,12 @@
           </a:prstGeom>
         </p:spPr>
         <p:txBody>
-          <a:bodyPr wrap="square" lIns="0" tIns="12700" rIns="0" bIns="0" rtlCol="0" vert="horz">
+          <a:bodyPr vert="horz" wrap="square" lIns="0" tIns="12700" rIns="0" bIns="0" rtlCol="0">
             <a:spAutoFit/>
           </a:bodyPr>
           <a:lstStyle/>
           <a:p>
-            <a:pPr algn="just" marL="12700">
+            <a:pPr marL="12700" algn="just">
               <a:lnSpc>
                 <a:spcPct val="100000"/>
               </a:lnSpc>
@@ -6187,40 +5408,40 @@
               </a:spcBef>
             </a:pPr>
             <a:r>
-              <a:rPr dirty="0" sz="1850" b="1">
+              <a:rPr sz="1850" b="1" dirty="0">
                 <a:latin typeface="Arial"/>
                 <a:cs typeface="Arial"/>
               </a:rPr>
               <a:t>Futuro</a:t>
             </a:r>
             <a:r>
-              <a:rPr dirty="0" sz="1850" spc="30" b="1">
-                <a:latin typeface="Arial"/>
-                <a:cs typeface="Arial"/>
-              </a:rPr>
-              <a:t> </a:t>
-            </a:r>
-            <a:r>
-              <a:rPr dirty="0" sz="1850" b="1">
+              <a:rPr sz="1850" b="1" spc="30" dirty="0">
+                <a:latin typeface="Arial"/>
+                <a:cs typeface="Arial"/>
+              </a:rPr>
+              <a:t> </a:t>
+            </a:r>
+            <a:r>
+              <a:rPr sz="1850" b="1" dirty="0">
                 <a:latin typeface="Arial"/>
                 <a:cs typeface="Arial"/>
               </a:rPr>
               <a:t>do </a:t>
             </a:r>
             <a:r>
-              <a:rPr dirty="0" sz="1850" spc="-10" b="1">
+              <a:rPr sz="1850" b="1" spc="-10" dirty="0">
                 <a:latin typeface="Arial"/>
                 <a:cs typeface="Arial"/>
               </a:rPr>
               <a:t>projeto</a:t>
             </a:r>
-            <a:endParaRPr sz="1850">
+            <a:endParaRPr sz="1850" dirty="0">
               <a:latin typeface="Arial"/>
               <a:cs typeface="Arial"/>
             </a:endParaRPr>
           </a:p>
           <a:p>
-            <a:pPr algn="just" marL="12700" marR="5080">
+            <a:pPr marL="12700" marR="5080" algn="just">
               <a:lnSpc>
                 <a:spcPct val="100099"/>
               </a:lnSpc>
@@ -6229,594 +5450,608 @@
               </a:spcBef>
             </a:pPr>
             <a:r>
-              <a:rPr dirty="0" sz="1300" b="1">
+              <a:rPr lang="pt-BR" sz="1300" dirty="0">
+                <a:latin typeface="Arial"/>
+                <a:cs typeface="Arial"/>
+              </a:rPr>
+              <a:t>	</a:t>
+            </a:r>
+            <a:r>
+              <a:rPr sz="1300" dirty="0">
                 <a:latin typeface="Arial"/>
                 <a:cs typeface="Arial"/>
               </a:rPr>
               <a:t>O</a:t>
             </a:r>
             <a:r>
-              <a:rPr dirty="0" sz="1300" spc="40" b="1">
-                <a:latin typeface="Arial"/>
-                <a:cs typeface="Arial"/>
-              </a:rPr>
-              <a:t> </a:t>
-            </a:r>
-            <a:r>
-              <a:rPr dirty="0" sz="1300" b="1">
+              <a:rPr sz="1300" spc="40" dirty="0">
+                <a:latin typeface="Arial"/>
+                <a:cs typeface="Arial"/>
+              </a:rPr>
+              <a:t> </a:t>
+            </a:r>
+            <a:r>
+              <a:rPr sz="1300" dirty="0">
                 <a:latin typeface="Arial"/>
                 <a:cs typeface="Arial"/>
               </a:rPr>
               <a:t>futuro</a:t>
             </a:r>
             <a:r>
-              <a:rPr dirty="0" sz="1300" spc="60" b="1">
-                <a:latin typeface="Arial"/>
-                <a:cs typeface="Arial"/>
-              </a:rPr>
-              <a:t> </a:t>
-            </a:r>
-            <a:r>
-              <a:rPr dirty="0" sz="1300" b="1">
+              <a:rPr sz="1300" spc="60" dirty="0">
+                <a:latin typeface="Arial"/>
+                <a:cs typeface="Arial"/>
+              </a:rPr>
+              <a:t> </a:t>
+            </a:r>
+            <a:r>
+              <a:rPr sz="1300" dirty="0">
                 <a:latin typeface="Arial"/>
                 <a:cs typeface="Arial"/>
               </a:rPr>
               <a:t>que</a:t>
             </a:r>
             <a:r>
-              <a:rPr dirty="0" sz="1300" spc="35" b="1">
-                <a:latin typeface="Arial"/>
-                <a:cs typeface="Arial"/>
-              </a:rPr>
-              <a:t> </a:t>
-            </a:r>
-            <a:r>
-              <a:rPr dirty="0" sz="1300" b="1">
+              <a:rPr sz="1300" spc="35" dirty="0">
+                <a:latin typeface="Arial"/>
+                <a:cs typeface="Arial"/>
+              </a:rPr>
+              <a:t> </a:t>
+            </a:r>
+            <a:r>
+              <a:rPr sz="1300" dirty="0">
                 <a:latin typeface="Arial"/>
                 <a:cs typeface="Arial"/>
               </a:rPr>
               <a:t>vemos</a:t>
             </a:r>
             <a:r>
-              <a:rPr dirty="0" sz="1300" spc="40" b="1">
-                <a:latin typeface="Arial"/>
-                <a:cs typeface="Arial"/>
-              </a:rPr>
-              <a:t> </a:t>
-            </a:r>
-            <a:r>
-              <a:rPr dirty="0" sz="1300" b="1">
+              <a:rPr sz="1300" spc="40" dirty="0">
+                <a:latin typeface="Arial"/>
+                <a:cs typeface="Arial"/>
+              </a:rPr>
+              <a:t> </a:t>
+            </a:r>
+            <a:r>
+              <a:rPr sz="1300" dirty="0">
                 <a:latin typeface="Arial"/>
                 <a:cs typeface="Arial"/>
               </a:rPr>
               <a:t>para</a:t>
             </a:r>
             <a:r>
-              <a:rPr dirty="0" sz="1300" spc="55" b="1">
-                <a:latin typeface="Arial"/>
-                <a:cs typeface="Arial"/>
-              </a:rPr>
-              <a:t> </a:t>
-            </a:r>
-            <a:r>
-              <a:rPr dirty="0" sz="1300" b="1">
+              <a:rPr sz="1300" spc="55" dirty="0">
+                <a:latin typeface="Arial"/>
+                <a:cs typeface="Arial"/>
+              </a:rPr>
+              <a:t> </a:t>
+            </a:r>
+            <a:r>
+              <a:rPr sz="1300" dirty="0">
                 <a:latin typeface="Arial"/>
                 <a:cs typeface="Arial"/>
               </a:rPr>
               <a:t>a</a:t>
             </a:r>
             <a:r>
-              <a:rPr dirty="0" sz="1300" spc="45" b="1">
-                <a:latin typeface="Arial"/>
-                <a:cs typeface="Arial"/>
-              </a:rPr>
-              <a:t> </a:t>
-            </a:r>
-            <a:r>
-              <a:rPr dirty="0" sz="1300" b="1">
+              <a:rPr sz="1300" spc="45" dirty="0">
+                <a:latin typeface="Arial"/>
+                <a:cs typeface="Arial"/>
+              </a:rPr>
+              <a:t> </a:t>
+            </a:r>
+            <a:r>
+              <a:rPr sz="1300" dirty="0">
                 <a:latin typeface="Arial"/>
                 <a:cs typeface="Arial"/>
               </a:rPr>
               <a:t>Datalivery</a:t>
             </a:r>
             <a:r>
-              <a:rPr dirty="0" sz="1300" spc="55" b="1">
-                <a:latin typeface="Arial"/>
-                <a:cs typeface="Arial"/>
-              </a:rPr>
-              <a:t> </a:t>
-            </a:r>
-            <a:r>
-              <a:rPr dirty="0" sz="1300" b="1">
+              <a:rPr sz="1300" spc="55" dirty="0">
+                <a:latin typeface="Arial"/>
+                <a:cs typeface="Arial"/>
+              </a:rPr>
+              <a:t> </a:t>
+            </a:r>
+            <a:r>
+              <a:rPr sz="1300" dirty="0">
                 <a:latin typeface="Arial"/>
                 <a:cs typeface="Arial"/>
               </a:rPr>
               <a:t>é</a:t>
             </a:r>
             <a:r>
-              <a:rPr dirty="0" sz="1300" spc="50" b="1">
-                <a:latin typeface="Arial"/>
-                <a:cs typeface="Arial"/>
-              </a:rPr>
-              <a:t> </a:t>
-            </a:r>
-            <a:r>
-              <a:rPr dirty="0" sz="1300" b="1">
+              <a:rPr sz="1300" spc="50" dirty="0">
+                <a:latin typeface="Arial"/>
+                <a:cs typeface="Arial"/>
+              </a:rPr>
+              <a:t> </a:t>
+            </a:r>
+            <a:r>
+              <a:rPr sz="1300" dirty="0">
                 <a:latin typeface="Arial"/>
                 <a:cs typeface="Arial"/>
               </a:rPr>
               <a:t>promissor</a:t>
             </a:r>
             <a:r>
-              <a:rPr dirty="0" sz="1300" spc="55" b="1">
-                <a:latin typeface="Arial"/>
-                <a:cs typeface="Arial"/>
-              </a:rPr>
-              <a:t> </a:t>
-            </a:r>
-            <a:r>
-              <a:rPr dirty="0" sz="1300" b="1">
+              <a:rPr sz="1300" spc="55" dirty="0">
+                <a:latin typeface="Arial"/>
+                <a:cs typeface="Arial"/>
+              </a:rPr>
+              <a:t> </a:t>
+            </a:r>
+            <a:r>
+              <a:rPr sz="1300" dirty="0">
                 <a:latin typeface="Arial"/>
                 <a:cs typeface="Arial"/>
               </a:rPr>
               <a:t>e</a:t>
             </a:r>
             <a:r>
-              <a:rPr dirty="0" sz="1300" spc="50" b="1">
-                <a:latin typeface="Arial"/>
-                <a:cs typeface="Arial"/>
-              </a:rPr>
-              <a:t> </a:t>
-            </a:r>
-            <a:r>
-              <a:rPr dirty="0" sz="1300" b="1">
+              <a:rPr sz="1300" spc="50" dirty="0">
+                <a:latin typeface="Arial"/>
+                <a:cs typeface="Arial"/>
+              </a:rPr>
+              <a:t> </a:t>
+            </a:r>
+            <a:r>
+              <a:rPr sz="1300" dirty="0">
                 <a:latin typeface="Arial"/>
                 <a:cs typeface="Arial"/>
               </a:rPr>
               <a:t>voltado</a:t>
             </a:r>
             <a:r>
-              <a:rPr dirty="0" sz="1300" spc="55" b="1">
-                <a:latin typeface="Arial"/>
-                <a:cs typeface="Arial"/>
-              </a:rPr>
-              <a:t> </a:t>
-            </a:r>
-            <a:r>
-              <a:rPr dirty="0" sz="1300" b="1">
+              <a:rPr sz="1300" spc="55" dirty="0">
+                <a:latin typeface="Arial"/>
+                <a:cs typeface="Arial"/>
+              </a:rPr>
+              <a:t> </a:t>
+            </a:r>
+            <a:r>
+              <a:rPr sz="1300" dirty="0">
                 <a:latin typeface="Arial"/>
                 <a:cs typeface="Arial"/>
               </a:rPr>
               <a:t>para</a:t>
             </a:r>
             <a:r>
-              <a:rPr dirty="0" sz="1300" spc="55" b="1">
-                <a:latin typeface="Arial"/>
-                <a:cs typeface="Arial"/>
-              </a:rPr>
-              <a:t> </a:t>
-            </a:r>
-            <a:r>
-              <a:rPr dirty="0" sz="1300" b="1">
+              <a:rPr sz="1300" spc="55" dirty="0">
+                <a:latin typeface="Arial"/>
+                <a:cs typeface="Arial"/>
+              </a:rPr>
+              <a:t> </a:t>
+            </a:r>
+            <a:r>
+              <a:rPr sz="1300" dirty="0">
                 <a:latin typeface="Arial"/>
                 <a:cs typeface="Arial"/>
               </a:rPr>
               <a:t>a</a:t>
             </a:r>
             <a:r>
-              <a:rPr dirty="0" sz="1300" spc="45" b="1">
-                <a:latin typeface="Arial"/>
-                <a:cs typeface="Arial"/>
-              </a:rPr>
-              <a:t> </a:t>
-            </a:r>
-            <a:r>
-              <a:rPr dirty="0" sz="1300" spc="-10" b="1">
+              <a:rPr sz="1300" spc="45" dirty="0">
+                <a:latin typeface="Arial"/>
+                <a:cs typeface="Arial"/>
+              </a:rPr>
+              <a:t> </a:t>
+            </a:r>
+            <a:r>
+              <a:rPr sz="1300" spc="-10" dirty="0">
                 <a:latin typeface="Arial"/>
                 <a:cs typeface="Arial"/>
               </a:rPr>
               <a:t>evolução </a:t>
             </a:r>
             <a:r>
-              <a:rPr dirty="0" sz="1300" b="1">
+              <a:rPr sz="1300" dirty="0">
                 <a:latin typeface="Arial"/>
                 <a:cs typeface="Arial"/>
               </a:rPr>
               <a:t>contínua</a:t>
             </a:r>
             <a:r>
-              <a:rPr dirty="0" sz="1300" spc="150" b="1">
+              <a:rPr sz="1300" spc="150" dirty="0">
                 <a:latin typeface="Arial"/>
                 <a:cs typeface="Arial"/>
               </a:rPr>
               <a:t>  </a:t>
             </a:r>
             <a:r>
-              <a:rPr dirty="0" sz="1300" b="1">
+              <a:rPr sz="1300" dirty="0">
                 <a:latin typeface="Arial"/>
                 <a:cs typeface="Arial"/>
               </a:rPr>
               <a:t>da</a:t>
             </a:r>
             <a:r>
-              <a:rPr dirty="0" sz="1300" spc="145" b="1">
+              <a:rPr sz="1300" spc="145" dirty="0">
                 <a:latin typeface="Arial"/>
                 <a:cs typeface="Arial"/>
               </a:rPr>
               <a:t>  </a:t>
             </a:r>
             <a:r>
-              <a:rPr dirty="0" sz="1300" b="1">
+              <a:rPr sz="1300" dirty="0">
                 <a:latin typeface="Arial"/>
                 <a:cs typeface="Arial"/>
               </a:rPr>
               <a:t>análise</a:t>
             </a:r>
             <a:r>
-              <a:rPr dirty="0" sz="1300" spc="155" b="1">
+              <a:rPr sz="1300" spc="155" dirty="0">
                 <a:latin typeface="Arial"/>
                 <a:cs typeface="Arial"/>
               </a:rPr>
               <a:t>  </a:t>
             </a:r>
             <a:r>
-              <a:rPr dirty="0" sz="1300" b="1">
+              <a:rPr sz="1300" dirty="0">
                 <a:latin typeface="Arial"/>
                 <a:cs typeface="Arial"/>
               </a:rPr>
               <a:t>de</a:t>
             </a:r>
             <a:r>
-              <a:rPr dirty="0" sz="1300" spc="145" b="1">
+              <a:rPr sz="1300" spc="145" dirty="0">
                 <a:latin typeface="Arial"/>
                 <a:cs typeface="Arial"/>
               </a:rPr>
               <a:t>  </a:t>
             </a:r>
             <a:r>
-              <a:rPr dirty="0" sz="1300" b="1">
+              <a:rPr sz="1300" dirty="0">
                 <a:latin typeface="Arial"/>
                 <a:cs typeface="Arial"/>
               </a:rPr>
               <a:t>dados.</a:t>
             </a:r>
             <a:r>
-              <a:rPr dirty="0" sz="1300" spc="145" b="1">
+              <a:rPr sz="1300" spc="145" dirty="0">
                 <a:latin typeface="Arial"/>
                 <a:cs typeface="Arial"/>
               </a:rPr>
               <a:t>  </a:t>
             </a:r>
             <a:r>
-              <a:rPr dirty="0" sz="1300" b="1">
+              <a:rPr sz="1300" dirty="0">
                 <a:latin typeface="Arial"/>
                 <a:cs typeface="Arial"/>
               </a:rPr>
               <a:t>Nosso</a:t>
             </a:r>
             <a:r>
-              <a:rPr dirty="0" sz="1300" spc="145" b="1">
+              <a:rPr sz="1300" spc="145" dirty="0">
                 <a:latin typeface="Arial"/>
                 <a:cs typeface="Arial"/>
               </a:rPr>
               <a:t>  </a:t>
             </a:r>
             <a:r>
-              <a:rPr dirty="0" sz="1300" b="1">
+              <a:rPr sz="1300" dirty="0">
                 <a:latin typeface="Arial"/>
                 <a:cs typeface="Arial"/>
               </a:rPr>
               <a:t>próximo</a:t>
             </a:r>
             <a:r>
-              <a:rPr dirty="0" sz="1300" spc="140" b="1">
+              <a:rPr sz="1300" spc="140" dirty="0">
                 <a:latin typeface="Arial"/>
                 <a:cs typeface="Arial"/>
               </a:rPr>
               <a:t>  </a:t>
             </a:r>
             <a:r>
-              <a:rPr dirty="0" sz="1300" b="1">
+              <a:rPr sz="1300" dirty="0">
                 <a:latin typeface="Arial"/>
                 <a:cs typeface="Arial"/>
               </a:rPr>
               <a:t>passo</a:t>
             </a:r>
             <a:r>
-              <a:rPr dirty="0" sz="1300" spc="155" b="1">
+              <a:rPr sz="1300" spc="155" dirty="0">
                 <a:latin typeface="Arial"/>
                 <a:cs typeface="Arial"/>
               </a:rPr>
               <a:t>  </a:t>
             </a:r>
             <a:r>
-              <a:rPr dirty="0" sz="1300" b="1">
+              <a:rPr sz="1300" dirty="0">
                 <a:latin typeface="Arial"/>
                 <a:cs typeface="Arial"/>
               </a:rPr>
               <a:t>é</a:t>
             </a:r>
             <a:r>
-              <a:rPr dirty="0" sz="1300" spc="150" b="1">
+              <a:rPr sz="1300" spc="150" dirty="0">
                 <a:latin typeface="Arial"/>
                 <a:cs typeface="Arial"/>
               </a:rPr>
               <a:t>  </a:t>
             </a:r>
             <a:r>
-              <a:rPr dirty="0" sz="1300" b="1">
+              <a:rPr sz="1300" dirty="0">
                 <a:latin typeface="Arial"/>
                 <a:cs typeface="Arial"/>
               </a:rPr>
               <a:t>expandir</a:t>
             </a:r>
             <a:r>
-              <a:rPr dirty="0" sz="1300" spc="155" b="1">
+              <a:rPr sz="1300" spc="155" dirty="0">
                 <a:latin typeface="Arial"/>
                 <a:cs typeface="Arial"/>
               </a:rPr>
               <a:t>  </a:t>
             </a:r>
             <a:r>
-              <a:rPr dirty="0" sz="1300" spc="-25" b="1">
+              <a:rPr sz="1300" spc="-25" dirty="0">
                 <a:latin typeface="Arial"/>
                 <a:cs typeface="Arial"/>
               </a:rPr>
               <a:t>as </a:t>
             </a:r>
             <a:r>
-              <a:rPr dirty="0" sz="1300" b="1">
+              <a:rPr sz="1300" dirty="0">
                 <a:latin typeface="Arial"/>
                 <a:cs typeface="Arial"/>
               </a:rPr>
               <a:t>funcionalidades</a:t>
             </a:r>
             <a:r>
-              <a:rPr dirty="0" sz="1300" spc="484" b="1">
+              <a:rPr sz="1300" spc="484" dirty="0">
                 <a:latin typeface="Arial"/>
                 <a:cs typeface="Arial"/>
               </a:rPr>
               <a:t>  </a:t>
             </a:r>
             <a:r>
-              <a:rPr dirty="0" sz="1300" b="1">
+              <a:rPr sz="1300" dirty="0">
                 <a:latin typeface="Arial"/>
                 <a:cs typeface="Arial"/>
               </a:rPr>
               <a:t>da</a:t>
             </a:r>
             <a:r>
-              <a:rPr dirty="0" sz="1300" spc="484" b="1">
+              <a:rPr sz="1300" spc="484" dirty="0">
                 <a:latin typeface="Arial"/>
                 <a:cs typeface="Arial"/>
               </a:rPr>
               <a:t>  </a:t>
             </a:r>
             <a:r>
-              <a:rPr dirty="0" sz="1300" b="1">
+              <a:rPr sz="1300" dirty="0">
                 <a:latin typeface="Arial"/>
                 <a:cs typeface="Arial"/>
               </a:rPr>
               <a:t>plataforma,</a:t>
             </a:r>
             <a:r>
-              <a:rPr dirty="0" sz="1300" spc="484" b="1">
+              <a:rPr sz="1300" spc="484" dirty="0">
                 <a:latin typeface="Arial"/>
                 <a:cs typeface="Arial"/>
               </a:rPr>
               <a:t>  </a:t>
             </a:r>
             <a:r>
-              <a:rPr dirty="0" sz="1300" spc="-10" b="1">
+              <a:rPr sz="1300" spc="-10" dirty="0">
                 <a:latin typeface="Arial"/>
                 <a:cs typeface="Arial"/>
               </a:rPr>
               <a:t>tornando-</a:t>
             </a:r>
             <a:r>
-              <a:rPr dirty="0" sz="1300" b="1">
+              <a:rPr sz="1300" dirty="0">
                 <a:latin typeface="Arial"/>
                 <a:cs typeface="Arial"/>
               </a:rPr>
               <a:t>a</a:t>
             </a:r>
             <a:r>
-              <a:rPr dirty="0" sz="1300" spc="484" b="1">
+              <a:rPr sz="1300" spc="484" dirty="0">
                 <a:latin typeface="Arial"/>
                 <a:cs typeface="Arial"/>
               </a:rPr>
               <a:t>  </a:t>
             </a:r>
             <a:r>
-              <a:rPr dirty="0" sz="1300" b="1">
+              <a:rPr sz="1300" dirty="0">
                 <a:latin typeface="Arial"/>
                 <a:cs typeface="Arial"/>
               </a:rPr>
               <a:t>ainda</a:t>
             </a:r>
             <a:r>
-              <a:rPr dirty="0" sz="1300" spc="484" b="1">
+              <a:rPr sz="1300" spc="484" dirty="0">
                 <a:latin typeface="Arial"/>
                 <a:cs typeface="Arial"/>
               </a:rPr>
               <a:t>  </a:t>
             </a:r>
             <a:r>
-              <a:rPr dirty="0" sz="1300" b="1">
+              <a:rPr sz="1300" dirty="0">
                 <a:latin typeface="Arial"/>
                 <a:cs typeface="Arial"/>
               </a:rPr>
               <a:t>mais</a:t>
             </a:r>
             <a:r>
-              <a:rPr dirty="0" sz="1300" spc="490" b="1">
+              <a:rPr sz="1300" spc="490" dirty="0">
                 <a:latin typeface="Arial"/>
                 <a:cs typeface="Arial"/>
               </a:rPr>
               <a:t>  </a:t>
             </a:r>
             <a:r>
-              <a:rPr dirty="0" sz="1300" spc="-10" b="1">
+              <a:rPr sz="1300" spc="-10" dirty="0">
                 <a:latin typeface="Arial"/>
                 <a:cs typeface="Arial"/>
               </a:rPr>
               <a:t>completa, </a:t>
             </a:r>
             <a:r>
-              <a:rPr dirty="0" sz="1300" b="1">
+              <a:rPr sz="1300" dirty="0">
                 <a:latin typeface="Arial"/>
                 <a:cs typeface="Arial"/>
               </a:rPr>
               <a:t>automatizada</a:t>
             </a:r>
             <a:r>
-              <a:rPr dirty="0" sz="1300" spc="35" b="1">
-                <a:latin typeface="Arial"/>
-                <a:cs typeface="Arial"/>
-              </a:rPr>
-              <a:t> </a:t>
-            </a:r>
-            <a:r>
-              <a:rPr dirty="0" sz="1300" b="1">
+              <a:rPr sz="1300" spc="35" dirty="0">
+                <a:latin typeface="Arial"/>
+                <a:cs typeface="Arial"/>
+              </a:rPr>
+              <a:t> </a:t>
+            </a:r>
+            <a:r>
+              <a:rPr sz="1300" dirty="0">
                 <a:latin typeface="Arial"/>
                 <a:cs typeface="Arial"/>
               </a:rPr>
               <a:t>e</a:t>
             </a:r>
             <a:r>
-              <a:rPr dirty="0" sz="1300" spc="25" b="1">
-                <a:latin typeface="Arial"/>
-                <a:cs typeface="Arial"/>
-              </a:rPr>
-              <a:t> </a:t>
-            </a:r>
-            <a:r>
-              <a:rPr dirty="0" sz="1300" b="1">
+              <a:rPr sz="1300" spc="25" dirty="0">
+                <a:latin typeface="Arial"/>
+                <a:cs typeface="Arial"/>
+              </a:rPr>
+              <a:t> </a:t>
+            </a:r>
+            <a:r>
+              <a:rPr sz="1300" dirty="0">
                 <a:latin typeface="Arial"/>
                 <a:cs typeface="Arial"/>
               </a:rPr>
               <a:t>integrada</a:t>
             </a:r>
             <a:r>
-              <a:rPr dirty="0" sz="1300" spc="15" b="1">
-                <a:latin typeface="Arial"/>
-                <a:cs typeface="Arial"/>
-              </a:rPr>
-              <a:t> </a:t>
-            </a:r>
-            <a:r>
-              <a:rPr dirty="0" sz="1300" b="1">
+              <a:rPr sz="1300" spc="15" dirty="0">
+                <a:latin typeface="Arial"/>
+                <a:cs typeface="Arial"/>
+              </a:rPr>
+              <a:t> </a:t>
+            </a:r>
+            <a:r>
+              <a:rPr sz="1300" dirty="0">
                 <a:latin typeface="Arial"/>
                 <a:cs typeface="Arial"/>
               </a:rPr>
               <a:t>com</a:t>
             </a:r>
             <a:r>
-              <a:rPr dirty="0" sz="1300" spc="15" b="1">
-                <a:latin typeface="Arial"/>
-                <a:cs typeface="Arial"/>
-              </a:rPr>
-              <a:t> </a:t>
-            </a:r>
-            <a:r>
-              <a:rPr dirty="0" sz="1300" b="1">
+              <a:rPr sz="1300" spc="15" dirty="0">
+                <a:latin typeface="Arial"/>
+                <a:cs typeface="Arial"/>
+              </a:rPr>
+              <a:t> </a:t>
+            </a:r>
+            <a:r>
+              <a:rPr sz="1300" dirty="0">
                 <a:latin typeface="Arial"/>
                 <a:cs typeface="Arial"/>
               </a:rPr>
               <a:t>as</a:t>
             </a:r>
             <a:r>
-              <a:rPr dirty="0" sz="1300" spc="20" b="1">
-                <a:latin typeface="Arial"/>
-                <a:cs typeface="Arial"/>
-              </a:rPr>
-              <a:t> </a:t>
-            </a:r>
-            <a:r>
-              <a:rPr dirty="0" sz="1300" b="1">
+              <a:rPr sz="1300" spc="20" dirty="0">
+                <a:latin typeface="Arial"/>
+                <a:cs typeface="Arial"/>
+              </a:rPr>
+              <a:t> </a:t>
+            </a:r>
+            <a:r>
+              <a:rPr sz="1300" dirty="0">
                 <a:latin typeface="Arial"/>
                 <a:cs typeface="Arial"/>
               </a:rPr>
               <a:t>principais</a:t>
             </a:r>
             <a:r>
-              <a:rPr dirty="0" sz="1300" spc="20" b="1">
-                <a:latin typeface="Arial"/>
-                <a:cs typeface="Arial"/>
-              </a:rPr>
-              <a:t> </a:t>
-            </a:r>
-            <a:r>
-              <a:rPr dirty="0" sz="1300" b="1">
+              <a:rPr sz="1300" spc="20" dirty="0">
+                <a:latin typeface="Arial"/>
+                <a:cs typeface="Arial"/>
+              </a:rPr>
+              <a:t> </a:t>
+            </a:r>
+            <a:r>
+              <a:rPr sz="1300" dirty="0">
                 <a:latin typeface="Arial"/>
                 <a:cs typeface="Arial"/>
               </a:rPr>
               <a:t>ferramentas</a:t>
             </a:r>
             <a:r>
-              <a:rPr dirty="0" sz="1300" spc="35" b="1">
-                <a:latin typeface="Arial"/>
-                <a:cs typeface="Arial"/>
-              </a:rPr>
-              <a:t> </a:t>
-            </a:r>
-            <a:r>
-              <a:rPr dirty="0" sz="1300" b="1">
+              <a:rPr sz="1300" spc="35" dirty="0">
+                <a:latin typeface="Arial"/>
+                <a:cs typeface="Arial"/>
+              </a:rPr>
+              <a:t> </a:t>
+            </a:r>
+            <a:r>
+              <a:rPr sz="1300" dirty="0">
                 <a:latin typeface="Arial"/>
                 <a:cs typeface="Arial"/>
               </a:rPr>
               <a:t>de</a:t>
             </a:r>
             <a:r>
-              <a:rPr dirty="0" sz="1300" spc="20" b="1">
-                <a:latin typeface="Arial"/>
-                <a:cs typeface="Arial"/>
-              </a:rPr>
-              <a:t> </a:t>
-            </a:r>
-            <a:r>
-              <a:rPr dirty="0" sz="1300" b="1">
+              <a:rPr sz="1300" spc="20" dirty="0">
+                <a:latin typeface="Arial"/>
+                <a:cs typeface="Arial"/>
+              </a:rPr>
+              <a:t> </a:t>
+            </a:r>
+            <a:r>
+              <a:rPr sz="1300" dirty="0">
                 <a:latin typeface="Arial"/>
                 <a:cs typeface="Arial"/>
               </a:rPr>
               <a:t>gestão</a:t>
             </a:r>
             <a:r>
-              <a:rPr dirty="0" sz="1300" spc="25" b="1">
-                <a:latin typeface="Arial"/>
-                <a:cs typeface="Arial"/>
-              </a:rPr>
-              <a:t> </a:t>
-            </a:r>
-            <a:r>
-              <a:rPr dirty="0" sz="1300" spc="-10" b="1">
+              <a:rPr sz="1300" spc="25" dirty="0">
+                <a:latin typeface="Arial"/>
+                <a:cs typeface="Arial"/>
+              </a:rPr>
+              <a:t> </a:t>
+            </a:r>
+            <a:r>
+              <a:rPr sz="1300" spc="-10" dirty="0">
                 <a:latin typeface="Arial"/>
                 <a:cs typeface="Arial"/>
               </a:rPr>
               <a:t>utilizadas </a:t>
             </a:r>
             <a:r>
-              <a:rPr dirty="0" sz="1300" b="1">
+              <a:rPr sz="1300" dirty="0">
                 <a:latin typeface="Arial"/>
                 <a:cs typeface="Arial"/>
               </a:rPr>
               <a:t>pelas</a:t>
             </a:r>
             <a:r>
-              <a:rPr dirty="0" sz="1300" spc="-25" b="1">
-                <a:latin typeface="Arial"/>
-                <a:cs typeface="Arial"/>
-              </a:rPr>
-              <a:t> </a:t>
-            </a:r>
-            <a:r>
-              <a:rPr dirty="0" sz="1300" spc="-10" b="1">
-                <a:latin typeface="Arial"/>
-                <a:cs typeface="Arial"/>
-              </a:rPr>
-              <a:t>empresas.</a:t>
-            </a:r>
-            <a:endParaRPr sz="1300">
+              <a:rPr sz="1300" spc="-25" dirty="0">
+                <a:latin typeface="Arial"/>
+                <a:cs typeface="Arial"/>
+              </a:rPr>
+              <a:t> </a:t>
+            </a:r>
+            <a:r>
+              <a:rPr sz="1300" spc="-10" dirty="0">
+                <a:latin typeface="Arial"/>
+                <a:cs typeface="Arial"/>
+              </a:rPr>
+              <a:t>empresas</a:t>
+            </a:r>
+            <a:r>
+              <a:rPr sz="1300" b="1" spc="-10" dirty="0">
+                <a:latin typeface="Arial"/>
+                <a:cs typeface="Arial"/>
+              </a:rPr>
+              <a:t>.</a:t>
+            </a:r>
+            <a:endParaRPr sz="1300" dirty="0">
               <a:latin typeface="Arial"/>
               <a:cs typeface="Arial"/>
             </a:endParaRPr>
@@ -6825,7 +6060,7 @@
       </p:sp>
       <p:sp>
         <p:nvSpPr>
-          <p:cNvPr id="10" name="object 10" descr=""/>
+          <p:cNvPr id="10" name="object 10"/>
           <p:cNvSpPr txBox="1"/>
           <p:nvPr/>
         </p:nvSpPr>
@@ -6839,7 +6074,7 @@
           </a:prstGeom>
         </p:spPr>
         <p:txBody>
-          <a:bodyPr wrap="square" lIns="0" tIns="15240" rIns="0" bIns="0" rtlCol="0" vert="horz">
+          <a:bodyPr vert="horz" wrap="square" lIns="0" tIns="15240" rIns="0" bIns="0" rtlCol="0">
             <a:spAutoFit/>
           </a:bodyPr>
           <a:lstStyle/>
@@ -6853,69 +6088,69 @@
               </a:spcBef>
             </a:pPr>
             <a:r>
-              <a:rPr dirty="0" sz="2700" b="1">
+              <a:rPr sz="2700" b="1" dirty="0">
                 <a:latin typeface="Arial"/>
                 <a:cs typeface="Arial"/>
               </a:rPr>
               <a:t>Imagens</a:t>
             </a:r>
             <a:r>
-              <a:rPr dirty="0" sz="2700" spc="-5" b="1">
-                <a:latin typeface="Arial"/>
-                <a:cs typeface="Arial"/>
-              </a:rPr>
-              <a:t> </a:t>
-            </a:r>
-            <a:r>
-              <a:rPr dirty="0" sz="2700" b="1">
+              <a:rPr sz="2700" b="1" spc="-5" dirty="0">
+                <a:latin typeface="Arial"/>
+                <a:cs typeface="Arial"/>
+              </a:rPr>
+              <a:t> </a:t>
+            </a:r>
+            <a:r>
+              <a:rPr sz="2700" b="1" dirty="0">
                 <a:latin typeface="Arial"/>
                 <a:cs typeface="Arial"/>
               </a:rPr>
               <a:t>e</a:t>
             </a:r>
             <a:r>
-              <a:rPr dirty="0" sz="2700" spc="5" b="1">
-                <a:latin typeface="Arial"/>
-                <a:cs typeface="Arial"/>
-              </a:rPr>
-              <a:t> </a:t>
-            </a:r>
-            <a:r>
-              <a:rPr dirty="0" sz="2700" b="1">
+              <a:rPr sz="2700" b="1" spc="5" dirty="0">
+                <a:latin typeface="Arial"/>
+                <a:cs typeface="Arial"/>
+              </a:rPr>
+              <a:t> </a:t>
+            </a:r>
+            <a:r>
+              <a:rPr sz="2700" b="1" dirty="0">
                 <a:latin typeface="Arial"/>
                 <a:cs typeface="Arial"/>
               </a:rPr>
               <a:t>ferramentas</a:t>
             </a:r>
             <a:r>
-              <a:rPr dirty="0" sz="2700" spc="5" b="1">
-                <a:latin typeface="Arial"/>
-                <a:cs typeface="Arial"/>
-              </a:rPr>
-              <a:t> </a:t>
-            </a:r>
-            <a:r>
-              <a:rPr dirty="0" sz="2700" b="1">
+              <a:rPr sz="2700" b="1" spc="5" dirty="0">
+                <a:latin typeface="Arial"/>
+                <a:cs typeface="Arial"/>
+              </a:rPr>
+              <a:t> </a:t>
+            </a:r>
+            <a:r>
+              <a:rPr sz="2700" b="1" dirty="0">
                 <a:latin typeface="Arial"/>
                 <a:cs typeface="Arial"/>
               </a:rPr>
               <a:t>do</a:t>
             </a:r>
             <a:r>
-              <a:rPr dirty="0" sz="2700" spc="-5" b="1">
-                <a:latin typeface="Arial"/>
-                <a:cs typeface="Arial"/>
-              </a:rPr>
-              <a:t> </a:t>
-            </a:r>
-            <a:r>
-              <a:rPr dirty="0" sz="2700" spc="-10" b="1">
+              <a:rPr sz="2700" b="1" spc="-5" dirty="0">
+                <a:latin typeface="Arial"/>
+                <a:cs typeface="Arial"/>
+              </a:rPr>
+              <a:t> </a:t>
+            </a:r>
+            <a:r>
+              <a:rPr sz="2700" b="1" spc="-10" dirty="0">
                 <a:latin typeface="Arial"/>
                 <a:cs typeface="Arial"/>
               </a:rPr>
               <a:t>Projeto</a:t>
             </a:r>
-            <a:endParaRPr sz="2700">
+            <a:endParaRPr sz="2700" dirty="0">
               <a:latin typeface="Arial"/>
               <a:cs typeface="Arial"/>
             </a:endParaRPr>
@@ -6924,7 +6159,7 @@
       </p:sp>
       <p:sp>
         <p:nvSpPr>
-          <p:cNvPr id="11" name="object 11" descr=""/>
+          <p:cNvPr id="11" name="object 11"/>
           <p:cNvSpPr/>
           <p:nvPr/>
         </p:nvSpPr>
@@ -6976,12 +6211,14 @@
         <p:txBody>
           <a:bodyPr wrap="square" lIns="0" tIns="0" rIns="0" bIns="0" rtlCol="0"/>
           <a:lstStyle/>
-          <a:p/>
+          <a:p>
+            <a:endParaRPr/>
+          </a:p>
         </p:txBody>
       </p:sp>
       <p:grpSp>
         <p:nvGrpSpPr>
-          <p:cNvPr id="12" name="object 12" descr=""/>
+          <p:cNvPr id="12" name="object 12"/>
           <p:cNvGrpSpPr/>
           <p:nvPr/>
         </p:nvGrpSpPr>
@@ -7061,7 +6298,7 @@
         </p:pic>
         <p:sp>
           <p:nvSpPr>
-            <p:cNvPr id="16" name="object 16" descr=""/>
+            <p:cNvPr id="16" name="object 16"/>
             <p:cNvSpPr/>
             <p:nvPr/>
           </p:nvSpPr>
@@ -7164,12 +6401,14 @@
           <p:txBody>
             <a:bodyPr wrap="square" lIns="0" tIns="0" rIns="0" bIns="0" rtlCol="0"/>
             <a:lstStyle/>
-            <a:p/>
+            <a:p>
+              <a:endParaRPr/>
+            </a:p>
           </p:txBody>
         </p:sp>
         <p:sp>
           <p:nvSpPr>
-            <p:cNvPr id="17" name="object 17" descr=""/>
+            <p:cNvPr id="17" name="object 17"/>
             <p:cNvSpPr/>
             <p:nvPr/>
           </p:nvSpPr>
@@ -7212,12 +6451,14 @@
           <p:txBody>
             <a:bodyPr wrap="square" lIns="0" tIns="0" rIns="0" bIns="0" rtlCol="0"/>
             <a:lstStyle/>
-            <a:p/>
+            <a:p>
+              <a:endParaRPr/>
+            </a:p>
           </p:txBody>
         </p:sp>
         <p:sp>
           <p:nvSpPr>
-            <p:cNvPr id="18" name="object 18" descr=""/>
+            <p:cNvPr id="18" name="object 18"/>
             <p:cNvSpPr/>
             <p:nvPr/>
           </p:nvSpPr>
@@ -7298,12 +6539,14 @@
           <p:txBody>
             <a:bodyPr wrap="square" lIns="0" tIns="0" rIns="0" bIns="0" rtlCol="0"/>
             <a:lstStyle/>
-            <a:p/>
+            <a:p>
+              <a:endParaRPr/>
+            </a:p>
           </p:txBody>
         </p:sp>
         <p:sp>
           <p:nvSpPr>
-            <p:cNvPr id="19" name="object 19" descr=""/>
+            <p:cNvPr id="19" name="object 19"/>
             <p:cNvSpPr/>
             <p:nvPr/>
           </p:nvSpPr>
@@ -7436,12 +6679,14 @@
           <p:txBody>
             <a:bodyPr wrap="square" lIns="0" tIns="0" rIns="0" bIns="0" rtlCol="0"/>
             <a:lstStyle/>
-            <a:p/>
+            <a:p>
+              <a:endParaRPr/>
+            </a:p>
           </p:txBody>
         </p:sp>
         <p:sp>
           <p:nvSpPr>
-            <p:cNvPr id="20" name="object 20" descr=""/>
+            <p:cNvPr id="20" name="object 20"/>
             <p:cNvSpPr/>
             <p:nvPr/>
           </p:nvSpPr>
@@ -7520,12 +6765,14 @@
           <p:txBody>
             <a:bodyPr wrap="square" lIns="0" tIns="0" rIns="0" bIns="0" rtlCol="0"/>
             <a:lstStyle/>
-            <a:p/>
+            <a:p>
+              <a:endParaRPr/>
+            </a:p>
           </p:txBody>
         </p:sp>
         <p:sp>
           <p:nvSpPr>
-            <p:cNvPr id="21" name="object 21" descr=""/>
+            <p:cNvPr id="21" name="object 21"/>
             <p:cNvSpPr/>
             <p:nvPr/>
           </p:nvSpPr>
@@ -7604,12 +6851,14 @@
           <p:txBody>
             <a:bodyPr wrap="square" lIns="0" tIns="0" rIns="0" bIns="0" rtlCol="0"/>
             <a:lstStyle/>
-            <a:p/>
+            <a:p>
+              <a:endParaRPr/>
+            </a:p>
           </p:txBody>
         </p:sp>
         <p:sp>
           <p:nvSpPr>
-            <p:cNvPr id="22" name="object 22" descr=""/>
+            <p:cNvPr id="22" name="object 22"/>
             <p:cNvSpPr/>
             <p:nvPr/>
           </p:nvSpPr>
@@ -7688,12 +6937,14 @@
           <p:txBody>
             <a:bodyPr wrap="square" lIns="0" tIns="0" rIns="0" bIns="0" rtlCol="0"/>
             <a:lstStyle/>
-            <a:p/>
+            <a:p>
+              <a:endParaRPr/>
+            </a:p>
           </p:txBody>
         </p:sp>
         <p:sp>
           <p:nvSpPr>
-            <p:cNvPr id="23" name="object 23" descr=""/>
+            <p:cNvPr id="23" name="object 23"/>
             <p:cNvSpPr/>
             <p:nvPr/>
           </p:nvSpPr>
@@ -8471,7 +7722,9 @@
           <p:txBody>
             <a:bodyPr wrap="square" lIns="0" tIns="0" rIns="0" bIns="0" rtlCol="0"/>
             <a:lstStyle/>
-            <a:p/>
+            <a:p>
+              <a:endParaRPr/>
+            </a:p>
           </p:txBody>
         </p:sp>
         <p:pic>
@@ -8543,7 +7796,7 @@
       </p:grpSp>
       <p:grpSp>
         <p:nvGrpSpPr>
-          <p:cNvPr id="27" name="object 27" descr=""/>
+          <p:cNvPr id="27" name="object 27"/>
           <p:cNvGrpSpPr/>
           <p:nvPr/>
         </p:nvGrpSpPr>
@@ -8601,7 +7854,7 @@
         </p:pic>
         <p:pic>
           <p:nvPicPr>
-            <p:cNvPr id="30" name="object 30" descr=""/>
+            <p:cNvPr id="30" name="object 30"/>
             <p:cNvPicPr/>
             <p:nvPr/>
           </p:nvPicPr>
@@ -8623,7 +7876,7 @@
         </p:pic>
         <p:pic>
           <p:nvPicPr>
-            <p:cNvPr id="31" name="object 31" descr=""/>
+            <p:cNvPr id="31" name="object 31"/>
             <p:cNvPicPr/>
             <p:nvPr/>
           </p:nvPicPr>
@@ -8645,7 +7898,7 @@
         </p:pic>
         <p:pic>
           <p:nvPicPr>
-            <p:cNvPr id="32" name="object 32" descr=""/>
+            <p:cNvPr id="32" name="object 32"/>
             <p:cNvPicPr/>
             <p:nvPr/>
           </p:nvPicPr>
@@ -8667,7 +7920,7 @@
         </p:pic>
         <p:pic>
           <p:nvPicPr>
-            <p:cNvPr id="33" name="object 33" descr=""/>
+            <p:cNvPr id="33" name="object 33"/>
             <p:cNvPicPr/>
             <p:nvPr/>
           </p:nvPicPr>
@@ -8689,7 +7942,7 @@
         </p:pic>
         <p:pic>
           <p:nvPicPr>
-            <p:cNvPr id="34" name="object 34" descr=""/>
+            <p:cNvPr id="34" name="object 34"/>
             <p:cNvPicPr/>
             <p:nvPr/>
           </p:nvPicPr>
@@ -8711,7 +7964,7 @@
         </p:pic>
         <p:pic>
           <p:nvPicPr>
-            <p:cNvPr id="35" name="object 35" descr=""/>
+            <p:cNvPr id="35" name="object 35"/>
             <p:cNvPicPr/>
             <p:nvPr/>
           </p:nvPicPr>
@@ -8733,7 +7986,7 @@
         </p:pic>
         <p:pic>
           <p:nvPicPr>
-            <p:cNvPr id="36" name="object 36" descr=""/>
+            <p:cNvPr id="36" name="object 36"/>
             <p:cNvPicPr/>
             <p:nvPr/>
           </p:nvPicPr>
@@ -8755,7 +8008,7 @@
         </p:pic>
         <p:pic>
           <p:nvPicPr>
-            <p:cNvPr id="37" name="object 37" descr=""/>
+            <p:cNvPr id="37" name="object 37"/>
             <p:cNvPicPr/>
             <p:nvPr/>
           </p:nvPicPr>
@@ -8777,7 +8030,7 @@
         </p:pic>
         <p:pic>
           <p:nvPicPr>
-            <p:cNvPr id="38" name="object 38" descr=""/>
+            <p:cNvPr id="38" name="object 38"/>
             <p:cNvPicPr/>
             <p:nvPr/>
           </p:nvPicPr>
@@ -8799,7 +8052,7 @@
         </p:pic>
         <p:pic>
           <p:nvPicPr>
-            <p:cNvPr id="39" name="object 39" descr=""/>
+            <p:cNvPr id="39" name="object 39"/>
             <p:cNvPicPr/>
             <p:nvPr/>
           </p:nvPicPr>
@@ -8821,7 +8074,7 @@
         </p:pic>
         <p:pic>
           <p:nvPicPr>
-            <p:cNvPr id="40" name="object 40" descr=""/>
+            <p:cNvPr id="40" name="object 40"/>
             <p:cNvPicPr/>
             <p:nvPr/>
           </p:nvPicPr>
@@ -8843,7 +8096,7 @@
         </p:pic>
         <p:pic>
           <p:nvPicPr>
-            <p:cNvPr id="41" name="object 41" descr=""/>
+            <p:cNvPr id="41" name="object 41"/>
             <p:cNvPicPr/>
             <p:nvPr/>
           </p:nvPicPr>
@@ -8865,7 +8118,7 @@
         </p:pic>
         <p:pic>
           <p:nvPicPr>
-            <p:cNvPr id="42" name="object 42" descr=""/>
+            <p:cNvPr id="42" name="object 42"/>
             <p:cNvPicPr/>
             <p:nvPr/>
           </p:nvPicPr>
@@ -8887,7 +8140,7 @@
         </p:pic>
         <p:pic>
           <p:nvPicPr>
-            <p:cNvPr id="43" name="object 43" descr=""/>
+            <p:cNvPr id="43" name="object 43"/>
             <p:cNvPicPr/>
             <p:nvPr/>
           </p:nvPicPr>
@@ -8909,7 +8162,7 @@
         </p:pic>
         <p:pic>
           <p:nvPicPr>
-            <p:cNvPr id="44" name="object 44" descr=""/>
+            <p:cNvPr id="44" name="object 44"/>
             <p:cNvPicPr/>
             <p:nvPr/>
           </p:nvPicPr>
@@ -8931,7 +8184,7 @@
         </p:pic>
         <p:pic>
           <p:nvPicPr>
-            <p:cNvPr id="45" name="object 45" descr=""/>
+            <p:cNvPr id="45" name="object 45"/>
             <p:cNvPicPr/>
             <p:nvPr/>
           </p:nvPicPr>
@@ -8953,7 +8206,7 @@
         </p:pic>
         <p:pic>
           <p:nvPicPr>
-            <p:cNvPr id="46" name="object 46" descr=""/>
+            <p:cNvPr id="46" name="object 46"/>
             <p:cNvPicPr/>
             <p:nvPr/>
           </p:nvPicPr>
@@ -8975,7 +8228,7 @@
         </p:pic>
         <p:pic>
           <p:nvPicPr>
-            <p:cNvPr id="47" name="object 47" descr=""/>
+            <p:cNvPr id="47" name="object 47"/>
             <p:cNvPicPr/>
             <p:nvPr/>
           </p:nvPicPr>
@@ -8997,7 +8250,7 @@
         </p:pic>
         <p:pic>
           <p:nvPicPr>
-            <p:cNvPr id="48" name="object 48" descr=""/>
+            <p:cNvPr id="48" name="object 48"/>
             <p:cNvPicPr/>
             <p:nvPr/>
           </p:nvPicPr>
@@ -9019,7 +8272,7 @@
         </p:pic>
         <p:pic>
           <p:nvPicPr>
-            <p:cNvPr id="49" name="object 49" descr=""/>
+            <p:cNvPr id="49" name="object 49"/>
             <p:cNvPicPr/>
             <p:nvPr/>
           </p:nvPicPr>
@@ -9041,7 +8294,7 @@
         </p:pic>
         <p:sp>
           <p:nvSpPr>
-            <p:cNvPr id="50" name="object 50" descr=""/>
+            <p:cNvPr id="50" name="object 50"/>
             <p:cNvSpPr/>
             <p:nvPr/>
           </p:nvSpPr>
@@ -9144,12 +8397,14 @@
           <p:txBody>
             <a:bodyPr wrap="square" lIns="0" tIns="0" rIns="0" bIns="0" rtlCol="0"/>
             <a:lstStyle/>
-            <a:p/>
+            <a:p>
+              <a:endParaRPr/>
+            </a:p>
           </p:txBody>
         </p:sp>
         <p:pic>
           <p:nvPicPr>
-            <p:cNvPr id="51" name="object 51" descr=""/>
+            <p:cNvPr id="51" name="object 51"/>
             <p:cNvPicPr/>
             <p:nvPr/>
           </p:nvPicPr>
@@ -9171,7 +8426,7 @@
         </p:pic>
         <p:pic>
           <p:nvPicPr>
-            <p:cNvPr id="52" name="object 52" descr=""/>
+            <p:cNvPr id="52" name="object 52"/>
             <p:cNvPicPr/>
             <p:nvPr/>
           </p:nvPicPr>
@@ -9193,7 +8448,7 @@
         </p:pic>
         <p:sp>
           <p:nvSpPr>
-            <p:cNvPr id="53" name="object 53" descr=""/>
+            <p:cNvPr id="53" name="object 53"/>
             <p:cNvSpPr/>
             <p:nvPr/>
           </p:nvSpPr>
@@ -9236,12 +8491,14 @@
           <p:txBody>
             <a:bodyPr wrap="square" lIns="0" tIns="0" rIns="0" bIns="0" rtlCol="0"/>
             <a:lstStyle/>
-            <a:p/>
+            <a:p>
+              <a:endParaRPr/>
+            </a:p>
           </p:txBody>
         </p:sp>
         <p:sp>
           <p:nvSpPr>
-            <p:cNvPr id="54" name="object 54" descr=""/>
+            <p:cNvPr id="54" name="object 54"/>
             <p:cNvSpPr/>
             <p:nvPr/>
           </p:nvSpPr>
@@ -9322,12 +8579,14 @@
           <p:txBody>
             <a:bodyPr wrap="square" lIns="0" tIns="0" rIns="0" bIns="0" rtlCol="0"/>
             <a:lstStyle/>
-            <a:p/>
+            <a:p>
+              <a:endParaRPr/>
+            </a:p>
           </p:txBody>
         </p:sp>
         <p:sp>
           <p:nvSpPr>
-            <p:cNvPr id="55" name="object 55" descr=""/>
+            <p:cNvPr id="55" name="object 55"/>
             <p:cNvSpPr/>
             <p:nvPr/>
           </p:nvSpPr>
@@ -9460,12 +8719,14 @@
           <p:txBody>
             <a:bodyPr wrap="square" lIns="0" tIns="0" rIns="0" bIns="0" rtlCol="0"/>
             <a:lstStyle/>
-            <a:p/>
+            <a:p>
+              <a:endParaRPr/>
+            </a:p>
           </p:txBody>
         </p:sp>
         <p:sp>
           <p:nvSpPr>
-            <p:cNvPr id="56" name="object 56" descr=""/>
+            <p:cNvPr id="56" name="object 56"/>
             <p:cNvSpPr/>
             <p:nvPr/>
           </p:nvSpPr>
@@ -9517,12 +8778,14 @@
           <p:txBody>
             <a:bodyPr wrap="square" lIns="0" tIns="0" rIns="0" bIns="0" rtlCol="0"/>
             <a:lstStyle/>
-            <a:p/>
+            <a:p>
+              <a:endParaRPr/>
+            </a:p>
           </p:txBody>
         </p:sp>
         <p:pic>
           <p:nvPicPr>
-            <p:cNvPr id="57" name="object 57" descr=""/>
+            <p:cNvPr id="57" name="object 57"/>
             <p:cNvPicPr/>
             <p:nvPr/>
           </p:nvPicPr>
@@ -9544,7 +8807,7 @@
         </p:pic>
         <p:pic>
           <p:nvPicPr>
-            <p:cNvPr id="58" name="object 58" descr=""/>
+            <p:cNvPr id="58" name="object 58"/>
             <p:cNvPicPr/>
             <p:nvPr/>
           </p:nvPicPr>
@@ -9566,7 +8829,7 @@
         </p:pic>
         <p:pic>
           <p:nvPicPr>
-            <p:cNvPr id="59" name="object 59" descr=""/>
+            <p:cNvPr id="59" name="object 59"/>
             <p:cNvPicPr/>
             <p:nvPr/>
           </p:nvPicPr>
@@ -9588,7 +8851,7 @@
         </p:pic>
         <p:pic>
           <p:nvPicPr>
-            <p:cNvPr id="60" name="object 60" descr=""/>
+            <p:cNvPr id="60" name="object 60"/>
             <p:cNvPicPr/>
             <p:nvPr/>
           </p:nvPicPr>
@@ -9610,7 +8873,7 @@
         </p:pic>
         <p:pic>
           <p:nvPicPr>
-            <p:cNvPr id="61" name="object 61" descr=""/>
+            <p:cNvPr id="61" name="object 61"/>
             <p:cNvPicPr/>
             <p:nvPr/>
           </p:nvPicPr>
@@ -9632,7 +8895,7 @@
         </p:pic>
         <p:pic>
           <p:nvPicPr>
-            <p:cNvPr id="62" name="object 62" descr=""/>
+            <p:cNvPr id="62" name="object 62"/>
             <p:cNvPicPr/>
             <p:nvPr/>
           </p:nvPicPr>
@@ -9654,7 +8917,7 @@
         </p:pic>
         <p:pic>
           <p:nvPicPr>
-            <p:cNvPr id="63" name="object 63" descr=""/>
+            <p:cNvPr id="63" name="object 63"/>
             <p:cNvPicPr/>
             <p:nvPr/>
           </p:nvPicPr>
@@ -9676,7 +8939,7 @@
         </p:pic>
         <p:pic>
           <p:nvPicPr>
-            <p:cNvPr id="64" name="object 64" descr=""/>
+            <p:cNvPr id="64" name="object 64"/>
             <p:cNvPicPr/>
             <p:nvPr/>
           </p:nvPicPr>
@@ -9698,7 +8961,7 @@
         </p:pic>
         <p:sp>
           <p:nvSpPr>
-            <p:cNvPr id="65" name="object 65" descr=""/>
+            <p:cNvPr id="65" name="object 65"/>
             <p:cNvSpPr/>
             <p:nvPr/>
           </p:nvSpPr>
@@ -9777,12 +9040,14 @@
           <p:txBody>
             <a:bodyPr wrap="square" lIns="0" tIns="0" rIns="0" bIns="0" rtlCol="0"/>
             <a:lstStyle/>
-            <a:p/>
+            <a:p>
+              <a:endParaRPr/>
+            </a:p>
           </p:txBody>
         </p:sp>
         <p:sp>
           <p:nvSpPr>
-            <p:cNvPr id="66" name="object 66" descr=""/>
+            <p:cNvPr id="66" name="object 66"/>
             <p:cNvSpPr/>
             <p:nvPr/>
           </p:nvSpPr>
@@ -9861,12 +9126,14 @@
           <p:txBody>
             <a:bodyPr wrap="square" lIns="0" tIns="0" rIns="0" bIns="0" rtlCol="0"/>
             <a:lstStyle/>
-            <a:p/>
+            <a:p>
+              <a:endParaRPr/>
+            </a:p>
           </p:txBody>
         </p:sp>
         <p:sp>
           <p:nvSpPr>
-            <p:cNvPr id="67" name="object 67" descr=""/>
+            <p:cNvPr id="67" name="object 67"/>
             <p:cNvSpPr/>
             <p:nvPr/>
           </p:nvSpPr>
@@ -9945,7 +9212,9 @@
           <p:txBody>
             <a:bodyPr wrap="square" lIns="0" tIns="0" rIns="0" bIns="0" rtlCol="0"/>
             <a:lstStyle/>
-            <a:p/>
+            <a:p>
+              <a:endParaRPr/>
+            </a:p>
           </p:txBody>
         </p:sp>
       </p:grpSp>
